--- a/Documents/ThuctapNodejs4.pptx
+++ b/Documents/ThuctapNodejs4.pptx
@@ -5,7 +5,7 @@
     <p:sldMasterId id="2147483648" r:id="rId1"/>
   </p:sldMasterIdLst>
   <p:notesMasterIdLst>
-    <p:notesMasterId r:id="rId22"/>
+    <p:notesMasterId r:id="rId21"/>
   </p:notesMasterIdLst>
   <p:sldIdLst>
     <p:sldId id="294" r:id="rId2"/>
@@ -20,14 +20,13 @@
     <p:sldId id="343" r:id="rId11"/>
     <p:sldId id="354" r:id="rId12"/>
     <p:sldId id="355" r:id="rId13"/>
-    <p:sldId id="344" r:id="rId14"/>
-    <p:sldId id="345" r:id="rId15"/>
-    <p:sldId id="347" r:id="rId16"/>
-    <p:sldId id="348" r:id="rId17"/>
-    <p:sldId id="349" r:id="rId18"/>
-    <p:sldId id="339" r:id="rId19"/>
-    <p:sldId id="338" r:id="rId20"/>
-    <p:sldId id="318" r:id="rId21"/>
+    <p:sldId id="356" r:id="rId14"/>
+    <p:sldId id="357" r:id="rId15"/>
+    <p:sldId id="358" r:id="rId16"/>
+    <p:sldId id="360" r:id="rId17"/>
+    <p:sldId id="338" r:id="rId18"/>
+    <p:sldId id="359" r:id="rId19"/>
+    <p:sldId id="318" r:id="rId20"/>
   </p:sldIdLst>
   <p:sldSz cx="9144000" cy="5143500" type="screen16x9"/>
   <p:notesSz cx="6858000" cy="9144000"/>
@@ -574,7 +573,7 @@
           <a:p>
             <a:fld id="{6ED27907-7A40-454E-B822-A1454CCC2AE1}" type="slidenum">
               <a:rPr lang="en-US" smtClean="0"/>
-              <a:t>19</a:t>
+              <a:t>17</a:t>
             </a:fld>
             <a:endParaRPr lang="en-US"/>
           </a:p>
@@ -5937,7 +5936,6 @@
               <a:rPr lang="en-US" dirty="0" smtClean="0"/>
               <a:t> 2 file Router</a:t>
             </a:r>
-            <a:endParaRPr lang="en-US" dirty="0" smtClean="0"/>
           </a:p>
         </p:txBody>
       </p:sp>
@@ -6271,7 +6269,6 @@
               <a:rPr lang="en-US" dirty="0" smtClean="0"/>
               <a:t> 2 file Router</a:t>
             </a:r>
-            <a:endParaRPr lang="en-US" dirty="0" smtClean="0"/>
           </a:p>
         </p:txBody>
       </p:sp>
@@ -6389,19 +6386,19 @@
           <a:p>
             <a:r>
               <a:rPr lang="en-US" dirty="0" err="1" smtClean="0"/>
-              <a:t>Cài</a:t>
+              <a:t>Gửi</a:t>
             </a:r>
             <a:r>
               <a:rPr lang="en-US" dirty="0" smtClean="0"/>
-              <a:t> </a:t>
+              <a:t> request </a:t>
             </a:r>
             <a:r>
               <a:rPr lang="en-US" dirty="0" err="1" smtClean="0"/>
-              <a:t>đặt</a:t>
+              <a:t>bằng</a:t>
             </a:r>
             <a:r>
               <a:rPr lang="en-US" dirty="0" smtClean="0"/>
-              <a:t> packages</a:t>
+              <a:t> curl</a:t>
             </a:r>
             <a:endParaRPr lang="en-US" dirty="0"/>
           </a:p>
@@ -6409,7 +6406,7 @@
       </p:sp>
       <p:sp>
         <p:nvSpPr>
-          <p:cNvPr id="10" name="Content Placeholder 2"/>
+          <p:cNvPr id="7" name="Content Placeholder 2"/>
           <p:cNvSpPr txBox="1">
             <a:spLocks/>
           </p:cNvSpPr>
@@ -6417,8 +6414,8 @@
         </p:nvSpPr>
         <p:spPr>
           <a:xfrm>
-            <a:off x="5638800" y="2272333"/>
-            <a:ext cx="1981200" cy="596332"/>
+            <a:off x="228600" y="1047750"/>
+            <a:ext cx="8686800" cy="3818752"/>
           </a:xfrm>
           <a:prstGeom prst="rect">
             <a:avLst/>
@@ -6570,24 +6567,53 @@
               <a:spcBef>
                 <a:spcPts val="600"/>
               </a:spcBef>
-              <a:buFont typeface="Arial" pitchFamily="34" charset="0"/>
               <a:buNone/>
             </a:pPr>
             <a:r>
-              <a:rPr lang="en-US" dirty="0" err="1" smtClean="0">
-                <a:solidFill>
-                  <a:srgbClr val="FFFF00"/>
-                </a:solidFill>
-              </a:rPr>
-              <a:t>npm</a:t>
-            </a:r>
-            <a:r>
-              <a:rPr lang="en-US" dirty="0" smtClean="0">
-                <a:solidFill>
-                  <a:srgbClr val="FFFF00"/>
-                </a:solidFill>
-              </a:rPr>
-              <a:t> start</a:t>
+              <a:rPr lang="en-US" sz="2500" dirty="0">
+                <a:solidFill>
+                  <a:srgbClr val="00B0F0"/>
+                </a:solidFill>
+              </a:rPr>
+              <a:t>curl </a:t>
+            </a:r>
+            <a:r>
+              <a:rPr lang="en-US" sz="2500" dirty="0"/>
+              <a:t>http://localhost:3000/</a:t>
+            </a:r>
+            <a:r>
+              <a:rPr lang="en-US" sz="2500" dirty="0" err="1"/>
+              <a:t>task?</a:t>
+            </a:r>
+            <a:r>
+              <a:rPr lang="en-US" sz="2500" dirty="0" err="1">
+                <a:solidFill>
+                  <a:schemeClr val="accent6">
+                    <a:lumMod val="75000"/>
+                  </a:schemeClr>
+                </a:solidFill>
+              </a:rPr>
+              <a:t>nameContain</a:t>
+            </a:r>
+            <a:r>
+              <a:rPr lang="en-US" sz="2500" dirty="0"/>
+              <a:t>=</a:t>
+            </a:r>
+            <a:r>
+              <a:rPr lang="en-US" sz="2500" dirty="0">
+                <a:solidFill>
+                  <a:srgbClr val="7DBD00"/>
+                </a:solidFill>
+              </a:rPr>
+              <a:t>'make</a:t>
+            </a:r>
+            <a:r>
+              <a:rPr lang="en-US" sz="2500" dirty="0" smtClean="0">
+                <a:solidFill>
+                  <a:srgbClr val="7DBD00"/>
+                </a:solidFill>
+              </a:rPr>
+              <a:t>'</a:t>
             </a:r>
           </a:p>
           <a:p>
@@ -6597,365 +6623,9 @@
               </a:spcBef>
               <a:buNone/>
             </a:pPr>
-            <a:endParaRPr lang="en-US" dirty="0" smtClean="0"/>
-          </a:p>
-        </p:txBody>
-      </p:sp>
-      <p:pic>
-        <p:nvPicPr>
-          <p:cNvPr id="3" name="Picture 2"/>
-          <p:cNvPicPr>
-            <a:picLocks noChangeAspect="1"/>
-          </p:cNvPicPr>
-          <p:nvPr/>
-        </p:nvPicPr>
-        <p:blipFill>
-          <a:blip r:embed="rId2">
-            <a:extLst>
-              <a:ext uri="{28A0092B-C50C-407E-A947-70E740481C1C}">
-                <a14:useLocalDpi xmlns:a14="http://schemas.microsoft.com/office/drawing/2010/main" val="0"/>
-              </a:ext>
-            </a:extLst>
-          </a:blip>
-          <a:stretch>
-            <a:fillRect/>
-          </a:stretch>
-        </p:blipFill>
-        <p:spPr>
-          <a:xfrm>
-            <a:off x="16565" y="3090395"/>
-            <a:ext cx="3801081" cy="1616941"/>
-          </a:xfrm>
-          <a:prstGeom prst="rect">
-            <a:avLst/>
-          </a:prstGeom>
-        </p:spPr>
-      </p:pic>
-      <p:pic>
-        <p:nvPicPr>
-          <p:cNvPr id="4" name="Picture 3"/>
-          <p:cNvPicPr>
-            <a:picLocks noChangeAspect="1"/>
-          </p:cNvPicPr>
-          <p:nvPr/>
-        </p:nvPicPr>
-        <p:blipFill>
-          <a:blip r:embed="rId3">
-            <a:extLst>
-              <a:ext uri="{28A0092B-C50C-407E-A947-70E740481C1C}">
-                <a14:useLocalDpi xmlns:a14="http://schemas.microsoft.com/office/drawing/2010/main" val="0"/>
-              </a:ext>
-            </a:extLst>
-          </a:blip>
-          <a:stretch>
-            <a:fillRect/>
-          </a:stretch>
-        </p:blipFill>
-        <p:spPr>
-          <a:xfrm>
-            <a:off x="-6625" y="2047736"/>
-            <a:ext cx="5553618" cy="853540"/>
-          </a:xfrm>
-          <a:prstGeom prst="rect">
-            <a:avLst/>
-          </a:prstGeom>
-        </p:spPr>
-      </p:pic>
-      <p:pic>
-        <p:nvPicPr>
-          <p:cNvPr id="5" name="Picture 4"/>
-          <p:cNvPicPr>
-            <a:picLocks noChangeAspect="1"/>
-          </p:cNvPicPr>
-          <p:nvPr/>
-        </p:nvPicPr>
-        <p:blipFill>
-          <a:blip r:embed="rId4">
-            <a:extLst>
-              <a:ext uri="{28A0092B-C50C-407E-A947-70E740481C1C}">
-                <a14:useLocalDpi xmlns:a14="http://schemas.microsoft.com/office/drawing/2010/main" val="0"/>
-              </a:ext>
-            </a:extLst>
-          </a:blip>
-          <a:stretch>
-            <a:fillRect/>
-          </a:stretch>
-        </p:blipFill>
-        <p:spPr>
-          <a:xfrm>
-            <a:off x="16565" y="778271"/>
-            <a:ext cx="5530427" cy="1107679"/>
-          </a:xfrm>
-          <a:prstGeom prst="rect">
-            <a:avLst/>
-          </a:prstGeom>
-        </p:spPr>
-      </p:pic>
-      <p:sp>
-        <p:nvSpPr>
-          <p:cNvPr id="9" name="Rectangle 8"/>
-          <p:cNvSpPr/>
-          <p:nvPr/>
-        </p:nvSpPr>
-        <p:spPr>
-          <a:xfrm>
-            <a:off x="238538" y="2416849"/>
-            <a:ext cx="4638261" cy="307301"/>
-          </a:xfrm>
-          <a:prstGeom prst="rect">
-            <a:avLst/>
-          </a:prstGeom>
-          <a:noFill/>
-          <a:ln>
-            <a:solidFill>
-              <a:srgbClr val="FFFF00"/>
-            </a:solidFill>
-          </a:ln>
-        </p:spPr>
-        <p:style>
-          <a:lnRef idx="2">
-            <a:schemeClr val="accent1">
-              <a:shade val="50000"/>
-            </a:schemeClr>
-          </a:lnRef>
-          <a:fillRef idx="1">
-            <a:schemeClr val="accent1"/>
-          </a:fillRef>
-          <a:effectRef idx="0">
-            <a:schemeClr val="accent1"/>
-          </a:effectRef>
-          <a:fontRef idx="minor">
-            <a:schemeClr val="lt1"/>
-          </a:fontRef>
-        </p:style>
-        <p:txBody>
-          <a:bodyPr rtlCol="0" anchor="ctr"/>
-          <a:lstStyle/>
-          <a:p>
-            <a:pPr algn="ctr"/>
-            <a:endParaRPr lang="en-US">
-              <a:noFill/>
-            </a:endParaRPr>
-          </a:p>
-        </p:txBody>
-      </p:sp>
-      <p:sp>
-        <p:nvSpPr>
-          <p:cNvPr id="11" name="Content Placeholder 2"/>
-          <p:cNvSpPr txBox="1">
-            <a:spLocks/>
-          </p:cNvSpPr>
-          <p:nvPr/>
-        </p:nvSpPr>
-        <p:spPr>
-          <a:xfrm>
-            <a:off x="3817646" y="2932030"/>
-            <a:ext cx="5181600" cy="468642"/>
-          </a:xfrm>
-          <a:prstGeom prst="rect">
-            <a:avLst/>
-          </a:prstGeom>
-        </p:spPr>
-        <p:txBody>
-          <a:bodyPr vert="horz" lIns="91440" tIns="45720" rIns="91440" bIns="45720" rtlCol="0">
-            <a:noAutofit/>
-          </a:bodyPr>
-          <a:lstStyle>
-            <a:lvl1pPr marL="342900" indent="-342900" algn="l" defTabSz="914400" rtl="0" eaLnBrk="1" latinLnBrk="0" hangingPunct="1">
-              <a:spcBef>
-                <a:spcPts val="1800"/>
-              </a:spcBef>
-              <a:buFont typeface="Arial" pitchFamily="34" charset="0"/>
-              <a:buChar char="•"/>
-              <a:defRPr sz="3200" kern="1200">
-                <a:solidFill>
-                  <a:schemeClr val="bg1"/>
-                </a:solidFill>
-                <a:latin typeface="Corbel"/>
-                <a:ea typeface="Segoe UI" pitchFamily="34" charset="0"/>
-                <a:cs typeface="Corbel"/>
-              </a:defRPr>
-            </a:lvl1pPr>
-            <a:lvl2pPr marL="742950" indent="-285750" algn="l" defTabSz="914400" rtl="0" eaLnBrk="1" latinLnBrk="0" hangingPunct="1">
-              <a:spcBef>
-                <a:spcPts val="1800"/>
-              </a:spcBef>
-              <a:buFont typeface="Arial" pitchFamily="34" charset="0"/>
-              <a:buChar char="–"/>
-              <a:defRPr sz="2800" kern="1200">
-                <a:solidFill>
-                  <a:schemeClr val="bg1"/>
-                </a:solidFill>
-                <a:latin typeface="Corbel"/>
-                <a:ea typeface="Segoe UI" pitchFamily="34" charset="0"/>
-                <a:cs typeface="Corbel"/>
-              </a:defRPr>
-            </a:lvl2pPr>
-            <a:lvl3pPr marL="1143000" indent="-228600" algn="l" defTabSz="914400" rtl="0" eaLnBrk="1" latinLnBrk="0" hangingPunct="1">
-              <a:spcBef>
-                <a:spcPts val="1800"/>
-              </a:spcBef>
-              <a:buFont typeface="Arial" pitchFamily="34" charset="0"/>
-              <a:buChar char="•"/>
-              <a:defRPr sz="2400" kern="1200">
-                <a:solidFill>
-                  <a:schemeClr val="bg1"/>
-                </a:solidFill>
-                <a:latin typeface="Corbel"/>
-                <a:ea typeface="Segoe UI" pitchFamily="34" charset="0"/>
-                <a:cs typeface="Corbel"/>
-              </a:defRPr>
-            </a:lvl3pPr>
-            <a:lvl4pPr marL="1600200" indent="-228600" algn="l" defTabSz="914400" rtl="0" eaLnBrk="1" latinLnBrk="0" hangingPunct="1">
-              <a:spcBef>
-                <a:spcPts val="1800"/>
-              </a:spcBef>
-              <a:buFont typeface="Arial" pitchFamily="34" charset="0"/>
-              <a:buChar char="–"/>
-              <a:defRPr sz="2000" kern="1200">
-                <a:solidFill>
-                  <a:schemeClr val="bg1"/>
-                </a:solidFill>
-                <a:latin typeface="Corbel"/>
-                <a:ea typeface="Segoe UI" pitchFamily="34" charset="0"/>
-                <a:cs typeface="Corbel"/>
-              </a:defRPr>
-            </a:lvl4pPr>
-            <a:lvl5pPr marL="2057400" indent="-228600" algn="l" defTabSz="914400" rtl="0" eaLnBrk="1" latinLnBrk="0" hangingPunct="1">
-              <a:spcBef>
-                <a:spcPts val="1800"/>
-              </a:spcBef>
-              <a:buFont typeface="Arial" pitchFamily="34" charset="0"/>
-              <a:buChar char="»"/>
-              <a:defRPr sz="2000" kern="1200">
-                <a:solidFill>
-                  <a:schemeClr val="bg1"/>
-                </a:solidFill>
-                <a:latin typeface="Corbel"/>
-                <a:ea typeface="Segoe UI" pitchFamily="34" charset="0"/>
-                <a:cs typeface="Corbel"/>
-              </a:defRPr>
-            </a:lvl5pPr>
-            <a:lvl6pPr marL="2514600" indent="-228600" algn="l" defTabSz="914400" rtl="0" eaLnBrk="1" latinLnBrk="0" hangingPunct="1">
-              <a:spcBef>
-                <a:spcPct val="20000"/>
-              </a:spcBef>
-              <a:buFont typeface="Arial" pitchFamily="34" charset="0"/>
-              <a:buChar char="•"/>
-              <a:defRPr sz="2000" kern="1200">
-                <a:solidFill>
-                  <a:schemeClr val="tx1"/>
-                </a:solidFill>
-                <a:latin typeface="+mn-lt"/>
-                <a:ea typeface="+mn-ea"/>
-                <a:cs typeface="+mn-cs"/>
-              </a:defRPr>
-            </a:lvl6pPr>
-            <a:lvl7pPr marL="2971800" indent="-228600" algn="l" defTabSz="914400" rtl="0" eaLnBrk="1" latinLnBrk="0" hangingPunct="1">
-              <a:spcBef>
-                <a:spcPct val="20000"/>
-              </a:spcBef>
-              <a:buFont typeface="Arial" pitchFamily="34" charset="0"/>
-              <a:buChar char="•"/>
-              <a:defRPr sz="2000" kern="1200">
-                <a:solidFill>
-                  <a:schemeClr val="tx1"/>
-                </a:solidFill>
-                <a:latin typeface="+mn-lt"/>
-                <a:ea typeface="+mn-ea"/>
-                <a:cs typeface="+mn-cs"/>
-              </a:defRPr>
-            </a:lvl7pPr>
-            <a:lvl8pPr marL="3429000" indent="-228600" algn="l" defTabSz="914400" rtl="0" eaLnBrk="1" latinLnBrk="0" hangingPunct="1">
-              <a:spcBef>
-                <a:spcPct val="20000"/>
-              </a:spcBef>
-              <a:buFont typeface="Arial" pitchFamily="34" charset="0"/>
-              <a:buChar char="•"/>
-              <a:defRPr sz="2000" kern="1200">
-                <a:solidFill>
-                  <a:schemeClr val="tx1"/>
-                </a:solidFill>
-                <a:latin typeface="+mn-lt"/>
-                <a:ea typeface="+mn-ea"/>
-                <a:cs typeface="+mn-cs"/>
-              </a:defRPr>
-            </a:lvl8pPr>
-            <a:lvl9pPr marL="3886200" indent="-228600" algn="l" defTabSz="914400" rtl="0" eaLnBrk="1" latinLnBrk="0" hangingPunct="1">
-              <a:spcBef>
-                <a:spcPct val="20000"/>
-              </a:spcBef>
-              <a:buFont typeface="Arial" pitchFamily="34" charset="0"/>
-              <a:buChar char="•"/>
-              <a:defRPr sz="2000" kern="1200">
-                <a:solidFill>
-                  <a:schemeClr val="tx1"/>
-                </a:solidFill>
-                <a:latin typeface="+mn-lt"/>
-                <a:ea typeface="+mn-ea"/>
-                <a:cs typeface="+mn-cs"/>
-              </a:defRPr>
-            </a:lvl9pPr>
-          </a:lstStyle>
-          <a:p>
-            <a:pPr marL="0" indent="0">
-              <a:spcBef>
-                <a:spcPts val="600"/>
-              </a:spcBef>
-              <a:buFont typeface="Arial" pitchFamily="34" charset="0"/>
-              <a:buNone/>
-            </a:pPr>
-            <a:r>
-              <a:rPr lang="en-US" sz="3000" dirty="0" err="1" smtClean="0">
-                <a:solidFill>
-                  <a:srgbClr val="FFFF00"/>
-                </a:solidFill>
-              </a:rPr>
-              <a:t>npm</a:t>
-            </a:r>
-            <a:r>
-              <a:rPr lang="en-US" sz="3000" dirty="0" smtClean="0">
-                <a:solidFill>
-                  <a:srgbClr val="FFFF00"/>
-                </a:solidFill>
-              </a:rPr>
-              <a:t> install </a:t>
-            </a:r>
-            <a:r>
-              <a:rPr lang="mr-IN" sz="3000" dirty="0" smtClean="0">
-                <a:solidFill>
-                  <a:srgbClr val="FFFF00"/>
-                </a:solidFill>
-              </a:rPr>
-              <a:t>–</a:t>
-            </a:r>
-            <a:r>
-              <a:rPr lang="en-US" sz="3000" dirty="0" err="1" smtClean="0">
-                <a:solidFill>
-                  <a:srgbClr val="FFFF00"/>
-                </a:solidFill>
-              </a:rPr>
-              <a:t>savedev</a:t>
-            </a:r>
-            <a:r>
-              <a:rPr lang="en-US" sz="3000" dirty="0" smtClean="0">
-                <a:solidFill>
-                  <a:srgbClr val="FFFF00"/>
-                </a:solidFill>
-              </a:rPr>
-              <a:t> </a:t>
-            </a:r>
-            <a:r>
-              <a:rPr lang="en-US" sz="3000" dirty="0" err="1" smtClean="0">
-                <a:solidFill>
-                  <a:srgbClr val="FFFF00"/>
-                </a:solidFill>
-              </a:rPr>
-              <a:t>nodemon</a:t>
-            </a:r>
-            <a:endParaRPr lang="en-US" sz="3000" dirty="0" smtClean="0">
+            <a:endParaRPr lang="en-US" sz="2500" dirty="0" smtClean="0">
               <a:solidFill>
-                <a:srgbClr val="FFFF00"/>
+                <a:srgbClr val="7DBD00"/>
               </a:solidFill>
             </a:endParaRPr>
           </a:p>
@@ -6966,304 +6636,71 @@
               </a:spcBef>
               <a:buNone/>
             </a:pPr>
-            <a:endParaRPr lang="en-US" sz="3000" dirty="0" smtClean="0"/>
-          </a:p>
-        </p:txBody>
-      </p:sp>
-      <p:sp>
-        <p:nvSpPr>
-          <p:cNvPr id="12" name="Rectangle 11"/>
-          <p:cNvSpPr/>
-          <p:nvPr/>
-        </p:nvSpPr>
-        <p:spPr>
-          <a:xfrm>
-            <a:off x="16565" y="3028950"/>
-            <a:ext cx="1964635" cy="241439"/>
-          </a:xfrm>
-          <a:prstGeom prst="rect">
-            <a:avLst/>
-          </a:prstGeom>
-          <a:noFill/>
-          <a:ln>
-            <a:solidFill>
-              <a:srgbClr val="FFFF00"/>
-            </a:solidFill>
-          </a:ln>
-        </p:spPr>
-        <p:style>
-          <a:lnRef idx="2">
-            <a:schemeClr val="accent1">
-              <a:shade val="50000"/>
-            </a:schemeClr>
-          </a:lnRef>
-          <a:fillRef idx="1">
-            <a:schemeClr val="accent1"/>
-          </a:fillRef>
-          <a:effectRef idx="0">
-            <a:schemeClr val="accent1"/>
-          </a:effectRef>
-          <a:fontRef idx="minor">
-            <a:schemeClr val="lt1"/>
-          </a:fontRef>
-        </p:style>
-        <p:txBody>
-          <a:bodyPr rtlCol="0" anchor="ctr"/>
-          <a:lstStyle/>
-          <a:p>
-            <a:pPr algn="ctr"/>
-            <a:endParaRPr lang="en-US">
-              <a:noFill/>
+            <a:r>
+              <a:rPr lang="en-US" sz="2500" dirty="0">
+                <a:solidFill>
+                  <a:srgbClr val="00B0F0"/>
+                </a:solidFill>
+              </a:rPr>
+              <a:t>curl</a:t>
+            </a:r>
+            <a:r>
+              <a:rPr lang="en-US" sz="2500" dirty="0">
+                <a:solidFill>
+                  <a:srgbClr val="7DBD00"/>
+                </a:solidFill>
+              </a:rPr>
+              <a:t> </a:t>
+            </a:r>
+            <a:r>
+              <a:rPr lang="en-US" sz="2500" dirty="0"/>
+              <a:t>--header </a:t>
+            </a:r>
+            <a:r>
+              <a:rPr lang="en-US" sz="2500" dirty="0">
+                <a:solidFill>
+                  <a:srgbClr val="7DBD00"/>
+                </a:solidFill>
+              </a:rPr>
+              <a:t>"</a:t>
+            </a:r>
+            <a:r>
+              <a:rPr lang="en-US" sz="2500" dirty="0">
+                <a:solidFill>
+                  <a:schemeClr val="accent6"/>
+                </a:solidFill>
+              </a:rPr>
+              <a:t>Content-Type</a:t>
+            </a:r>
+            <a:r>
+              <a:rPr lang="en-US" sz="2500" dirty="0">
+                <a:solidFill>
+                  <a:srgbClr val="7DBD00"/>
+                </a:solidFill>
+              </a:rPr>
+              <a:t>: application/</a:t>
+            </a:r>
+            <a:r>
+              <a:rPr lang="en-US" sz="2500" dirty="0" err="1">
+                <a:solidFill>
+                  <a:srgbClr val="7DBD00"/>
+                </a:solidFill>
+              </a:rPr>
+              <a:t>json</a:t>
+            </a:r>
+            <a:r>
+              <a:rPr lang="en-US" sz="2500" dirty="0">
+                <a:solidFill>
+                  <a:srgbClr val="7DBD00"/>
+                </a:solidFill>
+              </a:rPr>
+              <a:t>" \  </a:t>
+            </a:r>
+            <a:endParaRPr lang="en-US" sz="2500" dirty="0" smtClean="0">
+              <a:solidFill>
+                <a:srgbClr val="7DBD00"/>
+              </a:solidFill>
             </a:endParaRPr>
-          </a:p>
-        </p:txBody>
-      </p:sp>
-      <p:sp>
-        <p:nvSpPr>
-          <p:cNvPr id="13" name="Rectangle 12"/>
-          <p:cNvSpPr/>
-          <p:nvPr/>
-        </p:nvSpPr>
-        <p:spPr>
-          <a:xfrm>
-            <a:off x="16565" y="4019551"/>
-            <a:ext cx="2421835" cy="687786"/>
-          </a:xfrm>
-          <a:prstGeom prst="rect">
-            <a:avLst/>
-          </a:prstGeom>
-          <a:noFill/>
-          <a:ln>
-            <a:solidFill>
-              <a:srgbClr val="FFFF00"/>
-            </a:solidFill>
-          </a:ln>
-        </p:spPr>
-        <p:style>
-          <a:lnRef idx="2">
-            <a:schemeClr val="accent1">
-              <a:shade val="50000"/>
-            </a:schemeClr>
-          </a:lnRef>
-          <a:fillRef idx="1">
-            <a:schemeClr val="accent1"/>
-          </a:fillRef>
-          <a:effectRef idx="0">
-            <a:schemeClr val="accent1"/>
-          </a:effectRef>
-          <a:fontRef idx="minor">
-            <a:schemeClr val="lt1"/>
-          </a:fontRef>
-        </p:style>
-        <p:txBody>
-          <a:bodyPr rtlCol="0" anchor="ctr"/>
-          <a:lstStyle/>
-          <a:p>
-            <a:pPr algn="ctr"/>
-            <a:endParaRPr lang="en-US">
-              <a:noFill/>
-            </a:endParaRPr>
-          </a:p>
-        </p:txBody>
-      </p:sp>
-      <p:sp>
-        <p:nvSpPr>
-          <p:cNvPr id="14" name="Content Placeholder 2"/>
-          <p:cNvSpPr txBox="1">
-            <a:spLocks/>
-          </p:cNvSpPr>
-          <p:nvPr/>
-        </p:nvSpPr>
-        <p:spPr>
-          <a:xfrm>
-            <a:off x="3817646" y="4141491"/>
-            <a:ext cx="4876800" cy="468642"/>
-          </a:xfrm>
-          <a:prstGeom prst="rect">
-            <a:avLst/>
-          </a:prstGeom>
-        </p:spPr>
-        <p:txBody>
-          <a:bodyPr vert="horz" lIns="91440" tIns="45720" rIns="91440" bIns="45720" rtlCol="0">
-            <a:normAutofit fontScale="92500" lnSpcReduction="20000"/>
-          </a:bodyPr>
-          <a:lstStyle>
-            <a:lvl1pPr marL="342900" indent="-342900" algn="l" defTabSz="914400" rtl="0" eaLnBrk="1" latinLnBrk="0" hangingPunct="1">
-              <a:spcBef>
-                <a:spcPts val="1800"/>
-              </a:spcBef>
-              <a:buFont typeface="Arial" pitchFamily="34" charset="0"/>
-              <a:buChar char="•"/>
-              <a:defRPr sz="3200" kern="1200">
-                <a:solidFill>
-                  <a:schemeClr val="bg1"/>
-                </a:solidFill>
-                <a:latin typeface="Corbel"/>
-                <a:ea typeface="Segoe UI" pitchFamily="34" charset="0"/>
-                <a:cs typeface="Corbel"/>
-              </a:defRPr>
-            </a:lvl1pPr>
-            <a:lvl2pPr marL="742950" indent="-285750" algn="l" defTabSz="914400" rtl="0" eaLnBrk="1" latinLnBrk="0" hangingPunct="1">
-              <a:spcBef>
-                <a:spcPts val="1800"/>
-              </a:spcBef>
-              <a:buFont typeface="Arial" pitchFamily="34" charset="0"/>
-              <a:buChar char="–"/>
-              <a:defRPr sz="2800" kern="1200">
-                <a:solidFill>
-                  <a:schemeClr val="bg1"/>
-                </a:solidFill>
-                <a:latin typeface="Corbel"/>
-                <a:ea typeface="Segoe UI" pitchFamily="34" charset="0"/>
-                <a:cs typeface="Corbel"/>
-              </a:defRPr>
-            </a:lvl2pPr>
-            <a:lvl3pPr marL="1143000" indent="-228600" algn="l" defTabSz="914400" rtl="0" eaLnBrk="1" latinLnBrk="0" hangingPunct="1">
-              <a:spcBef>
-                <a:spcPts val="1800"/>
-              </a:spcBef>
-              <a:buFont typeface="Arial" pitchFamily="34" charset="0"/>
-              <a:buChar char="•"/>
-              <a:defRPr sz="2400" kern="1200">
-                <a:solidFill>
-                  <a:schemeClr val="bg1"/>
-                </a:solidFill>
-                <a:latin typeface="Corbel"/>
-                <a:ea typeface="Segoe UI" pitchFamily="34" charset="0"/>
-                <a:cs typeface="Corbel"/>
-              </a:defRPr>
-            </a:lvl3pPr>
-            <a:lvl4pPr marL="1600200" indent="-228600" algn="l" defTabSz="914400" rtl="0" eaLnBrk="1" latinLnBrk="0" hangingPunct="1">
-              <a:spcBef>
-                <a:spcPts val="1800"/>
-              </a:spcBef>
-              <a:buFont typeface="Arial" pitchFamily="34" charset="0"/>
-              <a:buChar char="–"/>
-              <a:defRPr sz="2000" kern="1200">
-                <a:solidFill>
-                  <a:schemeClr val="bg1"/>
-                </a:solidFill>
-                <a:latin typeface="Corbel"/>
-                <a:ea typeface="Segoe UI" pitchFamily="34" charset="0"/>
-                <a:cs typeface="Corbel"/>
-              </a:defRPr>
-            </a:lvl4pPr>
-            <a:lvl5pPr marL="2057400" indent="-228600" algn="l" defTabSz="914400" rtl="0" eaLnBrk="1" latinLnBrk="0" hangingPunct="1">
-              <a:spcBef>
-                <a:spcPts val="1800"/>
-              </a:spcBef>
-              <a:buFont typeface="Arial" pitchFamily="34" charset="0"/>
-              <a:buChar char="»"/>
-              <a:defRPr sz="2000" kern="1200">
-                <a:solidFill>
-                  <a:schemeClr val="bg1"/>
-                </a:solidFill>
-                <a:latin typeface="Corbel"/>
-                <a:ea typeface="Segoe UI" pitchFamily="34" charset="0"/>
-                <a:cs typeface="Corbel"/>
-              </a:defRPr>
-            </a:lvl5pPr>
-            <a:lvl6pPr marL="2514600" indent="-228600" algn="l" defTabSz="914400" rtl="0" eaLnBrk="1" latinLnBrk="0" hangingPunct="1">
-              <a:spcBef>
-                <a:spcPct val="20000"/>
-              </a:spcBef>
-              <a:buFont typeface="Arial" pitchFamily="34" charset="0"/>
-              <a:buChar char="•"/>
-              <a:defRPr sz="2000" kern="1200">
-                <a:solidFill>
-                  <a:schemeClr val="tx1"/>
-                </a:solidFill>
-                <a:latin typeface="+mn-lt"/>
-                <a:ea typeface="+mn-ea"/>
-                <a:cs typeface="+mn-cs"/>
-              </a:defRPr>
-            </a:lvl6pPr>
-            <a:lvl7pPr marL="2971800" indent="-228600" algn="l" defTabSz="914400" rtl="0" eaLnBrk="1" latinLnBrk="0" hangingPunct="1">
-              <a:spcBef>
-                <a:spcPct val="20000"/>
-              </a:spcBef>
-              <a:buFont typeface="Arial" pitchFamily="34" charset="0"/>
-              <a:buChar char="•"/>
-              <a:defRPr sz="2000" kern="1200">
-                <a:solidFill>
-                  <a:schemeClr val="tx1"/>
-                </a:solidFill>
-                <a:latin typeface="+mn-lt"/>
-                <a:ea typeface="+mn-ea"/>
-                <a:cs typeface="+mn-cs"/>
-              </a:defRPr>
-            </a:lvl7pPr>
-            <a:lvl8pPr marL="3429000" indent="-228600" algn="l" defTabSz="914400" rtl="0" eaLnBrk="1" latinLnBrk="0" hangingPunct="1">
-              <a:spcBef>
-                <a:spcPct val="20000"/>
-              </a:spcBef>
-              <a:buFont typeface="Arial" pitchFamily="34" charset="0"/>
-              <a:buChar char="•"/>
-              <a:defRPr sz="2000" kern="1200">
-                <a:solidFill>
-                  <a:schemeClr val="tx1"/>
-                </a:solidFill>
-                <a:latin typeface="+mn-lt"/>
-                <a:ea typeface="+mn-ea"/>
-                <a:cs typeface="+mn-cs"/>
-              </a:defRPr>
-            </a:lvl8pPr>
-            <a:lvl9pPr marL="3886200" indent="-228600" algn="l" defTabSz="914400" rtl="0" eaLnBrk="1" latinLnBrk="0" hangingPunct="1">
-              <a:spcBef>
-                <a:spcPct val="20000"/>
-              </a:spcBef>
-              <a:buFont typeface="Arial" pitchFamily="34" charset="0"/>
-              <a:buChar char="•"/>
-              <a:defRPr sz="2000" kern="1200">
-                <a:solidFill>
-                  <a:schemeClr val="tx1"/>
-                </a:solidFill>
-                <a:latin typeface="+mn-lt"/>
-                <a:ea typeface="+mn-ea"/>
-                <a:cs typeface="+mn-cs"/>
-              </a:defRPr>
-            </a:lvl9pPr>
-          </a:lstStyle>
-          <a:p>
-            <a:pPr marL="0" indent="0">
-              <a:spcBef>
-                <a:spcPts val="600"/>
-              </a:spcBef>
-              <a:buFont typeface="Arial" pitchFamily="34" charset="0"/>
-              <a:buNone/>
-            </a:pPr>
-            <a:r>
-              <a:rPr lang="en-US" dirty="0" err="1" smtClean="0">
-                <a:solidFill>
-                  <a:srgbClr val="FFFF00"/>
-                </a:solidFill>
-              </a:rPr>
-              <a:t>npm</a:t>
-            </a:r>
-            <a:r>
-              <a:rPr lang="en-US" dirty="0" smtClean="0">
-                <a:solidFill>
-                  <a:srgbClr val="FFFF00"/>
-                </a:solidFill>
-              </a:rPr>
-              <a:t> install </a:t>
-            </a:r>
-            <a:r>
-              <a:rPr lang="mr-IN" dirty="0" smtClean="0">
-                <a:solidFill>
-                  <a:srgbClr val="FFFF00"/>
-                </a:solidFill>
-              </a:rPr>
-              <a:t>–</a:t>
-            </a:r>
-            <a:r>
-              <a:rPr lang="en-US" dirty="0" smtClean="0">
-                <a:solidFill>
-                  <a:srgbClr val="FFFF00"/>
-                </a:solidFill>
-              </a:rPr>
-              <a:t>save express</a:t>
-            </a:r>
           </a:p>
           <a:p>
             <a:pPr marL="0" indent="0">
@@ -7272,14 +6709,206 @@
               </a:spcBef>
               <a:buNone/>
             </a:pPr>
-            <a:endParaRPr lang="en-US" dirty="0" smtClean="0"/>
+            <a:r>
+              <a:rPr lang="en-US" sz="2500" dirty="0">
+                <a:solidFill>
+                  <a:srgbClr val="7DBD00"/>
+                </a:solidFill>
+              </a:rPr>
+              <a:t> </a:t>
+            </a:r>
+            <a:r>
+              <a:rPr lang="en-US" sz="2500" dirty="0" smtClean="0">
+                <a:solidFill>
+                  <a:srgbClr val="7DBD00"/>
+                </a:solidFill>
+              </a:rPr>
+              <a:t>       </a:t>
+            </a:r>
+            <a:r>
+              <a:rPr lang="en-US" sz="2500" dirty="0" smtClean="0"/>
+              <a:t>--</a:t>
+            </a:r>
+            <a:r>
+              <a:rPr lang="en-US" sz="2500" dirty="0"/>
+              <a:t>request </a:t>
+            </a:r>
+            <a:r>
+              <a:rPr lang="en-US" sz="2500" dirty="0">
+                <a:solidFill>
+                  <a:srgbClr val="7DBD00"/>
+                </a:solidFill>
+              </a:rPr>
+              <a:t>POST \  </a:t>
+            </a:r>
+            <a:endParaRPr lang="en-US" sz="2500" dirty="0" smtClean="0">
+              <a:solidFill>
+                <a:srgbClr val="7DBD00"/>
+              </a:solidFill>
+            </a:endParaRPr>
+          </a:p>
+          <a:p>
+            <a:pPr marL="0" indent="0">
+              <a:spcBef>
+                <a:spcPts val="600"/>
+              </a:spcBef>
+              <a:buNone/>
+            </a:pPr>
+            <a:r>
+              <a:rPr lang="en-US" sz="2500" dirty="0">
+                <a:solidFill>
+                  <a:srgbClr val="7DBD00"/>
+                </a:solidFill>
+              </a:rPr>
+              <a:t> </a:t>
+            </a:r>
+            <a:r>
+              <a:rPr lang="en-US" sz="2500" dirty="0" smtClean="0">
+                <a:solidFill>
+                  <a:srgbClr val="7DBD00"/>
+                </a:solidFill>
+              </a:rPr>
+              <a:t>       </a:t>
+            </a:r>
+            <a:r>
+              <a:rPr lang="en-US" sz="2500" dirty="0" smtClean="0"/>
+              <a:t>--</a:t>
+            </a:r>
+            <a:r>
+              <a:rPr lang="en-US" sz="2500" dirty="0"/>
+              <a:t>data</a:t>
+            </a:r>
+            <a:r>
+              <a:rPr lang="en-US" sz="2500" dirty="0">
+                <a:solidFill>
+                  <a:srgbClr val="7DBD00"/>
+                </a:solidFill>
+              </a:rPr>
+              <a:t> </a:t>
+            </a:r>
+            <a:r>
+              <a:rPr lang="en-US" sz="2500" dirty="0" smtClean="0">
+                <a:solidFill>
+                  <a:srgbClr val="7DBD00"/>
+                </a:solidFill>
+              </a:rPr>
+              <a:t>' { </a:t>
+            </a:r>
+            <a:r>
+              <a:rPr lang="en-US" sz="2500" dirty="0" smtClean="0">
+                <a:solidFill>
+                  <a:schemeClr val="accent6">
+                    <a:lumMod val="75000"/>
+                  </a:schemeClr>
+                </a:solidFill>
+              </a:rPr>
+              <a:t>"</a:t>
+            </a:r>
+            <a:r>
+              <a:rPr lang="en-US" sz="2500" dirty="0">
+                <a:solidFill>
+                  <a:schemeClr val="accent6">
+                    <a:lumMod val="75000"/>
+                  </a:schemeClr>
+                </a:solidFill>
+              </a:rPr>
+              <a:t>id"</a:t>
+            </a:r>
+            <a:r>
+              <a:rPr lang="en-US" sz="2500" dirty="0">
+                <a:solidFill>
+                  <a:srgbClr val="7DBD00"/>
+                </a:solidFill>
+              </a:rPr>
+              <a:t>:"45678",</a:t>
+            </a:r>
+            <a:r>
+              <a:rPr lang="en-US" sz="2500" dirty="0">
+                <a:solidFill>
+                  <a:schemeClr val="accent6">
+                    <a:lumMod val="75000"/>
+                  </a:schemeClr>
+                </a:solidFill>
+              </a:rPr>
+              <a:t>"name"</a:t>
+            </a:r>
+            <a:r>
+              <a:rPr lang="en-US" sz="2500" dirty="0">
+                <a:solidFill>
+                  <a:srgbClr val="7DBD00"/>
+                </a:solidFill>
+              </a:rPr>
+              <a:t>:"Make router with Express", </a:t>
+            </a:r>
+            <a:r>
+              <a:rPr lang="en-US" sz="2500" dirty="0" smtClean="0">
+                <a:solidFill>
+                  <a:srgbClr val="7DBD00"/>
+                </a:solidFill>
+              </a:rPr>
+              <a:t>                                                                    	           </a:t>
+            </a:r>
+            <a:r>
+              <a:rPr lang="en-US" sz="2500" dirty="0" smtClean="0">
+                <a:solidFill>
+                  <a:schemeClr val="accent6">
+                    <a:lumMod val="75000"/>
+                  </a:schemeClr>
+                </a:solidFill>
+              </a:rPr>
+              <a:t>"</a:t>
+            </a:r>
+            <a:r>
+              <a:rPr lang="en-US" sz="2500" dirty="0">
+                <a:solidFill>
+                  <a:schemeClr val="accent6">
+                    <a:lumMod val="75000"/>
+                  </a:schemeClr>
+                </a:solidFill>
+              </a:rPr>
+              <a:t>listId"</a:t>
+            </a:r>
+            <a:r>
+              <a:rPr lang="en-US" sz="2500" dirty="0">
+                <a:solidFill>
+                  <a:srgbClr val="7DBD00"/>
+                </a:solidFill>
+              </a:rPr>
+              <a:t>:"12345"}' \  </a:t>
+            </a:r>
+            <a:endParaRPr lang="en-US" sz="2500" dirty="0" smtClean="0">
+              <a:solidFill>
+                <a:srgbClr val="7DBD00"/>
+              </a:solidFill>
+            </a:endParaRPr>
+          </a:p>
+          <a:p>
+            <a:pPr marL="0" indent="0">
+              <a:spcBef>
+                <a:spcPts val="600"/>
+              </a:spcBef>
+              <a:buNone/>
+            </a:pPr>
+            <a:r>
+              <a:rPr lang="en-US" sz="2500" dirty="0"/>
+              <a:t> </a:t>
+            </a:r>
+            <a:r>
+              <a:rPr lang="en-US" sz="2500" dirty="0" smtClean="0"/>
+              <a:t>      http</a:t>
+            </a:r>
+            <a:r>
+              <a:rPr lang="en-US" sz="2500" dirty="0"/>
+              <a:t>://localhost:3000/tasks</a:t>
+            </a:r>
+            <a:endParaRPr lang="en-US" sz="2500" dirty="0" smtClean="0"/>
           </a:p>
         </p:txBody>
       </p:sp>
     </p:spTree>
     <p:extLst>
       <p:ext uri="{BB962C8B-B14F-4D97-AF65-F5344CB8AC3E}">
-        <p14:creationId xmlns:p14="http://schemas.microsoft.com/office/powerpoint/2010/main" val="2055482017"/>
+        <p14:creationId xmlns:p14="http://schemas.microsoft.com/office/powerpoint/2010/main" val="1406767651"/>
       </p:ext>
     </p:extLst>
   </p:cSld>
@@ -7332,23 +6961,27 @@
           <a:p>
             <a:r>
               <a:rPr lang="en-US" dirty="0" err="1" smtClean="0"/>
-              <a:t>Thư</a:t>
+              <a:t>Gửi</a:t>
             </a:r>
             <a:r>
               <a:rPr lang="en-US" dirty="0" smtClean="0"/>
-              <a:t> </a:t>
+              <a:t> request </a:t>
             </a:r>
             <a:r>
               <a:rPr lang="en-US" dirty="0" err="1" smtClean="0"/>
-              <a:t>viện</a:t>
+              <a:t>bằng</a:t>
             </a:r>
             <a:r>
               <a:rPr lang="en-US" dirty="0" smtClean="0"/>
-              <a:t> </a:t>
+              <a:t> curl(</a:t>
             </a:r>
             <a:r>
               <a:rPr lang="en-US" dirty="0" err="1" smtClean="0"/>
-              <a:t>nodemon</a:t>
+              <a:t>tiếp</a:t>
+            </a:r>
+            <a:r>
+              <a:rPr lang="en-US" dirty="0" smtClean="0"/>
+              <a:t>)</a:t>
             </a:r>
             <a:endParaRPr lang="en-US" dirty="0"/>
           </a:p>
@@ -7356,7 +6989,7 @@
       </p:sp>
       <p:sp>
         <p:nvSpPr>
-          <p:cNvPr id="10" name="Content Placeholder 2"/>
+          <p:cNvPr id="7" name="Content Placeholder 2"/>
           <p:cNvSpPr txBox="1">
             <a:spLocks/>
           </p:cNvSpPr>
@@ -7364,8 +6997,8 @@
         </p:nvSpPr>
         <p:spPr>
           <a:xfrm>
-            <a:off x="228600" y="895350"/>
-            <a:ext cx="8839200" cy="3971152"/>
+            <a:off x="228600" y="1047750"/>
+            <a:ext cx="8686800" cy="3818752"/>
           </a:xfrm>
           <a:prstGeom prst="rect">
             <a:avLst/>
@@ -7517,106 +7150,41 @@
               <a:spcBef>
                 <a:spcPts val="600"/>
               </a:spcBef>
-              <a:buFont typeface="Arial" pitchFamily="34" charset="0"/>
               <a:buNone/>
             </a:pPr>
             <a:r>
-              <a:rPr lang="en-US" dirty="0" err="1" smtClean="0"/>
-              <a:t>nodemon</a:t>
-            </a:r>
-            <a:r>
-              <a:rPr lang="en-US" dirty="0" smtClean="0"/>
-              <a:t> = Node monitor = Code </a:t>
-            </a:r>
-            <a:r>
-              <a:rPr lang="en-US" dirty="0" err="1" smtClean="0"/>
-              <a:t>thay</a:t>
-            </a:r>
-            <a:r>
-              <a:rPr lang="en-US" dirty="0" smtClean="0"/>
-              <a:t> </a:t>
-            </a:r>
-            <a:r>
-              <a:rPr lang="en-US" dirty="0" err="1" smtClean="0"/>
-              <a:t>đổi</a:t>
-            </a:r>
-            <a:r>
-              <a:rPr lang="en-US" dirty="0" smtClean="0"/>
-              <a:t>, app </a:t>
-            </a:r>
-            <a:r>
-              <a:rPr lang="en-US" dirty="0" err="1" smtClean="0"/>
-              <a:t>tự</a:t>
-            </a:r>
-            <a:r>
-              <a:rPr lang="en-US" dirty="0" smtClean="0"/>
-              <a:t> reload </a:t>
-            </a:r>
-            <a:r>
-              <a:rPr lang="en-US" dirty="0" err="1" smtClean="0"/>
-              <a:t>lại</a:t>
-            </a:r>
-            <a:r>
-              <a:rPr lang="en-US" dirty="0" smtClean="0"/>
-              <a:t>.</a:t>
-            </a:r>
-          </a:p>
-          <a:p>
-            <a:pPr marL="0" indent="0">
-              <a:spcBef>
-                <a:spcPts val="600"/>
-              </a:spcBef>
-              <a:buFont typeface="Arial" pitchFamily="34" charset="0"/>
-              <a:buNone/>
-            </a:pPr>
-            <a:r>
-              <a:rPr lang="en-US" dirty="0" err="1" smtClean="0"/>
-              <a:t>Chạy</a:t>
-            </a:r>
-            <a:r>
-              <a:rPr lang="en-US" dirty="0" smtClean="0"/>
-              <a:t> </a:t>
-            </a:r>
-            <a:r>
-              <a:rPr lang="en-US" dirty="0" err="1" smtClean="0"/>
-              <a:t>ứng</a:t>
-            </a:r>
-            <a:r>
-              <a:rPr lang="en-US" dirty="0" smtClean="0"/>
-              <a:t> </a:t>
-            </a:r>
-            <a:r>
-              <a:rPr lang="en-US" dirty="0" err="1" smtClean="0"/>
-              <a:t>dụng</a:t>
-            </a:r>
-            <a:r>
-              <a:rPr lang="en-US" dirty="0" smtClean="0"/>
-              <a:t> </a:t>
-            </a:r>
-            <a:r>
-              <a:rPr lang="en-US" dirty="0" err="1" smtClean="0"/>
-              <a:t>Nodejs</a:t>
-            </a:r>
-            <a:r>
-              <a:rPr lang="en-US" dirty="0" smtClean="0"/>
-              <a:t> </a:t>
-            </a:r>
-            <a:r>
-              <a:rPr lang="en-US" dirty="0" err="1" smtClean="0"/>
-              <a:t>có</a:t>
-            </a:r>
-            <a:r>
-              <a:rPr lang="en-US" dirty="0" smtClean="0"/>
-              <a:t> </a:t>
-            </a:r>
-            <a:r>
-              <a:rPr lang="en-US" dirty="0" err="1" smtClean="0"/>
-              <a:t>nodemon</a:t>
-            </a:r>
-            <a:r>
-              <a:rPr lang="en-US" dirty="0" smtClean="0"/>
-              <a:t> + ES6: </a:t>
-            </a:r>
+              <a:rPr lang="en-US" sz="2500" dirty="0" smtClean="0">
+                <a:solidFill>
+                  <a:srgbClr val="00B0F0"/>
+                </a:solidFill>
+              </a:rPr>
+              <a:t>curl</a:t>
+            </a:r>
+            <a:r>
+              <a:rPr lang="en-US" sz="2500" dirty="0" smtClean="0">
+                <a:solidFill>
+                  <a:srgbClr val="7DBD00"/>
+                </a:solidFill>
+              </a:rPr>
+              <a:t>  </a:t>
+            </a:r>
+            <a:r>
+              <a:rPr lang="en-US" sz="2500" dirty="0"/>
+              <a:t>--request </a:t>
+            </a:r>
+            <a:r>
+              <a:rPr lang="en-US" sz="2500" dirty="0">
+                <a:solidFill>
+                  <a:srgbClr val="7DBD00"/>
+                </a:solidFill>
+              </a:rPr>
+              <a:t>PUT \      </a:t>
+            </a:r>
+            <a:endParaRPr lang="en-US" sz="2500" dirty="0" smtClean="0">
+              <a:solidFill>
+                <a:srgbClr val="7DBD00"/>
+              </a:solidFill>
+            </a:endParaRPr>
           </a:p>
           <a:p>
             <a:pPr marL="0" indent="0">
@@ -7626,48 +7194,52 @@
               <a:buNone/>
             </a:pPr>
             <a:r>
-              <a:rPr lang="en-US" dirty="0" err="1" smtClean="0">
-                <a:solidFill>
-                  <a:srgbClr val="F08D49"/>
-                </a:solidFill>
-              </a:rPr>
-              <a:t>nodemon</a:t>
-            </a:r>
-            <a:r>
-              <a:rPr lang="en-US" dirty="0" smtClean="0">
-                <a:solidFill>
-                  <a:srgbClr val="F08D49"/>
-                </a:solidFill>
-              </a:rPr>
-              <a:t> </a:t>
-            </a:r>
-            <a:r>
-              <a:rPr lang="en-US" dirty="0">
-                <a:solidFill>
-                  <a:srgbClr val="F08D49"/>
-                </a:solidFill>
-              </a:rPr>
-              <a:t>./</a:t>
-            </a:r>
-            <a:r>
-              <a:rPr lang="en-US" dirty="0" err="1">
-                <a:solidFill>
-                  <a:srgbClr val="F08D49"/>
-                </a:solidFill>
-              </a:rPr>
-              <a:t>server.js</a:t>
-            </a:r>
-            <a:r>
-              <a:rPr lang="en-US" dirty="0">
-                <a:solidFill>
-                  <a:srgbClr val="F08D49"/>
-                </a:solidFill>
-              </a:rPr>
-              <a:t> --exec babel-node</a:t>
-            </a:r>
-            <a:endParaRPr lang="en-US" dirty="0" smtClean="0">
+              <a:rPr lang="en-US" sz="2500" dirty="0" smtClean="0"/>
+              <a:t>         -H </a:t>
+            </a:r>
+            <a:r>
+              <a:rPr lang="en-US" sz="2500" dirty="0">
+                <a:solidFill>
+                  <a:srgbClr val="7DBD00"/>
+                </a:solidFill>
+              </a:rPr>
+              <a:t>"</a:t>
+            </a:r>
+            <a:r>
+              <a:rPr lang="en-US" sz="2500" dirty="0">
+                <a:solidFill>
+                  <a:schemeClr val="accent6"/>
+                </a:solidFill>
+              </a:rPr>
+              <a:t>Content-Type: </a:t>
+            </a:r>
+            <a:r>
+              <a:rPr lang="en-US" sz="2500" dirty="0">
+                <a:solidFill>
+                  <a:srgbClr val="7DBD00"/>
+                </a:solidFill>
+              </a:rPr>
+              <a:t>application/</a:t>
+            </a:r>
+            <a:r>
+              <a:rPr lang="en-US" sz="2500" dirty="0" err="1">
+                <a:solidFill>
+                  <a:srgbClr val="7DBD00"/>
+                </a:solidFill>
+              </a:rPr>
+              <a:t>json</a:t>
+            </a:r>
+            <a:r>
+              <a:rPr lang="en-US" sz="2500" dirty="0">
+                <a:solidFill>
+                  <a:srgbClr val="7DBD00"/>
+                </a:solidFill>
+              </a:rPr>
+              <a:t>" \      </a:t>
+            </a:r>
+            <a:endParaRPr lang="en-US" sz="2500" dirty="0" smtClean="0">
               <a:solidFill>
-                <a:srgbClr val="F08D49"/>
+                <a:srgbClr val="7DBD00"/>
               </a:solidFill>
             </a:endParaRPr>
           </a:p>
@@ -7679,60 +7251,84 @@
               <a:buNone/>
             </a:pPr>
             <a:r>
-              <a:rPr lang="en-US" dirty="0" err="1"/>
-              <a:t>Chạy</a:t>
-            </a:r>
-            <a:r>
-              <a:rPr lang="en-US" dirty="0"/>
-              <a:t> </a:t>
-            </a:r>
-            <a:r>
-              <a:rPr lang="en-US" dirty="0" err="1"/>
-              <a:t>ứng</a:t>
-            </a:r>
-            <a:r>
-              <a:rPr lang="en-US" dirty="0"/>
-              <a:t> </a:t>
-            </a:r>
-            <a:r>
-              <a:rPr lang="en-US" dirty="0" err="1"/>
-              <a:t>dụng</a:t>
-            </a:r>
-            <a:r>
-              <a:rPr lang="en-US" dirty="0"/>
-              <a:t> </a:t>
-            </a:r>
-            <a:r>
-              <a:rPr lang="en-US" dirty="0" err="1" smtClean="0"/>
-              <a:t>Nodejs</a:t>
-            </a:r>
-            <a:r>
-              <a:rPr lang="en-US" dirty="0" smtClean="0"/>
-              <a:t>(</a:t>
-            </a:r>
-            <a:r>
-              <a:rPr lang="en-US" dirty="0" err="1" smtClean="0"/>
-              <a:t>cách</a:t>
-            </a:r>
-            <a:r>
-              <a:rPr lang="en-US" dirty="0" smtClean="0"/>
-              <a:t> </a:t>
-            </a:r>
-            <a:r>
-              <a:rPr lang="en-US" dirty="0" err="1" smtClean="0"/>
-              <a:t>truyền</a:t>
-            </a:r>
-            <a:r>
-              <a:rPr lang="en-US" dirty="0" smtClean="0"/>
-              <a:t> </a:t>
-            </a:r>
-            <a:r>
-              <a:rPr lang="en-US" dirty="0" err="1" smtClean="0"/>
-              <a:t>thống</a:t>
-            </a:r>
-            <a:r>
-              <a:rPr lang="en-US" dirty="0" smtClean="0"/>
-              <a:t>)</a:t>
+              <a:rPr lang="en-US" sz="2500" dirty="0" smtClean="0"/>
+              <a:t>         -</a:t>
+            </a:r>
+            <a:r>
+              <a:rPr lang="en-US" sz="2500" dirty="0"/>
+              <a:t>d </a:t>
+            </a:r>
+            <a:r>
+              <a:rPr lang="en-US" sz="2500" dirty="0" smtClean="0">
+                <a:solidFill>
+                  <a:srgbClr val="7DBD00"/>
+                </a:solidFill>
+              </a:rPr>
+              <a:t>'{ </a:t>
+            </a:r>
+            <a:r>
+              <a:rPr lang="en-US" sz="2500" dirty="0" smtClean="0">
+                <a:solidFill>
+                  <a:schemeClr val="accent6">
+                    <a:lumMod val="75000"/>
+                  </a:schemeClr>
+                </a:solidFill>
+              </a:rPr>
+              <a:t>"id" </a:t>
+            </a:r>
+            <a:r>
+              <a:rPr lang="en-US" sz="2500" dirty="0" smtClean="0">
+                <a:solidFill>
+                  <a:srgbClr val="7DBD00"/>
+                </a:solidFill>
+              </a:rPr>
+              <a:t>:"</a:t>
+            </a:r>
+            <a:r>
+              <a:rPr lang="en-US" sz="2500" dirty="0">
+                <a:solidFill>
+                  <a:srgbClr val="7DBD00"/>
+                </a:solidFill>
+              </a:rPr>
+              <a:t>45678",</a:t>
+            </a:r>
+            <a:r>
+              <a:rPr lang="en-US" sz="2500" dirty="0">
+                <a:solidFill>
+                  <a:schemeClr val="accent6">
+                    <a:lumMod val="75000"/>
+                  </a:schemeClr>
+                </a:solidFill>
+              </a:rPr>
+              <a:t>"name"</a:t>
+            </a:r>
+            <a:r>
+              <a:rPr lang="en-US" sz="2500" dirty="0">
+                <a:solidFill>
+                  <a:srgbClr val="7DBD00"/>
+                </a:solidFill>
+              </a:rPr>
+              <a:t>:"Make router with Express"}' \      </a:t>
+            </a:r>
+            <a:r>
+              <a:rPr lang="en-US" sz="2500" dirty="0" smtClean="0">
+                <a:solidFill>
+                  <a:srgbClr val="7DBD00"/>
+                </a:solidFill>
+              </a:rPr>
+              <a:t>           	</a:t>
+            </a:r>
+            <a:r>
+              <a:rPr lang="en-US" sz="2500" dirty="0" smtClean="0"/>
+              <a:t>http</a:t>
+            </a:r>
+            <a:r>
+              <a:rPr lang="en-US" sz="2500" dirty="0"/>
+              <a:t>://</a:t>
+            </a:r>
+            <a:r>
+              <a:rPr lang="en-US" sz="2500" dirty="0" smtClean="0"/>
+              <a:t>localhost:3000/tasks</a:t>
             </a:r>
           </a:p>
           <a:p>
@@ -7743,37 +7339,180 @@
               <a:buNone/>
             </a:pPr>
             <a:r>
-              <a:rPr lang="en-US" dirty="0" smtClean="0">
-                <a:solidFill>
-                  <a:srgbClr val="F08D49"/>
-                </a:solidFill>
-              </a:rPr>
-              <a:t>node </a:t>
-            </a:r>
-            <a:r>
-              <a:rPr lang="en-US" dirty="0">
-                <a:solidFill>
-                  <a:srgbClr val="F08D49"/>
-                </a:solidFill>
-              </a:rPr>
-              <a:t>./</a:t>
-            </a:r>
-            <a:r>
-              <a:rPr lang="en-US" dirty="0" err="1">
-                <a:solidFill>
-                  <a:srgbClr val="F08D49"/>
-                </a:solidFill>
-              </a:rPr>
-              <a:t>server.js</a:t>
-            </a:r>
-            <a:endParaRPr lang="en-US" dirty="0" smtClean="0"/>
+              <a:rPr lang="en-US" sz="2500" dirty="0">
+                <a:solidFill>
+                  <a:srgbClr val="00B0F0"/>
+                </a:solidFill>
+              </a:rPr>
+              <a:t>curl</a:t>
+            </a:r>
+            <a:r>
+              <a:rPr lang="en-US" sz="2500" dirty="0"/>
+              <a:t>  --request </a:t>
+            </a:r>
+            <a:r>
+              <a:rPr lang="en-US" sz="2500" dirty="0">
+                <a:solidFill>
+                  <a:srgbClr val="7DBD00"/>
+                </a:solidFill>
+              </a:rPr>
+              <a:t>DELETE \</a:t>
+            </a:r>
+            <a:r>
+              <a:rPr lang="en-US" sz="2500" dirty="0"/>
+              <a:t>      </a:t>
+            </a:r>
+            <a:endParaRPr lang="en-US" sz="2500" dirty="0" smtClean="0"/>
+          </a:p>
+          <a:p>
+            <a:pPr marL="0" indent="0">
+              <a:spcBef>
+                <a:spcPts val="600"/>
+              </a:spcBef>
+              <a:buNone/>
+            </a:pPr>
+            <a:r>
+              <a:rPr lang="en-US" sz="2500" dirty="0" smtClean="0"/>
+              <a:t>         -</a:t>
+            </a:r>
+            <a:r>
+              <a:rPr lang="en-US" sz="2500" dirty="0"/>
+              <a:t>H </a:t>
+            </a:r>
+            <a:r>
+              <a:rPr lang="en-US" sz="2500" dirty="0">
+                <a:solidFill>
+                  <a:srgbClr val="7DBD00"/>
+                </a:solidFill>
+              </a:rPr>
+              <a:t>"</a:t>
+            </a:r>
+            <a:r>
+              <a:rPr lang="en-US" sz="2500" dirty="0">
+                <a:solidFill>
+                  <a:schemeClr val="accent6"/>
+                </a:solidFill>
+              </a:rPr>
+              <a:t>Content-Type: </a:t>
+            </a:r>
+            <a:r>
+              <a:rPr lang="en-US" sz="2500" dirty="0">
+                <a:solidFill>
+                  <a:srgbClr val="7DBD00"/>
+                </a:solidFill>
+              </a:rPr>
+              <a:t>application/</a:t>
+            </a:r>
+            <a:r>
+              <a:rPr lang="en-US" sz="2500" dirty="0" err="1">
+                <a:solidFill>
+                  <a:srgbClr val="7DBD00"/>
+                </a:solidFill>
+              </a:rPr>
+              <a:t>json</a:t>
+            </a:r>
+            <a:r>
+              <a:rPr lang="en-US" sz="2500" dirty="0">
+                <a:solidFill>
+                  <a:srgbClr val="7DBD00"/>
+                </a:solidFill>
+              </a:rPr>
+              <a:t>" \      </a:t>
+            </a:r>
+            <a:endParaRPr lang="en-US" sz="2500" dirty="0" smtClean="0">
+              <a:solidFill>
+                <a:srgbClr val="7DBD00"/>
+              </a:solidFill>
+            </a:endParaRPr>
+          </a:p>
+          <a:p>
+            <a:pPr marL="0" indent="0">
+              <a:spcBef>
+                <a:spcPts val="600"/>
+              </a:spcBef>
+              <a:buNone/>
+            </a:pPr>
+            <a:r>
+              <a:rPr lang="en-US" sz="2500" dirty="0">
+                <a:solidFill>
+                  <a:srgbClr val="7DBD00"/>
+                </a:solidFill>
+              </a:rPr>
+              <a:t> </a:t>
+            </a:r>
+            <a:r>
+              <a:rPr lang="en-US" sz="2500" dirty="0" smtClean="0">
+                <a:solidFill>
+                  <a:srgbClr val="7DBD00"/>
+                </a:solidFill>
+              </a:rPr>
+              <a:t>        </a:t>
+            </a:r>
+            <a:r>
+              <a:rPr lang="en-US" sz="2500" dirty="0" smtClean="0"/>
+              <a:t>-</a:t>
+            </a:r>
+            <a:r>
+              <a:rPr lang="en-US" sz="2500" dirty="0"/>
+              <a:t>d </a:t>
+            </a:r>
+            <a:r>
+              <a:rPr lang="en-US" sz="2500" dirty="0">
+                <a:solidFill>
+                  <a:srgbClr val="7DBD00"/>
+                </a:solidFill>
+              </a:rPr>
+              <a:t>'{</a:t>
+            </a:r>
+            <a:r>
+              <a:rPr lang="en-US" sz="2500" dirty="0">
+                <a:solidFill>
+                  <a:schemeClr val="accent6"/>
+                </a:solidFill>
+              </a:rPr>
+              <a:t>"id"</a:t>
+            </a:r>
+            <a:r>
+              <a:rPr lang="en-US" sz="2500" dirty="0">
+                <a:solidFill>
+                  <a:srgbClr val="7DBD00"/>
+                </a:solidFill>
+              </a:rPr>
+              <a:t>:"45678"}' \     </a:t>
+            </a:r>
+            <a:endParaRPr lang="en-US" sz="2500" dirty="0" smtClean="0">
+              <a:solidFill>
+                <a:srgbClr val="7DBD00"/>
+              </a:solidFill>
+            </a:endParaRPr>
+          </a:p>
+          <a:p>
+            <a:pPr marL="0" indent="0">
+              <a:spcBef>
+                <a:spcPts val="600"/>
+              </a:spcBef>
+              <a:buNone/>
+            </a:pPr>
+            <a:r>
+              <a:rPr lang="en-US" sz="2500" dirty="0" smtClean="0">
+                <a:solidFill>
+                  <a:srgbClr val="7DBD00"/>
+                </a:solidFill>
+              </a:rPr>
+              <a:t>	</a:t>
+            </a:r>
+            <a:r>
+              <a:rPr lang="en-US" sz="2500" dirty="0" smtClean="0"/>
+              <a:t> http://localhost:3000/tasks</a:t>
+            </a:r>
+            <a:endParaRPr lang="en-US" sz="2500" dirty="0"/>
           </a:p>
         </p:txBody>
       </p:sp>
     </p:spTree>
     <p:extLst>
       <p:ext uri="{BB962C8B-B14F-4D97-AF65-F5344CB8AC3E}">
-        <p14:creationId xmlns:p14="http://schemas.microsoft.com/office/powerpoint/2010/main" val="956400715"/>
+        <p14:creationId xmlns:p14="http://schemas.microsoft.com/office/powerpoint/2010/main" val="636623627"/>
       </p:ext>
     </p:extLst>
   </p:cSld>
@@ -7825,262 +7564,20 @@
           <a:lstStyle/>
           <a:p>
             <a:r>
+              <a:rPr lang="en-US" dirty="0" err="1" smtClean="0"/>
+              <a:t>Gửi</a:t>
+            </a:r>
+            <a:r>
               <a:rPr lang="en-US" dirty="0" smtClean="0"/>
-              <a:t>Input </a:t>
+              <a:t> request </a:t>
             </a:r>
             <a:r>
               <a:rPr lang="en-US" dirty="0" err="1" smtClean="0"/>
-              <a:t>params</a:t>
+              <a:t>bằng</a:t>
             </a:r>
             <a:r>
               <a:rPr lang="en-US" dirty="0" smtClean="0"/>
-              <a:t> &amp; show log</a:t>
-            </a:r>
-            <a:endParaRPr lang="en-US" dirty="0"/>
-          </a:p>
-        </p:txBody>
-      </p:sp>
-      <p:sp>
-        <p:nvSpPr>
-          <p:cNvPr id="10" name="Content Placeholder 2"/>
-          <p:cNvSpPr txBox="1">
-            <a:spLocks/>
-          </p:cNvSpPr>
-          <p:nvPr/>
-        </p:nvSpPr>
-        <p:spPr>
-          <a:xfrm>
-            <a:off x="4343400" y="2454137"/>
-            <a:ext cx="4343400" cy="1032014"/>
-          </a:xfrm>
-          <a:prstGeom prst="rect">
-            <a:avLst/>
-          </a:prstGeom>
-        </p:spPr>
-        <p:txBody>
-          <a:bodyPr vert="horz" lIns="91440" tIns="45720" rIns="91440" bIns="45720" rtlCol="0">
-            <a:normAutofit fontScale="92500" lnSpcReduction="10000"/>
-          </a:bodyPr>
-          <a:lstStyle>
-            <a:lvl1pPr marL="342900" indent="-342900" algn="l" defTabSz="914400" rtl="0" eaLnBrk="1" latinLnBrk="0" hangingPunct="1">
-              <a:spcBef>
-                <a:spcPts val="1800"/>
-              </a:spcBef>
-              <a:buFont typeface="Arial" pitchFamily="34" charset="0"/>
-              <a:buChar char="•"/>
-              <a:defRPr sz="3200" kern="1200">
-                <a:solidFill>
-                  <a:schemeClr val="bg1"/>
-                </a:solidFill>
-                <a:latin typeface="Corbel"/>
-                <a:ea typeface="Segoe UI" pitchFamily="34" charset="0"/>
-                <a:cs typeface="Corbel"/>
-              </a:defRPr>
-            </a:lvl1pPr>
-            <a:lvl2pPr marL="742950" indent="-285750" algn="l" defTabSz="914400" rtl="0" eaLnBrk="1" latinLnBrk="0" hangingPunct="1">
-              <a:spcBef>
-                <a:spcPts val="1800"/>
-              </a:spcBef>
-              <a:buFont typeface="Arial" pitchFamily="34" charset="0"/>
-              <a:buChar char="–"/>
-              <a:defRPr sz="2800" kern="1200">
-                <a:solidFill>
-                  <a:schemeClr val="bg1"/>
-                </a:solidFill>
-                <a:latin typeface="Corbel"/>
-                <a:ea typeface="Segoe UI" pitchFamily="34" charset="0"/>
-                <a:cs typeface="Corbel"/>
-              </a:defRPr>
-            </a:lvl2pPr>
-            <a:lvl3pPr marL="1143000" indent="-228600" algn="l" defTabSz="914400" rtl="0" eaLnBrk="1" latinLnBrk="0" hangingPunct="1">
-              <a:spcBef>
-                <a:spcPts val="1800"/>
-              </a:spcBef>
-              <a:buFont typeface="Arial" pitchFamily="34" charset="0"/>
-              <a:buChar char="•"/>
-              <a:defRPr sz="2400" kern="1200">
-                <a:solidFill>
-                  <a:schemeClr val="bg1"/>
-                </a:solidFill>
-                <a:latin typeface="Corbel"/>
-                <a:ea typeface="Segoe UI" pitchFamily="34" charset="0"/>
-                <a:cs typeface="Corbel"/>
-              </a:defRPr>
-            </a:lvl3pPr>
-            <a:lvl4pPr marL="1600200" indent="-228600" algn="l" defTabSz="914400" rtl="0" eaLnBrk="1" latinLnBrk="0" hangingPunct="1">
-              <a:spcBef>
-                <a:spcPts val="1800"/>
-              </a:spcBef>
-              <a:buFont typeface="Arial" pitchFamily="34" charset="0"/>
-              <a:buChar char="–"/>
-              <a:defRPr sz="2000" kern="1200">
-                <a:solidFill>
-                  <a:schemeClr val="bg1"/>
-                </a:solidFill>
-                <a:latin typeface="Corbel"/>
-                <a:ea typeface="Segoe UI" pitchFamily="34" charset="0"/>
-                <a:cs typeface="Corbel"/>
-              </a:defRPr>
-            </a:lvl4pPr>
-            <a:lvl5pPr marL="2057400" indent="-228600" algn="l" defTabSz="914400" rtl="0" eaLnBrk="1" latinLnBrk="0" hangingPunct="1">
-              <a:spcBef>
-                <a:spcPts val="1800"/>
-              </a:spcBef>
-              <a:buFont typeface="Arial" pitchFamily="34" charset="0"/>
-              <a:buChar char="»"/>
-              <a:defRPr sz="2000" kern="1200">
-                <a:solidFill>
-                  <a:schemeClr val="bg1"/>
-                </a:solidFill>
-                <a:latin typeface="Corbel"/>
-                <a:ea typeface="Segoe UI" pitchFamily="34" charset="0"/>
-                <a:cs typeface="Corbel"/>
-              </a:defRPr>
-            </a:lvl5pPr>
-            <a:lvl6pPr marL="2514600" indent="-228600" algn="l" defTabSz="914400" rtl="0" eaLnBrk="1" latinLnBrk="0" hangingPunct="1">
-              <a:spcBef>
-                <a:spcPct val="20000"/>
-              </a:spcBef>
-              <a:buFont typeface="Arial" pitchFamily="34" charset="0"/>
-              <a:buChar char="•"/>
-              <a:defRPr sz="2000" kern="1200">
-                <a:solidFill>
-                  <a:schemeClr val="tx1"/>
-                </a:solidFill>
-                <a:latin typeface="+mn-lt"/>
-                <a:ea typeface="+mn-ea"/>
-                <a:cs typeface="+mn-cs"/>
-              </a:defRPr>
-            </a:lvl6pPr>
-            <a:lvl7pPr marL="2971800" indent="-228600" algn="l" defTabSz="914400" rtl="0" eaLnBrk="1" latinLnBrk="0" hangingPunct="1">
-              <a:spcBef>
-                <a:spcPct val="20000"/>
-              </a:spcBef>
-              <a:buFont typeface="Arial" pitchFamily="34" charset="0"/>
-              <a:buChar char="•"/>
-              <a:defRPr sz="2000" kern="1200">
-                <a:solidFill>
-                  <a:schemeClr val="tx1"/>
-                </a:solidFill>
-                <a:latin typeface="+mn-lt"/>
-                <a:ea typeface="+mn-ea"/>
-                <a:cs typeface="+mn-cs"/>
-              </a:defRPr>
-            </a:lvl7pPr>
-            <a:lvl8pPr marL="3429000" indent="-228600" algn="l" defTabSz="914400" rtl="0" eaLnBrk="1" latinLnBrk="0" hangingPunct="1">
-              <a:spcBef>
-                <a:spcPct val="20000"/>
-              </a:spcBef>
-              <a:buFont typeface="Arial" pitchFamily="34" charset="0"/>
-              <a:buChar char="•"/>
-              <a:defRPr sz="2000" kern="1200">
-                <a:solidFill>
-                  <a:schemeClr val="tx1"/>
-                </a:solidFill>
-                <a:latin typeface="+mn-lt"/>
-                <a:ea typeface="+mn-ea"/>
-                <a:cs typeface="+mn-cs"/>
-              </a:defRPr>
-            </a:lvl8pPr>
-            <a:lvl9pPr marL="3886200" indent="-228600" algn="l" defTabSz="914400" rtl="0" eaLnBrk="1" latinLnBrk="0" hangingPunct="1">
-              <a:spcBef>
-                <a:spcPct val="20000"/>
-              </a:spcBef>
-              <a:buFont typeface="Arial" pitchFamily="34" charset="0"/>
-              <a:buChar char="•"/>
-              <a:defRPr sz="2000" kern="1200">
-                <a:solidFill>
-                  <a:schemeClr val="tx1"/>
-                </a:solidFill>
-                <a:latin typeface="+mn-lt"/>
-                <a:ea typeface="+mn-ea"/>
-                <a:cs typeface="+mn-cs"/>
-              </a:defRPr>
-            </a:lvl9pPr>
-          </a:lstStyle>
-          <a:p>
-            <a:pPr marL="0" indent="0">
-              <a:spcBef>
-                <a:spcPts val="600"/>
-              </a:spcBef>
-              <a:buFont typeface="Arial" pitchFamily="34" charset="0"/>
-              <a:buNone/>
-            </a:pPr>
-            <a:r>
-              <a:rPr lang="en-US" dirty="0" smtClean="0"/>
-              <a:t>let = ”</a:t>
-            </a:r>
-            <a:r>
-              <a:rPr lang="en-US" dirty="0" err="1" smtClean="0"/>
-              <a:t>biến</a:t>
-            </a:r>
-            <a:r>
-              <a:rPr lang="en-US" dirty="0" smtClean="0"/>
-              <a:t> </a:t>
-            </a:r>
-            <a:r>
-              <a:rPr lang="en-US" dirty="0" err="1" smtClean="0"/>
-              <a:t>địa</a:t>
-            </a:r>
-            <a:r>
-              <a:rPr lang="en-US" dirty="0" smtClean="0"/>
-              <a:t> </a:t>
-            </a:r>
-            <a:r>
-              <a:rPr lang="en-US" dirty="0" err="1" smtClean="0"/>
-              <a:t>phương</a:t>
-            </a:r>
-            <a:r>
-              <a:rPr lang="en-US" dirty="0" smtClean="0"/>
-              <a:t>”</a:t>
-            </a:r>
-          </a:p>
-          <a:p>
-            <a:pPr marL="0" indent="0">
-              <a:spcBef>
-                <a:spcPts val="600"/>
-              </a:spcBef>
-              <a:buNone/>
-            </a:pPr>
-            <a:r>
-              <a:rPr lang="en-US" dirty="0" err="1" smtClean="0"/>
-              <a:t>var</a:t>
-            </a:r>
-            <a:r>
-              <a:rPr lang="en-US" dirty="0" smtClean="0"/>
-              <a:t>= </a:t>
-            </a:r>
-            <a:r>
-              <a:rPr lang="en-US" dirty="0"/>
-              <a:t>”</a:t>
-            </a:r>
-            <a:r>
-              <a:rPr lang="en-US" dirty="0" err="1"/>
-              <a:t>biến</a:t>
-            </a:r>
-            <a:r>
-              <a:rPr lang="en-US" dirty="0"/>
-              <a:t> </a:t>
-            </a:r>
-            <a:r>
-              <a:rPr lang="en-US" dirty="0" err="1" smtClean="0"/>
-              <a:t>toàn</a:t>
-            </a:r>
-            <a:r>
-              <a:rPr lang="en-US" dirty="0" smtClean="0"/>
-              <a:t> </a:t>
-            </a:r>
-            <a:r>
-              <a:rPr lang="en-US" dirty="0" err="1" smtClean="0"/>
-              <a:t>cụ</a:t>
-            </a:r>
-            <a:r>
-              <a:rPr lang="en-US" dirty="0" err="1"/>
-              <a:t>c</a:t>
-            </a:r>
-            <a:r>
-              <a:rPr lang="en-US" dirty="0" smtClean="0"/>
-              <a:t>”</a:t>
+              <a:t> Postman</a:t>
             </a:r>
             <a:endParaRPr lang="en-US" dirty="0"/>
           </a:p>
@@ -8094,7 +7591,7 @@
           </p:cNvPicPr>
           <p:nvPr/>
         </p:nvPicPr>
-        <p:blipFill>
+        <p:blipFill rotWithShape="1">
           <a:blip r:embed="rId2">
             <a:extLst>
               <a:ext uri="{28A0092B-C50C-407E-A947-70E740481C1C}">
@@ -8102,160 +7599,23 @@
               </a:ext>
             </a:extLst>
           </a:blip>
-          <a:stretch>
-            <a:fillRect/>
-          </a:stretch>
+          <a:srcRect l="2062"/>
+          <a:stretch/>
         </p:blipFill>
         <p:spPr>
           <a:xfrm>
-            <a:off x="76199" y="895350"/>
-            <a:ext cx="8839201" cy="841152"/>
+            <a:off x="1066800" y="742950"/>
+            <a:ext cx="7323186" cy="4343400"/>
           </a:xfrm>
           <a:prstGeom prst="rect">
             <a:avLst/>
           </a:prstGeom>
         </p:spPr>
       </p:pic>
-      <p:pic>
-        <p:nvPicPr>
-          <p:cNvPr id="4" name="Picture 3"/>
-          <p:cNvPicPr>
-            <a:picLocks noChangeAspect="1"/>
-          </p:cNvPicPr>
-          <p:nvPr/>
-        </p:nvPicPr>
-        <p:blipFill>
-          <a:blip r:embed="rId3">
-            <a:extLst>
-              <a:ext uri="{28A0092B-C50C-407E-A947-70E740481C1C}">
-                <a14:useLocalDpi xmlns:a14="http://schemas.microsoft.com/office/drawing/2010/main" val="0"/>
-              </a:ext>
-            </a:extLst>
-          </a:blip>
-          <a:stretch>
-            <a:fillRect/>
-          </a:stretch>
-        </p:blipFill>
-        <p:spPr>
-          <a:xfrm>
-            <a:off x="76198" y="1885950"/>
-            <a:ext cx="4114801" cy="3078328"/>
-          </a:xfrm>
-          <a:prstGeom prst="rect">
-            <a:avLst/>
-          </a:prstGeom>
-        </p:spPr>
-      </p:pic>
-      <p:pic>
-        <p:nvPicPr>
-          <p:cNvPr id="5" name="Picture 4"/>
-          <p:cNvPicPr>
-            <a:picLocks noChangeAspect="1"/>
-          </p:cNvPicPr>
-          <p:nvPr/>
-        </p:nvPicPr>
-        <p:blipFill rotWithShape="1">
-          <a:blip r:embed="rId4">
-            <a:extLst>
-              <a:ext uri="{28A0092B-C50C-407E-A947-70E740481C1C}">
-                <a14:useLocalDpi xmlns:a14="http://schemas.microsoft.com/office/drawing/2010/main" val="0"/>
-              </a:ext>
-            </a:extLst>
-          </a:blip>
-          <a:srcRect l="3478" t="20126" r="11304" b="18510"/>
-          <a:stretch/>
-        </p:blipFill>
-        <p:spPr>
-          <a:xfrm>
-            <a:off x="4459356" y="1885950"/>
-            <a:ext cx="2904068" cy="533400"/>
-          </a:xfrm>
-          <a:prstGeom prst="rect">
-            <a:avLst/>
-          </a:prstGeom>
-        </p:spPr>
-      </p:pic>
-      <p:pic>
-        <p:nvPicPr>
-          <p:cNvPr id="6" name="Picture 5"/>
-          <p:cNvPicPr>
-            <a:picLocks noChangeAspect="1"/>
-          </p:cNvPicPr>
-          <p:nvPr/>
-        </p:nvPicPr>
-        <p:blipFill rotWithShape="1">
-          <a:blip r:embed="rId5">
-            <a:extLst>
-              <a:ext uri="{28A0092B-C50C-407E-A947-70E740481C1C}">
-                <a14:useLocalDpi xmlns:a14="http://schemas.microsoft.com/office/drawing/2010/main" val="0"/>
-              </a:ext>
-            </a:extLst>
-          </a:blip>
-          <a:srcRect l="3157" t="13964" r="5149"/>
-          <a:stretch/>
-        </p:blipFill>
-        <p:spPr>
-          <a:xfrm>
-            <a:off x="4485860" y="3567831"/>
-            <a:ext cx="2743200" cy="1423780"/>
-          </a:xfrm>
-          <a:prstGeom prst="rect">
-            <a:avLst/>
-          </a:prstGeom>
-        </p:spPr>
-      </p:pic>
-      <p:sp>
-        <p:nvSpPr>
-          <p:cNvPr id="8" name="Rectangle 7"/>
-          <p:cNvSpPr/>
-          <p:nvPr/>
-        </p:nvSpPr>
-        <p:spPr>
-          <a:xfrm>
-            <a:off x="4485859" y="3935828"/>
-            <a:ext cx="543341" cy="540922"/>
-          </a:xfrm>
-          <a:prstGeom prst="rect">
-            <a:avLst/>
-          </a:prstGeom>
-          <a:noFill/>
-          <a:ln>
-            <a:solidFill>
-              <a:srgbClr val="00B050"/>
-            </a:solidFill>
-          </a:ln>
-        </p:spPr>
-        <p:style>
-          <a:lnRef idx="2">
-            <a:schemeClr val="accent1">
-              <a:shade val="50000"/>
-            </a:schemeClr>
-          </a:lnRef>
-          <a:fillRef idx="1">
-            <a:schemeClr val="accent1"/>
-          </a:fillRef>
-          <a:effectRef idx="0">
-            <a:schemeClr val="accent1"/>
-          </a:effectRef>
-          <a:fontRef idx="minor">
-            <a:schemeClr val="lt1"/>
-          </a:fontRef>
-        </p:style>
-        <p:txBody>
-          <a:bodyPr rtlCol="0" anchor="ctr"/>
-          <a:lstStyle/>
-          <a:p>
-            <a:pPr algn="ctr"/>
-            <a:endParaRPr lang="en-US">
-              <a:noFill/>
-            </a:endParaRPr>
-          </a:p>
-        </p:txBody>
-      </p:sp>
     </p:spTree>
     <p:extLst>
       <p:ext uri="{BB962C8B-B14F-4D97-AF65-F5344CB8AC3E}">
-        <p14:creationId xmlns:p14="http://schemas.microsoft.com/office/powerpoint/2010/main" val="1549556745"/>
+        <p14:creationId xmlns:p14="http://schemas.microsoft.com/office/powerpoint/2010/main" val="1650619659"/>
       </p:ext>
     </p:extLst>
   </p:cSld>
@@ -8307,8 +7667,20 @@
           <a:lstStyle/>
           <a:p>
             <a:r>
+              <a:rPr lang="en-US" dirty="0" smtClean="0"/>
+              <a:t>Server </a:t>
+            </a:r>
+            <a:r>
               <a:rPr lang="en-US" dirty="0" err="1" smtClean="0"/>
-              <a:t>Định</a:t>
+              <a:t>nhận</a:t>
+            </a:r>
+            <a:r>
+              <a:rPr lang="en-US" dirty="0" smtClean="0"/>
+              <a:t> data </a:t>
+            </a:r>
+            <a:r>
+              <a:rPr lang="en-US" dirty="0" err="1" smtClean="0"/>
+              <a:t>như</a:t>
             </a:r>
             <a:r>
               <a:rPr lang="en-US" dirty="0" smtClean="0"/>
@@ -8316,11 +7688,19 @@
             </a:r>
             <a:r>
               <a:rPr lang="en-US" dirty="0" err="1" smtClean="0"/>
-              <a:t>nghĩa</a:t>
+              <a:t>thế</a:t>
             </a:r>
             <a:r>
               <a:rPr lang="en-US" dirty="0" smtClean="0"/>
-              <a:t> object</a:t>
+              <a:t> </a:t>
+            </a:r>
+            <a:r>
+              <a:rPr lang="en-US" dirty="0" err="1" smtClean="0"/>
+              <a:t>nào</a:t>
+            </a:r>
+            <a:r>
+              <a:rPr lang="en-US" dirty="0" smtClean="0"/>
+              <a:t> ?</a:t>
             </a:r>
             <a:endParaRPr lang="en-US" dirty="0"/>
           </a:p>
@@ -8328,13 +7708,13 @@
       </p:sp>
       <p:pic>
         <p:nvPicPr>
-          <p:cNvPr id="7" name="Picture 6"/>
+          <p:cNvPr id="4" name="Picture 3"/>
           <p:cNvPicPr>
             <a:picLocks noChangeAspect="1"/>
           </p:cNvPicPr>
           <p:nvPr/>
         </p:nvPicPr>
-        <p:blipFill>
+        <p:blipFill rotWithShape="1">
           <a:blip r:embed="rId2">
             <a:extLst>
               <a:ext uri="{28A0092B-C50C-407E-A947-70E740481C1C}">
@@ -8342,203 +7722,364 @@
               </a:ext>
             </a:extLst>
           </a:blip>
-          <a:stretch>
-            <a:fillRect/>
-          </a:stretch>
+          <a:srcRect t="9283" b="9505"/>
+          <a:stretch/>
         </p:blipFill>
         <p:spPr>
           <a:xfrm>
-            <a:off x="228599" y="971550"/>
-            <a:ext cx="4188157" cy="1143000"/>
+            <a:off x="0" y="742950"/>
+            <a:ext cx="9144000" cy="2667000"/>
           </a:xfrm>
           <a:prstGeom prst="rect">
             <a:avLst/>
           </a:prstGeom>
         </p:spPr>
       </p:pic>
-      <p:pic>
-        <p:nvPicPr>
-          <p:cNvPr id="9" name="Picture 8"/>
-          <p:cNvPicPr>
-            <a:picLocks noChangeAspect="1"/>
-          </p:cNvPicPr>
+      <p:sp>
+        <p:nvSpPr>
+          <p:cNvPr id="5" name="Content Placeholder 2"/>
+          <p:cNvSpPr txBox="1">
+            <a:spLocks/>
+          </p:cNvSpPr>
           <p:nvPr/>
-        </p:nvPicPr>
-        <p:blipFill>
-          <a:blip r:embed="rId3">
-            <a:extLst>
-              <a:ext uri="{28A0092B-C50C-407E-A947-70E740481C1C}">
-                <a14:useLocalDpi xmlns:a14="http://schemas.microsoft.com/office/drawing/2010/main" val="0"/>
-              </a:ext>
-            </a:extLst>
-          </a:blip>
-          <a:stretch>
-            <a:fillRect/>
-          </a:stretch>
-        </p:blipFill>
-        <p:spPr>
-          <a:xfrm>
-            <a:off x="228599" y="2343150"/>
-            <a:ext cx="4186614" cy="1145744"/>
+        </p:nvSpPr>
+        <p:spPr>
+          <a:xfrm>
+            <a:off x="0" y="3409950"/>
+            <a:ext cx="9144000" cy="1676400"/>
           </a:xfrm>
           <a:prstGeom prst="rect">
             <a:avLst/>
           </a:prstGeom>
         </p:spPr>
-      </p:pic>
-      <p:sp>
-        <p:nvSpPr>
-          <p:cNvPr id="11" name="Left Arrow 10"/>
-          <p:cNvSpPr/>
-          <p:nvPr/>
-        </p:nvSpPr>
-        <p:spPr>
-          <a:xfrm>
-            <a:off x="4658139" y="1182200"/>
-            <a:ext cx="1828800" cy="721700"/>
-          </a:xfrm>
-          <a:prstGeom prst="leftArrow">
-            <a:avLst/>
-          </a:prstGeom>
-        </p:spPr>
-        <p:style>
-          <a:lnRef idx="2">
-            <a:schemeClr val="accent1">
-              <a:shade val="50000"/>
-            </a:schemeClr>
-          </a:lnRef>
-          <a:fillRef idx="1">
-            <a:schemeClr val="accent1"/>
-          </a:fillRef>
-          <a:effectRef idx="0">
-            <a:schemeClr val="accent1"/>
-          </a:effectRef>
-          <a:fontRef idx="minor">
-            <a:schemeClr val="lt1"/>
-          </a:fontRef>
-        </p:style>
-        <p:txBody>
-          <a:bodyPr rtlCol="0" anchor="ctr"/>
-          <a:lstStyle/>
-          <a:p>
-            <a:pPr algn="ctr"/>
-            <a:r>
-              <a:rPr lang="en-US" dirty="0" err="1" smtClean="0"/>
-              <a:t>Kiểu</a:t>
-            </a:r>
-            <a:r>
-              <a:rPr lang="en-US" dirty="0" smtClean="0"/>
-              <a:t> 1</a:t>
-            </a:r>
-            <a:endParaRPr lang="en-US" dirty="0"/>
-          </a:p>
-        </p:txBody>
-      </p:sp>
-      <p:sp>
-        <p:nvSpPr>
-          <p:cNvPr id="13" name="Left Arrow 12"/>
-          <p:cNvSpPr/>
-          <p:nvPr/>
-        </p:nvSpPr>
-        <p:spPr>
-          <a:xfrm>
-            <a:off x="4658139" y="2535022"/>
-            <a:ext cx="3415748" cy="762000"/>
-          </a:xfrm>
-          <a:prstGeom prst="leftArrow">
-            <a:avLst/>
-          </a:prstGeom>
-        </p:spPr>
-        <p:style>
-          <a:lnRef idx="2">
-            <a:schemeClr val="accent1">
-              <a:shade val="50000"/>
-            </a:schemeClr>
-          </a:lnRef>
-          <a:fillRef idx="1">
-            <a:schemeClr val="accent1"/>
-          </a:fillRef>
-          <a:effectRef idx="0">
-            <a:schemeClr val="accent1"/>
-          </a:effectRef>
-          <a:fontRef idx="minor">
-            <a:schemeClr val="lt1"/>
-          </a:fontRef>
-        </p:style>
-        <p:txBody>
-          <a:bodyPr rtlCol="0" anchor="ctr"/>
-          <a:lstStyle/>
-          <a:p>
-            <a:pPr algn="ctr"/>
-            <a:r>
-              <a:rPr lang="en-US" dirty="0" err="1" smtClean="0"/>
-              <a:t>Kiểu</a:t>
-            </a:r>
-            <a:r>
-              <a:rPr lang="en-US" dirty="0" smtClean="0"/>
-              <a:t> 2 =&gt; key </a:t>
-            </a:r>
-            <a:r>
-              <a:rPr lang="en-US" dirty="0" err="1" smtClean="0"/>
-              <a:t>có</a:t>
-            </a:r>
-            <a:r>
-              <a:rPr lang="en-US" dirty="0" smtClean="0"/>
+        <p:txBody>
+          <a:bodyPr vert="horz" lIns="91440" tIns="45720" rIns="91440" bIns="45720" rtlCol="0">
+            <a:normAutofit/>
+          </a:bodyPr>
+          <a:lstStyle>
+            <a:lvl1pPr marL="342900" indent="-342900" algn="l" defTabSz="914400" rtl="0" eaLnBrk="1" latinLnBrk="0" hangingPunct="1">
+              <a:spcBef>
+                <a:spcPts val="1800"/>
+              </a:spcBef>
+              <a:buFont typeface="Arial" pitchFamily="34" charset="0"/>
+              <a:buChar char="•"/>
+              <a:defRPr sz="3200" kern="1200">
+                <a:solidFill>
+                  <a:schemeClr val="bg1"/>
+                </a:solidFill>
+                <a:latin typeface="Corbel"/>
+                <a:ea typeface="Segoe UI" pitchFamily="34" charset="0"/>
+                <a:cs typeface="Corbel"/>
+              </a:defRPr>
+            </a:lvl1pPr>
+            <a:lvl2pPr marL="742950" indent="-285750" algn="l" defTabSz="914400" rtl="0" eaLnBrk="1" latinLnBrk="0" hangingPunct="1">
+              <a:spcBef>
+                <a:spcPts val="1800"/>
+              </a:spcBef>
+              <a:buFont typeface="Arial" pitchFamily="34" charset="0"/>
+              <a:buChar char="–"/>
+              <a:defRPr sz="2800" kern="1200">
+                <a:solidFill>
+                  <a:schemeClr val="bg1"/>
+                </a:solidFill>
+                <a:latin typeface="Corbel"/>
+                <a:ea typeface="Segoe UI" pitchFamily="34" charset="0"/>
+                <a:cs typeface="Corbel"/>
+              </a:defRPr>
+            </a:lvl2pPr>
+            <a:lvl3pPr marL="1143000" indent="-228600" algn="l" defTabSz="914400" rtl="0" eaLnBrk="1" latinLnBrk="0" hangingPunct="1">
+              <a:spcBef>
+                <a:spcPts val="1800"/>
+              </a:spcBef>
+              <a:buFont typeface="Arial" pitchFamily="34" charset="0"/>
+              <a:buChar char="•"/>
+              <a:defRPr sz="2400" kern="1200">
+                <a:solidFill>
+                  <a:schemeClr val="bg1"/>
+                </a:solidFill>
+                <a:latin typeface="Corbel"/>
+                <a:ea typeface="Segoe UI" pitchFamily="34" charset="0"/>
+                <a:cs typeface="Corbel"/>
+              </a:defRPr>
+            </a:lvl3pPr>
+            <a:lvl4pPr marL="1600200" indent="-228600" algn="l" defTabSz="914400" rtl="0" eaLnBrk="1" latinLnBrk="0" hangingPunct="1">
+              <a:spcBef>
+                <a:spcPts val="1800"/>
+              </a:spcBef>
+              <a:buFont typeface="Arial" pitchFamily="34" charset="0"/>
+              <a:buChar char="–"/>
+              <a:defRPr sz="2000" kern="1200">
+                <a:solidFill>
+                  <a:schemeClr val="bg1"/>
+                </a:solidFill>
+                <a:latin typeface="Corbel"/>
+                <a:ea typeface="Segoe UI" pitchFamily="34" charset="0"/>
+                <a:cs typeface="Corbel"/>
+              </a:defRPr>
+            </a:lvl4pPr>
+            <a:lvl5pPr marL="2057400" indent="-228600" algn="l" defTabSz="914400" rtl="0" eaLnBrk="1" latinLnBrk="0" hangingPunct="1">
+              <a:spcBef>
+                <a:spcPts val="1800"/>
+              </a:spcBef>
+              <a:buFont typeface="Arial" pitchFamily="34" charset="0"/>
+              <a:buChar char="»"/>
+              <a:defRPr sz="2000" kern="1200">
+                <a:solidFill>
+                  <a:schemeClr val="bg1"/>
+                </a:solidFill>
+                <a:latin typeface="Corbel"/>
+                <a:ea typeface="Segoe UI" pitchFamily="34" charset="0"/>
+                <a:cs typeface="Corbel"/>
+              </a:defRPr>
+            </a:lvl5pPr>
+            <a:lvl6pPr marL="2514600" indent="-228600" algn="l" defTabSz="914400" rtl="0" eaLnBrk="1" latinLnBrk="0" hangingPunct="1">
+              <a:spcBef>
+                <a:spcPct val="20000"/>
+              </a:spcBef>
+              <a:buFont typeface="Arial" pitchFamily="34" charset="0"/>
+              <a:buChar char="•"/>
+              <a:defRPr sz="2000" kern="1200">
+                <a:solidFill>
+                  <a:schemeClr val="tx1"/>
+                </a:solidFill>
+                <a:latin typeface="+mn-lt"/>
+                <a:ea typeface="+mn-ea"/>
+                <a:cs typeface="+mn-cs"/>
+              </a:defRPr>
+            </a:lvl6pPr>
+            <a:lvl7pPr marL="2971800" indent="-228600" algn="l" defTabSz="914400" rtl="0" eaLnBrk="1" latinLnBrk="0" hangingPunct="1">
+              <a:spcBef>
+                <a:spcPct val="20000"/>
+              </a:spcBef>
+              <a:buFont typeface="Arial" pitchFamily="34" charset="0"/>
+              <a:buChar char="•"/>
+              <a:defRPr sz="2000" kern="1200">
+                <a:solidFill>
+                  <a:schemeClr val="tx1"/>
+                </a:solidFill>
+                <a:latin typeface="+mn-lt"/>
+                <a:ea typeface="+mn-ea"/>
+                <a:cs typeface="+mn-cs"/>
+              </a:defRPr>
+            </a:lvl7pPr>
+            <a:lvl8pPr marL="3429000" indent="-228600" algn="l" defTabSz="914400" rtl="0" eaLnBrk="1" latinLnBrk="0" hangingPunct="1">
+              <a:spcBef>
+                <a:spcPct val="20000"/>
+              </a:spcBef>
+              <a:buFont typeface="Arial" pitchFamily="34" charset="0"/>
+              <a:buChar char="•"/>
+              <a:defRPr sz="2000" kern="1200">
+                <a:solidFill>
+                  <a:schemeClr val="tx1"/>
+                </a:solidFill>
+                <a:latin typeface="+mn-lt"/>
+                <a:ea typeface="+mn-ea"/>
+                <a:cs typeface="+mn-cs"/>
+              </a:defRPr>
+            </a:lvl8pPr>
+            <a:lvl9pPr marL="3886200" indent="-228600" algn="l" defTabSz="914400" rtl="0" eaLnBrk="1" latinLnBrk="0" hangingPunct="1">
+              <a:spcBef>
+                <a:spcPct val="20000"/>
+              </a:spcBef>
+              <a:buFont typeface="Arial" pitchFamily="34" charset="0"/>
+              <a:buChar char="•"/>
+              <a:defRPr sz="2000" kern="1200">
+                <a:solidFill>
+                  <a:schemeClr val="tx1"/>
+                </a:solidFill>
+                <a:latin typeface="+mn-lt"/>
+                <a:ea typeface="+mn-ea"/>
+                <a:cs typeface="+mn-cs"/>
+              </a:defRPr>
+            </a:lvl9pPr>
+          </a:lstStyle>
+          <a:p>
+            <a:pPr marL="0" indent="0">
+              <a:spcBef>
+                <a:spcPts val="600"/>
+              </a:spcBef>
+              <a:buNone/>
+            </a:pPr>
+            <a:r>
+              <a:rPr lang="en-US" sz="2500" dirty="0" err="1" smtClean="0"/>
+              <a:t>request</a:t>
+            </a:r>
+            <a:r>
+              <a:rPr lang="en-US" sz="2500" dirty="0" err="1" smtClean="0">
+                <a:solidFill>
+                  <a:srgbClr val="FFFF00"/>
+                </a:solidFill>
+              </a:rPr>
+              <a:t>.params</a:t>
+            </a:r>
+            <a:r>
+              <a:rPr lang="en-US" sz="2500" dirty="0" smtClean="0">
+                <a:solidFill>
+                  <a:srgbClr val="FFFF00"/>
+                </a:solidFill>
+              </a:rPr>
+              <a:t>:</a:t>
+            </a:r>
+            <a:r>
+              <a:rPr lang="en-US" sz="2500" dirty="0" smtClean="0">
+                <a:solidFill>
+                  <a:srgbClr val="00B0F0"/>
+                </a:solidFill>
+              </a:rPr>
               <a:t> </a:t>
             </a:r>
             <a:r>
-              <a:rPr lang="en-US" dirty="0" err="1" smtClean="0"/>
-              <a:t>thể</a:t>
-            </a:r>
-            <a:r>
-              <a:rPr lang="en-US" dirty="0" smtClean="0"/>
-              <a:t> “</a:t>
-            </a:r>
-            <a:r>
-              <a:rPr lang="en-US" dirty="0" err="1" smtClean="0"/>
-              <a:t>có</a:t>
-            </a:r>
-            <a:r>
-              <a:rPr lang="en-US" dirty="0" smtClean="0"/>
-              <a:t> space”</a:t>
-            </a:r>
-            <a:endParaRPr lang="en-US" dirty="0"/>
-          </a:p>
-        </p:txBody>
-      </p:sp>
-      <p:pic>
-        <p:nvPicPr>
-          <p:cNvPr id="14" name="Picture 13"/>
-          <p:cNvPicPr>
-            <a:picLocks noChangeAspect="1"/>
-          </p:cNvPicPr>
-          <p:nvPr/>
-        </p:nvPicPr>
-        <p:blipFill rotWithShape="1">
-          <a:blip r:embed="rId4">
-            <a:extLst>
-              <a:ext uri="{28A0092B-C50C-407E-A947-70E740481C1C}">
-                <a14:useLocalDpi xmlns:a14="http://schemas.microsoft.com/office/drawing/2010/main" val="0"/>
-              </a:ext>
-            </a:extLst>
-          </a:blip>
-          <a:srcRect l="1667" r="2500"/>
-          <a:stretch/>
-        </p:blipFill>
-        <p:spPr>
-          <a:xfrm>
-            <a:off x="228599" y="4120016"/>
-            <a:ext cx="7086601" cy="850085"/>
-          </a:xfrm>
-          <a:prstGeom prst="rect">
-            <a:avLst/>
-          </a:prstGeom>
-        </p:spPr>
-      </p:pic>
+              <a:rPr lang="en-US" sz="2500" dirty="0" smtClean="0"/>
+              <a:t>client </a:t>
+            </a:r>
+            <a:r>
+              <a:rPr lang="en-US" sz="2500" dirty="0" err="1" smtClean="0"/>
+              <a:t>gửi</a:t>
+            </a:r>
+            <a:r>
+              <a:rPr lang="en-US" sz="2500" dirty="0" smtClean="0"/>
+              <a:t> </a:t>
+            </a:r>
+            <a:r>
+              <a:rPr lang="en-US" sz="2500" dirty="0" smtClean="0">
+                <a:solidFill>
+                  <a:srgbClr val="FFFF00"/>
+                </a:solidFill>
+              </a:rPr>
+              <a:t>GET</a:t>
+            </a:r>
+            <a:r>
+              <a:rPr lang="en-US" sz="2500" dirty="0" smtClean="0"/>
+              <a:t> method qua URL</a:t>
+            </a:r>
+          </a:p>
+          <a:p>
+            <a:pPr marL="0" indent="0">
+              <a:spcBef>
+                <a:spcPts val="600"/>
+              </a:spcBef>
+              <a:buNone/>
+            </a:pPr>
+            <a:r>
+              <a:rPr lang="en-US" sz="2500" dirty="0" err="1" smtClean="0"/>
+              <a:t>request</a:t>
+            </a:r>
+            <a:r>
+              <a:rPr lang="en-US" sz="2500" dirty="0" err="1" smtClean="0">
+                <a:solidFill>
+                  <a:srgbClr val="FFFF00"/>
+                </a:solidFill>
+              </a:rPr>
+              <a:t>.query</a:t>
+            </a:r>
+            <a:r>
+              <a:rPr lang="en-US" sz="2500" dirty="0" smtClean="0">
+                <a:solidFill>
+                  <a:srgbClr val="FFFF00"/>
+                </a:solidFill>
+              </a:rPr>
+              <a:t>: </a:t>
+            </a:r>
+            <a:r>
+              <a:rPr lang="en-US" sz="2500" dirty="0"/>
+              <a:t>client </a:t>
+            </a:r>
+            <a:r>
+              <a:rPr lang="en-US" sz="2500" dirty="0" err="1"/>
+              <a:t>gửi</a:t>
+            </a:r>
+            <a:r>
+              <a:rPr lang="en-US" sz="2500" dirty="0"/>
+              <a:t> </a:t>
+            </a:r>
+            <a:r>
+              <a:rPr lang="en-US" sz="2500" dirty="0">
+                <a:solidFill>
+                  <a:srgbClr val="FFFF00"/>
+                </a:solidFill>
+              </a:rPr>
+              <a:t>GET</a:t>
+            </a:r>
+            <a:r>
+              <a:rPr lang="en-US" sz="2500" dirty="0"/>
+              <a:t> </a:t>
+            </a:r>
+            <a:r>
+              <a:rPr lang="en-US" sz="2500" dirty="0" smtClean="0"/>
+              <a:t>method</a:t>
+            </a:r>
+          </a:p>
+          <a:p>
+            <a:pPr marL="0" indent="0">
+              <a:spcBef>
+                <a:spcPts val="600"/>
+              </a:spcBef>
+              <a:buNone/>
+            </a:pPr>
+            <a:r>
+              <a:rPr lang="en-US" sz="2500" dirty="0" err="1" smtClean="0"/>
+              <a:t>request</a:t>
+            </a:r>
+            <a:r>
+              <a:rPr lang="en-US" sz="2500" dirty="0" err="1" smtClean="0">
+                <a:solidFill>
+                  <a:srgbClr val="FFFF00"/>
+                </a:solidFill>
+              </a:rPr>
+              <a:t>.body</a:t>
+            </a:r>
+            <a:r>
+              <a:rPr lang="en-US" sz="2500" dirty="0" smtClean="0">
+                <a:solidFill>
+                  <a:srgbClr val="FFFF00"/>
+                </a:solidFill>
+              </a:rPr>
+              <a:t>: </a:t>
+            </a:r>
+            <a:r>
+              <a:rPr lang="en-US" sz="2500" dirty="0"/>
+              <a:t>client </a:t>
+            </a:r>
+            <a:r>
+              <a:rPr lang="en-US" sz="2500" dirty="0" err="1"/>
+              <a:t>gửi</a:t>
+            </a:r>
+            <a:r>
+              <a:rPr lang="en-US" sz="2500" dirty="0"/>
+              <a:t> </a:t>
+            </a:r>
+            <a:r>
+              <a:rPr lang="en-US" sz="2500" dirty="0" smtClean="0">
+                <a:solidFill>
+                  <a:srgbClr val="FFFF00"/>
+                </a:solidFill>
+              </a:rPr>
+              <a:t>POST, PUT, DELETE </a:t>
+            </a:r>
+            <a:r>
+              <a:rPr lang="en-US" sz="2500" dirty="0" smtClean="0"/>
+              <a:t>methods</a:t>
+            </a:r>
+          </a:p>
+          <a:p>
+            <a:pPr marL="0" indent="0">
+              <a:spcBef>
+                <a:spcPts val="600"/>
+              </a:spcBef>
+              <a:buNone/>
+            </a:pPr>
+            <a:endParaRPr lang="en-US" sz="2500" dirty="0" smtClean="0">
+              <a:solidFill>
+                <a:srgbClr val="7DBD00"/>
+              </a:solidFill>
+            </a:endParaRPr>
+          </a:p>
+        </p:txBody>
+      </p:sp>
     </p:spTree>
     <p:extLst>
       <p:ext uri="{BB962C8B-B14F-4D97-AF65-F5344CB8AC3E}">
-        <p14:creationId xmlns:p14="http://schemas.microsoft.com/office/powerpoint/2010/main" val="1062472415"/>
+        <p14:creationId xmlns:p14="http://schemas.microsoft.com/office/powerpoint/2010/main" val="1926983052"/>
       </p:ext>
     </p:extLst>
   </p:cSld>
@@ -8548,218 +8089,9 @@
   <p:timing>
     <p:tnLst>
       <p:par>
-        <p:cTn id="1" dur="indefinite" restart="never" nodeType="tmRoot">
-          <p:childTnLst>
-            <p:seq concurrent="1" nextAc="seek">
-              <p:cTn id="2" dur="indefinite" nodeType="mainSeq">
-                <p:childTnLst>
-                  <p:par>
-                    <p:cTn id="3" fill="hold">
-                      <p:stCondLst>
-                        <p:cond delay="indefinite"/>
-                      </p:stCondLst>
-                      <p:childTnLst>
-                        <p:par>
-                          <p:cTn id="4" fill="hold">
-                            <p:stCondLst>
-                              <p:cond delay="0"/>
-                            </p:stCondLst>
-                            <p:childTnLst>
-                              <p:par>
-                                <p:cTn id="5" presetID="2" presetClass="entr" presetSubtype="2" fill="hold" grpId="0" nodeType="clickEffect">
-                                  <p:stCondLst>
-                                    <p:cond delay="0"/>
-                                  </p:stCondLst>
-                                  <p:childTnLst>
-                                    <p:set>
-                                      <p:cBhvr>
-                                        <p:cTn id="6" dur="1" fill="hold">
-                                          <p:stCondLst>
-                                            <p:cond delay="0"/>
-                                          </p:stCondLst>
-                                        </p:cTn>
-                                        <p:tgtEl>
-                                          <p:spTgt spid="11"/>
-                                        </p:tgtEl>
-                                        <p:attrNameLst>
-                                          <p:attrName>style.visibility</p:attrName>
-                                        </p:attrNameLst>
-                                      </p:cBhvr>
-                                      <p:to>
-                                        <p:strVal val="visible"/>
-                                      </p:to>
-                                    </p:set>
-                                    <p:anim calcmode="lin" valueType="num">
-                                      <p:cBhvr additive="base">
-                                        <p:cTn id="7" dur="500" fill="hold"/>
-                                        <p:tgtEl>
-                                          <p:spTgt spid="11"/>
-                                        </p:tgtEl>
-                                        <p:attrNameLst>
-                                          <p:attrName>ppt_x</p:attrName>
-                                        </p:attrNameLst>
-                                      </p:cBhvr>
-                                      <p:tavLst>
-                                        <p:tav tm="0">
-                                          <p:val>
-                                            <p:strVal val="1+#ppt_w/2"/>
-                                          </p:val>
-                                        </p:tav>
-                                        <p:tav tm="100000">
-                                          <p:val>
-                                            <p:strVal val="#ppt_x"/>
-                                          </p:val>
-                                        </p:tav>
-                                      </p:tavLst>
-                                    </p:anim>
-                                    <p:anim calcmode="lin" valueType="num">
-                                      <p:cBhvr additive="base">
-                                        <p:cTn id="8" dur="500" fill="hold"/>
-                                        <p:tgtEl>
-                                          <p:spTgt spid="11"/>
-                                        </p:tgtEl>
-                                        <p:attrNameLst>
-                                          <p:attrName>ppt_y</p:attrName>
-                                        </p:attrNameLst>
-                                      </p:cBhvr>
-                                      <p:tavLst>
-                                        <p:tav tm="0">
-                                          <p:val>
-                                            <p:strVal val="#ppt_y"/>
-                                          </p:val>
-                                        </p:tav>
-                                        <p:tav tm="100000">
-                                          <p:val>
-                                            <p:strVal val="#ppt_y"/>
-                                          </p:val>
-                                        </p:tav>
-                                      </p:tavLst>
-                                    </p:anim>
-                                  </p:childTnLst>
-                                </p:cTn>
-                              </p:par>
-                            </p:childTnLst>
-                          </p:cTn>
-                        </p:par>
-                      </p:childTnLst>
-                    </p:cTn>
-                  </p:par>
-                  <p:par>
-                    <p:cTn id="9" fill="hold">
-                      <p:stCondLst>
-                        <p:cond delay="indefinite"/>
-                      </p:stCondLst>
-                      <p:childTnLst>
-                        <p:par>
-                          <p:cTn id="10" fill="hold">
-                            <p:stCondLst>
-                              <p:cond delay="0"/>
-                            </p:stCondLst>
-                            <p:childTnLst>
-                              <p:par>
-                                <p:cTn id="11" presetID="2" presetClass="entr" presetSubtype="2" fill="hold" grpId="0" nodeType="clickEffect">
-                                  <p:stCondLst>
-                                    <p:cond delay="0"/>
-                                  </p:stCondLst>
-                                  <p:childTnLst>
-                                    <p:set>
-                                      <p:cBhvr>
-                                        <p:cTn id="12" dur="1" fill="hold">
-                                          <p:stCondLst>
-                                            <p:cond delay="0"/>
-                                          </p:stCondLst>
-                                        </p:cTn>
-                                        <p:tgtEl>
-                                          <p:spTgt spid="13"/>
-                                        </p:tgtEl>
-                                        <p:attrNameLst>
-                                          <p:attrName>style.visibility</p:attrName>
-                                        </p:attrNameLst>
-                                      </p:cBhvr>
-                                      <p:to>
-                                        <p:strVal val="visible"/>
-                                      </p:to>
-                                    </p:set>
-                                    <p:anim calcmode="lin" valueType="num">
-                                      <p:cBhvr additive="base">
-                                        <p:cTn id="13" dur="500" fill="hold"/>
-                                        <p:tgtEl>
-                                          <p:spTgt spid="13"/>
-                                        </p:tgtEl>
-                                        <p:attrNameLst>
-                                          <p:attrName>ppt_x</p:attrName>
-                                        </p:attrNameLst>
-                                      </p:cBhvr>
-                                      <p:tavLst>
-                                        <p:tav tm="0">
-                                          <p:val>
-                                            <p:strVal val="1+#ppt_w/2"/>
-                                          </p:val>
-                                        </p:tav>
-                                        <p:tav tm="100000">
-                                          <p:val>
-                                            <p:strVal val="#ppt_x"/>
-                                          </p:val>
-                                        </p:tav>
-                                      </p:tavLst>
-                                    </p:anim>
-                                    <p:anim calcmode="lin" valueType="num">
-                                      <p:cBhvr additive="base">
-                                        <p:cTn id="14" dur="500" fill="hold"/>
-                                        <p:tgtEl>
-                                          <p:spTgt spid="13"/>
-                                        </p:tgtEl>
-                                        <p:attrNameLst>
-                                          <p:attrName>ppt_y</p:attrName>
-                                        </p:attrNameLst>
-                                      </p:cBhvr>
-                                      <p:tavLst>
-                                        <p:tav tm="0">
-                                          <p:val>
-                                            <p:strVal val="#ppt_y"/>
-                                          </p:val>
-                                        </p:tav>
-                                        <p:tav tm="100000">
-                                          <p:val>
-                                            <p:strVal val="#ppt_y"/>
-                                          </p:val>
-                                        </p:tav>
-                                      </p:tavLst>
-                                    </p:anim>
-                                  </p:childTnLst>
-                                </p:cTn>
-                              </p:par>
-                            </p:childTnLst>
-                          </p:cTn>
-                        </p:par>
-                      </p:childTnLst>
-                    </p:cTn>
-                  </p:par>
-                </p:childTnLst>
-              </p:cTn>
-              <p:prevCondLst>
-                <p:cond evt="onPrev" delay="0">
-                  <p:tgtEl>
-                    <p:sldTgt/>
-                  </p:tgtEl>
-                </p:cond>
-              </p:prevCondLst>
-              <p:nextCondLst>
-                <p:cond evt="onNext" delay="0">
-                  <p:tgtEl>
-                    <p:sldTgt/>
-                  </p:tgtEl>
-                </p:cond>
-              </p:nextCondLst>
-            </p:seq>
-          </p:childTnLst>
-        </p:cTn>
+        <p:cTn id="1" dur="indefinite" restart="never" nodeType="tmRoot"/>
       </p:par>
     </p:tnLst>
-    <p:bldLst>
-      <p:bldP spid="11" grpId="0" animBg="1"/>
-      <p:bldP spid="13" grpId="0" animBg="1"/>
-    </p:bldLst>
   </p:timing>
 </p:sld>
 </file>
@@ -8783,39 +8115,99 @@
       </p:grpSpPr>
       <p:sp>
         <p:nvSpPr>
-          <p:cNvPr id="2" name="Title 1"/>
-          <p:cNvSpPr>
-            <a:spLocks noGrp="1"/>
-          </p:cNvSpPr>
-          <p:nvPr>
-            <p:ph type="title"/>
-          </p:nvPr>
-        </p:nvSpPr>
-        <p:spPr/>
-        <p:txBody>
-          <a:bodyPr>
-            <a:normAutofit fontScale="90000"/>
-          </a:bodyPr>
+          <p:cNvPr id="10" name="Oval 9"/>
+          <p:cNvSpPr/>
+          <p:nvPr/>
+        </p:nvSpPr>
+        <p:spPr>
+          <a:xfrm>
+            <a:off x="0" y="457456"/>
+            <a:ext cx="6033854" cy="4705094"/>
+          </a:xfrm>
+          <a:prstGeom prst="ellipse">
+            <a:avLst/>
+          </a:prstGeom>
+        </p:spPr>
+        <p:style>
+          <a:lnRef idx="2">
+            <a:schemeClr val="accent1">
+              <a:shade val="50000"/>
+            </a:schemeClr>
+          </a:lnRef>
+          <a:fillRef idx="1">
+            <a:schemeClr val="accent1"/>
+          </a:fillRef>
+          <a:effectRef idx="0">
+            <a:schemeClr val="accent1"/>
+          </a:effectRef>
+          <a:fontRef idx="minor">
+            <a:schemeClr val="lt1"/>
+          </a:fontRef>
+        </p:style>
+        <p:txBody>
+          <a:bodyPr rtlCol="0" anchor="ctr"/>
           <a:lstStyle/>
           <a:p>
-            <a:r>
-              <a:rPr lang="en-US" dirty="0" err="1" smtClean="0"/>
-              <a:t>Excercises</a:t>
-            </a:r>
-            <a:endParaRPr lang="en-US" dirty="0"/>
-          </a:p>
-        </p:txBody>
-      </p:sp>
-      <p:sp>
-        <p:nvSpPr>
-          <p:cNvPr id="3" name="TextBox 2"/>
+            <a:pPr algn="ctr"/>
+            <a:endParaRPr lang="en-US"/>
+          </a:p>
+        </p:txBody>
+      </p:sp>
+      <p:sp>
+        <p:nvSpPr>
+          <p:cNvPr id="11" name="Oval 10"/>
+          <p:cNvSpPr/>
+          <p:nvPr/>
+        </p:nvSpPr>
+        <p:spPr>
+          <a:xfrm>
+            <a:off x="2700631" y="372973"/>
+            <a:ext cx="6251976" cy="4638299"/>
+          </a:xfrm>
+          <a:prstGeom prst="ellipse">
+            <a:avLst/>
+          </a:prstGeom>
+          <a:solidFill>
+            <a:srgbClr val="92D050">
+              <a:alpha val="63922"/>
+            </a:srgbClr>
+          </a:solidFill>
+        </p:spPr>
+        <p:style>
+          <a:lnRef idx="2">
+            <a:schemeClr val="accent1">
+              <a:shade val="50000"/>
+            </a:schemeClr>
+          </a:lnRef>
+          <a:fillRef idx="1">
+            <a:schemeClr val="accent1"/>
+          </a:fillRef>
+          <a:effectRef idx="0">
+            <a:schemeClr val="accent1"/>
+          </a:effectRef>
+          <a:fontRef idx="minor">
+            <a:schemeClr val="lt1"/>
+          </a:fontRef>
+        </p:style>
+        <p:txBody>
+          <a:bodyPr rtlCol="0" anchor="ctr"/>
+          <a:lstStyle/>
+          <a:p>
+            <a:pPr algn="ctr"/>
+            <a:endParaRPr lang="en-US"/>
+          </a:p>
+        </p:txBody>
+      </p:sp>
+      <p:sp>
+        <p:nvSpPr>
+          <p:cNvPr id="12" name="TextBox 11"/>
           <p:cNvSpPr txBox="1"/>
           <p:nvPr/>
         </p:nvSpPr>
         <p:spPr>
           <a:xfrm>
-            <a:off x="533400" y="1123950"/>
-            <a:ext cx="8382000" cy="2585323"/>
+            <a:off x="42296" y="361950"/>
+            <a:ext cx="1502334" cy="461665"/>
           </a:xfrm>
           <a:prstGeom prst="rect">
             <a:avLst/>
@@ -8823,1182 +8215,800 @@
           <a:noFill/>
         </p:spPr>
         <p:txBody>
+          <a:bodyPr wrap="none" rtlCol="0">
+            <a:spAutoFit/>
+          </a:bodyPr>
+          <a:lstStyle/>
+          <a:p>
+            <a:r>
+              <a:rPr lang="en-US" sz="2400" b="1" dirty="0" smtClean="0">
+                <a:solidFill>
+                  <a:schemeClr val="bg1"/>
+                </a:solidFill>
+                <a:latin typeface="Roboto Mono for Powerline" charset="0"/>
+                <a:ea typeface="Roboto Mono for Powerline" charset="0"/>
+                <a:cs typeface="Roboto Mono for Powerline" charset="0"/>
+              </a:rPr>
+              <a:t>Postman </a:t>
+            </a:r>
+            <a:endParaRPr lang="en-US" sz="2400" b="1" dirty="0">
+              <a:solidFill>
+                <a:schemeClr val="bg1"/>
+              </a:solidFill>
+              <a:latin typeface="Roboto Mono for Powerline" charset="0"/>
+              <a:ea typeface="Roboto Mono for Powerline" charset="0"/>
+              <a:cs typeface="Roboto Mono for Powerline" charset="0"/>
+            </a:endParaRPr>
+          </a:p>
+        </p:txBody>
+      </p:sp>
+      <p:sp>
+        <p:nvSpPr>
+          <p:cNvPr id="13" name="TextBox 12"/>
+          <p:cNvSpPr txBox="1"/>
+          <p:nvPr/>
+        </p:nvSpPr>
+        <p:spPr>
+          <a:xfrm>
+            <a:off x="7924800" y="382084"/>
+            <a:ext cx="710451" cy="461665"/>
+          </a:xfrm>
+          <a:prstGeom prst="rect">
+            <a:avLst/>
+          </a:prstGeom>
+          <a:noFill/>
+        </p:spPr>
+        <p:txBody>
+          <a:bodyPr wrap="none" rtlCol="0">
+            <a:spAutoFit/>
+          </a:bodyPr>
+          <a:lstStyle/>
+          <a:p>
+            <a:r>
+              <a:rPr lang="en-US" sz="2400" b="1" smtClean="0">
+                <a:solidFill>
+                  <a:schemeClr val="bg1"/>
+                </a:solidFill>
+                <a:latin typeface="Roboto Mono for Powerline" charset="0"/>
+                <a:ea typeface="Roboto Mono for Powerline" charset="0"/>
+                <a:cs typeface="Roboto Mono for Powerline" charset="0"/>
+              </a:rPr>
+              <a:t>curl</a:t>
+            </a:r>
+            <a:endParaRPr lang="en-US" sz="2400" b="1">
+              <a:solidFill>
+                <a:schemeClr val="bg1"/>
+              </a:solidFill>
+              <a:latin typeface="Roboto Mono for Powerline" charset="0"/>
+              <a:ea typeface="Roboto Mono for Powerline" charset="0"/>
+              <a:cs typeface="Roboto Mono for Powerline" charset="0"/>
+            </a:endParaRPr>
+          </a:p>
+        </p:txBody>
+      </p:sp>
+      <p:sp>
+        <p:nvSpPr>
+          <p:cNvPr id="14" name="TextBox 13"/>
+          <p:cNvSpPr txBox="1"/>
+          <p:nvPr/>
+        </p:nvSpPr>
+        <p:spPr>
+          <a:xfrm>
+            <a:off x="5607917" y="740234"/>
+            <a:ext cx="2590800" cy="369332"/>
+          </a:xfrm>
+          <a:prstGeom prst="rect">
+            <a:avLst/>
+          </a:prstGeom>
+          <a:noFill/>
+        </p:spPr>
+        <p:txBody>
           <a:bodyPr wrap="square" rtlCol="0">
             <a:spAutoFit/>
           </a:bodyPr>
           <a:lstStyle/>
           <a:p>
             <a:r>
+              <a:rPr lang="vi-VN" smtClean="0">
+                <a:latin typeface="Calibri" charset="0"/>
+                <a:ea typeface="Calibri" charset="0"/>
+                <a:cs typeface="Calibri" charset="0"/>
+              </a:rPr>
+              <a:t>Ít trực quan</a:t>
+            </a:r>
+            <a:endParaRPr lang="en-US" dirty="0">
+              <a:latin typeface="Calibri" charset="0"/>
+              <a:ea typeface="Calibri" charset="0"/>
+              <a:cs typeface="Calibri" charset="0"/>
+            </a:endParaRPr>
+          </a:p>
+        </p:txBody>
+      </p:sp>
+      <p:sp>
+        <p:nvSpPr>
+          <p:cNvPr id="21" name="TextBox 20"/>
+          <p:cNvSpPr txBox="1"/>
+          <p:nvPr/>
+        </p:nvSpPr>
+        <p:spPr>
+          <a:xfrm>
+            <a:off x="990599" y="1025492"/>
+            <a:ext cx="2412901" cy="369332"/>
+          </a:xfrm>
+          <a:prstGeom prst="rect">
+            <a:avLst/>
+          </a:prstGeom>
+          <a:noFill/>
+        </p:spPr>
+        <p:txBody>
+          <a:bodyPr wrap="square" rtlCol="0">
+            <a:spAutoFit/>
+          </a:bodyPr>
+          <a:lstStyle/>
+          <a:p>
+            <a:r>
+              <a:rPr lang="vi-VN" dirty="0" smtClean="0">
+                <a:latin typeface="Calibri" charset="0"/>
+                <a:ea typeface="Calibri" charset="0"/>
+                <a:cs typeface="Calibri" charset="0"/>
+              </a:rPr>
+              <a:t>Trực quan, dễ dùng</a:t>
+            </a:r>
+            <a:endParaRPr lang="en-US" dirty="0">
+              <a:latin typeface="Calibri" charset="0"/>
+              <a:ea typeface="Calibri" charset="0"/>
+              <a:cs typeface="Calibri" charset="0"/>
+            </a:endParaRPr>
+          </a:p>
+        </p:txBody>
+      </p:sp>
+      <p:sp>
+        <p:nvSpPr>
+          <p:cNvPr id="23" name="TextBox 22"/>
+          <p:cNvSpPr txBox="1"/>
+          <p:nvPr/>
+        </p:nvSpPr>
+        <p:spPr>
+          <a:xfrm>
+            <a:off x="242925" y="2620396"/>
+            <a:ext cx="2590800" cy="369332"/>
+          </a:xfrm>
+          <a:prstGeom prst="rect">
+            <a:avLst/>
+          </a:prstGeom>
+          <a:noFill/>
+        </p:spPr>
+        <p:txBody>
+          <a:bodyPr wrap="square" rtlCol="0">
+            <a:spAutoFit/>
+          </a:bodyPr>
+          <a:lstStyle/>
+          <a:p>
+            <a:r>
+              <a:rPr lang="en-US" dirty="0" err="1" smtClean="0">
+                <a:ea typeface="Roboto Mono for Powerline" charset="0"/>
+                <a:cs typeface="Roboto Mono for Powerline" charset="0"/>
+              </a:rPr>
+              <a:t>Yêu</a:t>
+            </a:r>
+            <a:r>
               <a:rPr lang="en-US" dirty="0" smtClean="0">
-                <a:solidFill>
-                  <a:srgbClr val="FFFF00"/>
-                </a:solidFill>
-              </a:rPr>
-              <a:t>1.Viết </a:t>
+                <a:ea typeface="Roboto Mono for Powerline" charset="0"/>
+                <a:cs typeface="Roboto Mono for Powerline" charset="0"/>
+              </a:rPr>
+              <a:t> </a:t>
             </a:r>
             <a:r>
               <a:rPr lang="en-US" dirty="0" err="1" smtClean="0">
-                <a:solidFill>
-                  <a:srgbClr val="FFFF00"/>
-                </a:solidFill>
-              </a:rPr>
-              <a:t>chương</a:t>
+                <a:ea typeface="Roboto Mono for Powerline" charset="0"/>
+                <a:cs typeface="Roboto Mono for Powerline" charset="0"/>
+              </a:rPr>
+              <a:t>cầu</a:t>
             </a:r>
             <a:r>
               <a:rPr lang="en-US" dirty="0" smtClean="0">
-                <a:solidFill>
-                  <a:srgbClr val="FFFF00"/>
-                </a:solidFill>
+                <a:ea typeface="Roboto Mono for Powerline" charset="0"/>
+                <a:cs typeface="Roboto Mono for Powerline" charset="0"/>
               </a:rPr>
               <a:t> </a:t>
             </a:r>
             <a:r>
               <a:rPr lang="en-US" dirty="0" err="1" smtClean="0">
-                <a:solidFill>
-                  <a:srgbClr val="FFFF00"/>
-                </a:solidFill>
-              </a:rPr>
-              <a:t>trình</a:t>
-            </a:r>
-            <a:r>
-              <a:rPr lang="en-US" dirty="0">
-                <a:solidFill>
-                  <a:srgbClr val="FFFF00"/>
-                </a:solidFill>
+                <a:ea typeface="Roboto Mono for Powerline" charset="0"/>
+                <a:cs typeface="Roboto Mono for Powerline" charset="0"/>
+              </a:rPr>
+              <a:t>có</a:t>
+            </a:r>
+            <a:r>
+              <a:rPr lang="en-US" dirty="0" smtClean="0">
+                <a:ea typeface="Roboto Mono for Powerline" charset="0"/>
+                <a:cs typeface="Roboto Mono for Powerline" charset="0"/>
+              </a:rPr>
+              <a:t> Chrome</a:t>
+            </a:r>
+            <a:endParaRPr lang="en-US" dirty="0">
+              <a:ea typeface="Roboto Mono for Powerline" charset="0"/>
+              <a:cs typeface="Roboto Mono for Powerline" charset="0"/>
+            </a:endParaRPr>
+          </a:p>
+        </p:txBody>
+      </p:sp>
+      <p:sp>
+        <p:nvSpPr>
+          <p:cNvPr id="24" name="TextBox 23"/>
+          <p:cNvSpPr txBox="1"/>
+          <p:nvPr/>
+        </p:nvSpPr>
+        <p:spPr>
+          <a:xfrm>
+            <a:off x="6264646" y="2275667"/>
+            <a:ext cx="2651518" cy="646331"/>
+          </a:xfrm>
+          <a:prstGeom prst="rect">
+            <a:avLst/>
+          </a:prstGeom>
+          <a:noFill/>
+        </p:spPr>
+        <p:txBody>
+          <a:bodyPr wrap="square" rtlCol="0">
+            <a:spAutoFit/>
+          </a:bodyPr>
+          <a:lstStyle/>
+          <a:p>
+            <a:r>
+              <a:rPr lang="en-US" dirty="0" err="1" smtClean="0">
+                <a:ea typeface="Roboto Mono for Powerline" charset="0"/>
+                <a:cs typeface="Roboto Mono for Powerline" charset="0"/>
+              </a:rPr>
+              <a:t>Có</a:t>
+            </a:r>
+            <a:r>
+              <a:rPr lang="en-US" dirty="0" smtClean="0">
+                <a:ea typeface="Roboto Mono for Powerline" charset="0"/>
+                <a:cs typeface="Roboto Mono for Powerline" charset="0"/>
               </a:rPr>
               <a:t> </a:t>
             </a:r>
             <a:r>
               <a:rPr lang="en-US" dirty="0" err="1" smtClean="0">
-                <a:solidFill>
-                  <a:srgbClr val="FFFF00"/>
-                </a:solidFill>
-              </a:rPr>
-              <a:t>truyền</a:t>
+                <a:ea typeface="Roboto Mono for Powerline" charset="0"/>
+                <a:cs typeface="Roboto Mono for Powerline" charset="0"/>
+              </a:rPr>
+              <a:t>thể</a:t>
             </a:r>
             <a:r>
               <a:rPr lang="en-US" dirty="0" smtClean="0">
-                <a:solidFill>
-                  <a:srgbClr val="FFFF00"/>
-                </a:solidFill>
+                <a:ea typeface="Roboto Mono for Powerline" charset="0"/>
+                <a:cs typeface="Roboto Mono for Powerline" charset="0"/>
               </a:rPr>
               <a:t> </a:t>
             </a:r>
             <a:r>
               <a:rPr lang="en-US" dirty="0" err="1" smtClean="0">
-                <a:solidFill>
-                  <a:srgbClr val="FFFF00"/>
-                </a:solidFill>
-              </a:rPr>
-              <a:t>vào</a:t>
+                <a:ea typeface="Roboto Mono for Powerline" charset="0"/>
+                <a:cs typeface="Roboto Mono for Powerline" charset="0"/>
+              </a:rPr>
+              <a:t>trong</a:t>
             </a:r>
             <a:r>
               <a:rPr lang="en-US" dirty="0" smtClean="0">
-                <a:solidFill>
-                  <a:srgbClr val="FFFF00"/>
-                </a:solidFill>
+                <a:ea typeface="Roboto Mono for Powerline" charset="0"/>
+                <a:cs typeface="Roboto Mono for Powerline" charset="0"/>
+              </a:rPr>
+              <a:t> comment </a:t>
+            </a:r>
+            <a:r>
+              <a:rPr lang="en-US" dirty="0" err="1" smtClean="0">
+                <a:ea typeface="Roboto Mono for Powerline" charset="0"/>
+                <a:cs typeface="Roboto Mono for Powerline" charset="0"/>
+              </a:rPr>
+              <a:t>của</a:t>
+            </a:r>
+            <a:r>
+              <a:rPr lang="en-US" dirty="0" smtClean="0">
+                <a:ea typeface="Roboto Mono for Powerline" charset="0"/>
+                <a:cs typeface="Roboto Mono for Powerline" charset="0"/>
+              </a:rPr>
+              <a:t> code, </a:t>
+            </a:r>
+            <a:r>
+              <a:rPr lang="en-US" dirty="0" err="1" smtClean="0">
+                <a:ea typeface="Roboto Mono for Powerline" charset="0"/>
+                <a:cs typeface="Roboto Mono for Powerline" charset="0"/>
+              </a:rPr>
+              <a:t>cần</a:t>
+            </a:r>
+            <a:r>
+              <a:rPr lang="en-US" dirty="0" smtClean="0">
+                <a:ea typeface="Roboto Mono for Powerline" charset="0"/>
+                <a:cs typeface="Roboto Mono for Powerline" charset="0"/>
               </a:rPr>
               <a:t> </a:t>
             </a:r>
             <a:r>
               <a:rPr lang="en-US" dirty="0" err="1" smtClean="0">
-                <a:solidFill>
-                  <a:srgbClr val="FFFF00"/>
-                </a:solidFill>
+                <a:ea typeface="Roboto Mono for Powerline" charset="0"/>
+                <a:cs typeface="Roboto Mono for Powerline" charset="0"/>
+              </a:rPr>
+              <a:t>là</a:t>
+            </a:r>
+            <a:r>
+              <a:rPr lang="en-US" dirty="0" smtClean="0">
+                <a:ea typeface="Roboto Mono for Powerline" charset="0"/>
+                <a:cs typeface="Roboto Mono for Powerline" charset="0"/>
+              </a:rPr>
+              <a:t> </a:t>
+            </a:r>
+            <a:r>
+              <a:rPr lang="en-US" dirty="0" err="1" smtClean="0">
+                <a:ea typeface="Roboto Mono for Powerline" charset="0"/>
+                <a:cs typeface="Roboto Mono for Powerline" charset="0"/>
+              </a:rPr>
+              <a:t>xài</a:t>
+            </a:r>
+            <a:r>
+              <a:rPr lang="en-US" dirty="0" smtClean="0">
+                <a:ea typeface="Roboto Mono for Powerline" charset="0"/>
+                <a:cs typeface="Roboto Mono for Powerline" charset="0"/>
+              </a:rPr>
+              <a:t> </a:t>
+            </a:r>
+            <a:r>
+              <a:rPr lang="en-US" dirty="0" err="1" smtClean="0">
+                <a:ea typeface="Roboto Mono for Powerline" charset="0"/>
+                <a:cs typeface="Roboto Mono for Powerline" charset="0"/>
+              </a:rPr>
+              <a:t>đc</a:t>
+            </a:r>
+            <a:endParaRPr lang="en-US" dirty="0">
+              <a:ea typeface="Roboto Mono for Powerline" charset="0"/>
+              <a:cs typeface="Roboto Mono for Powerline" charset="0"/>
+            </a:endParaRPr>
+          </a:p>
+        </p:txBody>
+      </p:sp>
+      <p:sp>
+        <p:nvSpPr>
+          <p:cNvPr id="25" name="TextBox 24"/>
+          <p:cNvSpPr txBox="1"/>
+          <p:nvPr/>
+        </p:nvSpPr>
+        <p:spPr>
+          <a:xfrm>
+            <a:off x="3361224" y="1878673"/>
+            <a:ext cx="2412069" cy="369332"/>
+          </a:xfrm>
+          <a:prstGeom prst="rect">
+            <a:avLst/>
+          </a:prstGeom>
+          <a:noFill/>
+        </p:spPr>
+        <p:txBody>
+          <a:bodyPr wrap="square" rtlCol="0">
+            <a:spAutoFit/>
+          </a:bodyPr>
+          <a:lstStyle/>
+          <a:p>
+            <a:r>
+              <a:rPr lang="en-US" dirty="0" err="1" smtClean="0">
+                <a:ea typeface="Roboto Mono for Powerline" charset="0"/>
+                <a:cs typeface="Roboto Mono for Powerline" charset="0"/>
+              </a:rPr>
+              <a:t>Lấy</a:t>
+            </a:r>
+            <a:r>
+              <a:rPr lang="en-US" dirty="0" smtClean="0">
+                <a:ea typeface="Roboto Mono for Powerline" charset="0"/>
+                <a:cs typeface="Roboto Mono for Powerline" charset="0"/>
+              </a:rPr>
+              <a:t> </a:t>
+            </a:r>
+            <a:r>
+              <a:rPr lang="en-US" dirty="0" err="1" smtClean="0">
+                <a:ea typeface="Roboto Mono for Powerline" charset="0"/>
+                <a:cs typeface="Roboto Mono for Powerline" charset="0"/>
+              </a:rPr>
+              <a:t>được</a:t>
+            </a:r>
+            <a:r>
+              <a:rPr lang="en-US" dirty="0" smtClean="0">
+                <a:ea typeface="Roboto Mono for Powerline" charset="0"/>
+                <a:cs typeface="Roboto Mono for Powerline" charset="0"/>
+              </a:rPr>
+              <a:t> data </a:t>
+            </a:r>
+            <a:r>
+              <a:rPr lang="en-US" dirty="0" err="1" smtClean="0">
+                <a:ea typeface="Roboto Mono for Powerline" charset="0"/>
+                <a:cs typeface="Roboto Mono for Powerline" charset="0"/>
+              </a:rPr>
+              <a:t>trả</a:t>
+            </a:r>
+            <a:r>
+              <a:rPr lang="en-US" dirty="0" smtClean="0">
+                <a:ea typeface="Roboto Mono for Powerline" charset="0"/>
+                <a:cs typeface="Roboto Mono for Powerline" charset="0"/>
+              </a:rPr>
+              <a:t> </a:t>
+            </a:r>
+            <a:r>
+              <a:rPr lang="en-US" dirty="0" err="1" smtClean="0">
+                <a:ea typeface="Roboto Mono for Powerline" charset="0"/>
+                <a:cs typeface="Roboto Mono for Powerline" charset="0"/>
+              </a:rPr>
+              <a:t>về</a:t>
+            </a:r>
+            <a:endParaRPr lang="en-US" dirty="0">
+              <a:ea typeface="Roboto Mono for Powerline" charset="0"/>
+              <a:cs typeface="Roboto Mono for Powerline" charset="0"/>
+            </a:endParaRPr>
+          </a:p>
+        </p:txBody>
+      </p:sp>
+      <p:sp>
+        <p:nvSpPr>
+          <p:cNvPr id="17" name="TextBox 16"/>
+          <p:cNvSpPr txBox="1"/>
+          <p:nvPr/>
+        </p:nvSpPr>
+        <p:spPr>
+          <a:xfrm>
+            <a:off x="420824" y="1815127"/>
+            <a:ext cx="2412901" cy="369332"/>
+          </a:xfrm>
+          <a:prstGeom prst="rect">
+            <a:avLst/>
+          </a:prstGeom>
+          <a:noFill/>
+        </p:spPr>
+        <p:txBody>
+          <a:bodyPr wrap="square" rtlCol="0">
+            <a:spAutoFit/>
+          </a:bodyPr>
+          <a:lstStyle/>
+          <a:p>
+            <a:r>
+              <a:rPr lang="vi-VN" dirty="0" smtClean="0">
+                <a:latin typeface="Calibri" charset="0"/>
+                <a:ea typeface="Calibri" charset="0"/>
+                <a:cs typeface="Calibri" charset="0"/>
+              </a:rPr>
+              <a:t>Đồng bộ với Gmail</a:t>
+            </a:r>
+            <a:endParaRPr lang="en-US" dirty="0">
+              <a:latin typeface="Calibri" charset="0"/>
+              <a:ea typeface="Calibri" charset="0"/>
+              <a:cs typeface="Calibri" charset="0"/>
+            </a:endParaRPr>
+          </a:p>
+        </p:txBody>
+      </p:sp>
+      <p:sp>
+        <p:nvSpPr>
+          <p:cNvPr id="18" name="TextBox 17"/>
+          <p:cNvSpPr txBox="1"/>
+          <p:nvPr/>
+        </p:nvSpPr>
+        <p:spPr>
+          <a:xfrm>
+            <a:off x="6125592" y="1478204"/>
+            <a:ext cx="2412901" cy="646331"/>
+          </a:xfrm>
+          <a:prstGeom prst="rect">
+            <a:avLst/>
+          </a:prstGeom>
+          <a:noFill/>
+        </p:spPr>
+        <p:txBody>
+          <a:bodyPr wrap="square" rtlCol="0">
+            <a:spAutoFit/>
+          </a:bodyPr>
+          <a:lstStyle/>
+          <a:p>
+            <a:r>
+              <a:rPr lang="vi-VN" smtClean="0">
+                <a:latin typeface="Calibri" charset="0"/>
+                <a:ea typeface="Calibri" charset="0"/>
+                <a:cs typeface="Calibri" charset="0"/>
+              </a:rPr>
+              <a:t>Đã dùng quen thì ko muốn xài Postman</a:t>
+            </a:r>
+            <a:endParaRPr lang="en-US" dirty="0">
+              <a:latin typeface="Calibri" charset="0"/>
+              <a:ea typeface="Calibri" charset="0"/>
+              <a:cs typeface="Calibri" charset="0"/>
+            </a:endParaRPr>
+          </a:p>
+        </p:txBody>
+      </p:sp>
+      <p:sp>
+        <p:nvSpPr>
+          <p:cNvPr id="15" name="TextBox 14"/>
+          <p:cNvSpPr txBox="1"/>
+          <p:nvPr/>
+        </p:nvSpPr>
+        <p:spPr>
+          <a:xfrm>
+            <a:off x="3657600" y="0"/>
+            <a:ext cx="1370888" cy="461665"/>
+          </a:xfrm>
+          <a:prstGeom prst="rect">
+            <a:avLst/>
+          </a:prstGeom>
+          <a:noFill/>
+        </p:spPr>
+        <p:txBody>
+          <a:bodyPr wrap="none" rtlCol="0">
+            <a:spAutoFit/>
+          </a:bodyPr>
+          <a:lstStyle/>
+          <a:p>
+            <a:r>
+              <a:rPr lang="en-US" sz="2400" b="1" dirty="0" smtClean="0">
+                <a:solidFill>
+                  <a:schemeClr val="bg1"/>
+                </a:solidFill>
+                <a:latin typeface="Roboto Mono for Powerline" charset="0"/>
+                <a:ea typeface="Roboto Mono for Powerline" charset="0"/>
+                <a:cs typeface="Roboto Mono for Powerline" charset="0"/>
+              </a:rPr>
+              <a:t>So </a:t>
+            </a:r>
+            <a:r>
+              <a:rPr lang="en-US" sz="2400" b="1" dirty="0" err="1" smtClean="0">
+                <a:solidFill>
+                  <a:schemeClr val="bg1"/>
+                </a:solidFill>
+                <a:latin typeface="Roboto Mono for Powerline" charset="0"/>
+                <a:ea typeface="Roboto Mono for Powerline" charset="0"/>
+                <a:cs typeface="Roboto Mono for Powerline" charset="0"/>
+              </a:rPr>
+              <a:t>sánh</a:t>
+            </a:r>
+            <a:r>
+              <a:rPr lang="en-US" sz="2400" b="1" dirty="0" smtClean="0">
+                <a:solidFill>
+                  <a:schemeClr val="bg1"/>
+                </a:solidFill>
+                <a:latin typeface="Roboto Mono for Powerline" charset="0"/>
+                <a:ea typeface="Roboto Mono for Powerline" charset="0"/>
+                <a:cs typeface="Roboto Mono for Powerline" charset="0"/>
+              </a:rPr>
+              <a:t> </a:t>
+            </a:r>
+            <a:endParaRPr lang="en-US" sz="2400" b="1" dirty="0">
+              <a:solidFill>
+                <a:schemeClr val="bg1"/>
+              </a:solidFill>
+              <a:latin typeface="Roboto Mono for Powerline" charset="0"/>
+              <a:ea typeface="Roboto Mono for Powerline" charset="0"/>
+              <a:cs typeface="Roboto Mono for Powerline" charset="0"/>
+            </a:endParaRPr>
+          </a:p>
+        </p:txBody>
+      </p:sp>
+      <p:sp>
+        <p:nvSpPr>
+          <p:cNvPr id="19" name="TextBox 18"/>
+          <p:cNvSpPr txBox="1"/>
+          <p:nvPr/>
+        </p:nvSpPr>
+        <p:spPr>
+          <a:xfrm>
+            <a:off x="3274576" y="2481896"/>
+            <a:ext cx="2412069" cy="646331"/>
+          </a:xfrm>
+          <a:prstGeom prst="rect">
+            <a:avLst/>
+          </a:prstGeom>
+          <a:noFill/>
+        </p:spPr>
+        <p:txBody>
+          <a:bodyPr wrap="square" rtlCol="0">
+            <a:spAutoFit/>
+          </a:bodyPr>
+          <a:lstStyle/>
+          <a:p>
+            <a:r>
+              <a:rPr lang="en-US" dirty="0" err="1" smtClean="0">
+                <a:ea typeface="Roboto Mono for Powerline" charset="0"/>
+                <a:cs typeface="Roboto Mono for Powerline" charset="0"/>
+              </a:rPr>
+              <a:t>Dễ</a:t>
+            </a:r>
+            <a:r>
+              <a:rPr lang="en-US" dirty="0" smtClean="0">
+                <a:ea typeface="Roboto Mono for Powerline" charset="0"/>
+                <a:cs typeface="Roboto Mono for Powerline" charset="0"/>
+              </a:rPr>
+              <a:t> </a:t>
+            </a:r>
+            <a:r>
+              <a:rPr lang="en-US" dirty="0" err="1" smtClean="0">
+                <a:ea typeface="Roboto Mono for Powerline" charset="0"/>
+                <a:cs typeface="Roboto Mono for Powerline" charset="0"/>
+              </a:rPr>
+              <a:t>dàng</a:t>
+            </a:r>
+            <a:r>
+              <a:rPr lang="en-US" dirty="0" smtClean="0">
+                <a:ea typeface="Roboto Mono for Powerline" charset="0"/>
+                <a:cs typeface="Roboto Mono for Powerline" charset="0"/>
+              </a:rPr>
+              <a:t> </a:t>
+            </a:r>
+            <a:r>
+              <a:rPr lang="en-US" dirty="0" err="1" smtClean="0">
+                <a:ea typeface="Roboto Mono for Powerline" charset="0"/>
+                <a:cs typeface="Roboto Mono for Powerline" charset="0"/>
+              </a:rPr>
+              <a:t>tuỳ</a:t>
+            </a:r>
+            <a:r>
+              <a:rPr lang="en-US" dirty="0" smtClean="0">
+                <a:ea typeface="Roboto Mono for Powerline" charset="0"/>
+                <a:cs typeface="Roboto Mono for Powerline" charset="0"/>
+              </a:rPr>
+              <a:t> </a:t>
+            </a:r>
+            <a:r>
+              <a:rPr lang="en-US" dirty="0" err="1" smtClean="0">
+                <a:ea typeface="Roboto Mono for Powerline" charset="0"/>
+                <a:cs typeface="Roboto Mono for Powerline" charset="0"/>
+              </a:rPr>
+              <a:t>chỉnh</a:t>
+            </a:r>
+            <a:r>
+              <a:rPr lang="en-US" dirty="0" smtClean="0">
+                <a:ea typeface="Roboto Mono for Powerline" charset="0"/>
+                <a:cs typeface="Roboto Mono for Powerline" charset="0"/>
+              </a:rPr>
+              <a:t> </a:t>
+            </a:r>
+            <a:r>
+              <a:rPr lang="en-US" dirty="0" err="1" smtClean="0">
+                <a:ea typeface="Roboto Mono for Powerline" charset="0"/>
+                <a:cs typeface="Roboto Mono for Powerline" charset="0"/>
               </a:rPr>
               <a:t>các</a:t>
             </a:r>
             <a:r>
               <a:rPr lang="en-US" dirty="0" smtClean="0">
-                <a:solidFill>
-                  <a:srgbClr val="FFFF00"/>
-                </a:solidFill>
-              </a:rPr>
-              <a:t> parameter: </a:t>
+                <a:ea typeface="Roboto Mono for Powerline" charset="0"/>
+                <a:cs typeface="Roboto Mono for Powerline" charset="0"/>
+              </a:rPr>
+              <a:t> </a:t>
             </a:r>
             <a:r>
               <a:rPr lang="en-US" dirty="0" err="1" smtClean="0">
-                <a:solidFill>
-                  <a:srgbClr val="FFFF00"/>
-                </a:solidFill>
-              </a:rPr>
-              <a:t>firstName</a:t>
+                <a:ea typeface="Roboto Mono for Powerline" charset="0"/>
+                <a:cs typeface="Roboto Mono for Powerline" charset="0"/>
+              </a:rPr>
+              <a:t>thông</a:t>
             </a:r>
             <a:r>
               <a:rPr lang="en-US" dirty="0" smtClean="0">
-                <a:solidFill>
-                  <a:srgbClr val="FFFF00"/>
-                </a:solidFill>
-              </a:rPr>
-              <a:t>, </a:t>
+                <a:ea typeface="Roboto Mono for Powerline" charset="0"/>
+                <a:cs typeface="Roboto Mono for Powerline" charset="0"/>
+              </a:rPr>
+              <a:t> </a:t>
             </a:r>
             <a:r>
               <a:rPr lang="en-US" dirty="0" err="1" smtClean="0">
-                <a:solidFill>
-                  <a:srgbClr val="FFFF00"/>
-                </a:solidFill>
-              </a:rPr>
-              <a:t>lastName</a:t>
+                <a:ea typeface="Roboto Mono for Powerline" charset="0"/>
+                <a:cs typeface="Roboto Mono for Powerline" charset="0"/>
+              </a:rPr>
+              <a:t>số</a:t>
+            </a:r>
+            <a:endParaRPr lang="en-US" dirty="0">
+              <a:ea typeface="Roboto Mono for Powerline" charset="0"/>
+              <a:cs typeface="Roboto Mono for Powerline" charset="0"/>
+            </a:endParaRPr>
+          </a:p>
+        </p:txBody>
+      </p:sp>
+      <p:sp>
+        <p:nvSpPr>
+          <p:cNvPr id="20" name="TextBox 19"/>
+          <p:cNvSpPr txBox="1"/>
+          <p:nvPr/>
+        </p:nvSpPr>
+        <p:spPr>
+          <a:xfrm>
+            <a:off x="6053150" y="3181350"/>
+            <a:ext cx="2651518" cy="646331"/>
+          </a:xfrm>
+          <a:prstGeom prst="rect">
+            <a:avLst/>
+          </a:prstGeom>
+          <a:noFill/>
+        </p:spPr>
+        <p:txBody>
+          <a:bodyPr wrap="square" rtlCol="0">
+            <a:spAutoFit/>
+          </a:bodyPr>
+          <a:lstStyle/>
+          <a:p>
+            <a:r>
+              <a:rPr lang="en-US" dirty="0" err="1" smtClean="0">
+                <a:ea typeface="Roboto Mono for Powerline" charset="0"/>
+                <a:cs typeface="Roboto Mono for Powerline" charset="0"/>
+              </a:rPr>
+              <a:t>Chỉ</a:t>
             </a:r>
             <a:r>
               <a:rPr lang="en-US" dirty="0" smtClean="0">
-                <a:solidFill>
-                  <a:srgbClr val="FFFF00"/>
-                </a:solidFill>
-              </a:rPr>
-              <a:t>, </a:t>
+                <a:ea typeface="Roboto Mono for Powerline" charset="0"/>
+                <a:cs typeface="Roboto Mono for Powerline" charset="0"/>
+              </a:rPr>
+              <a:t> </a:t>
             </a:r>
             <a:r>
               <a:rPr lang="en-US" dirty="0" err="1" smtClean="0">
-                <a:solidFill>
-                  <a:srgbClr val="FFFF00"/>
-                </a:solidFill>
-              </a:rPr>
-              <a:t>hiện</a:t>
+                <a:ea typeface="Roboto Mono for Powerline" charset="0"/>
+                <a:cs typeface="Roboto Mono for Powerline" charset="0"/>
+              </a:rPr>
+              <a:t>cần</a:t>
             </a:r>
             <a:r>
               <a:rPr lang="en-US" dirty="0" smtClean="0">
-                <a:solidFill>
-                  <a:srgbClr val="FFFF00"/>
-                </a:solidFill>
+                <a:ea typeface="Roboto Mono for Powerline" charset="0"/>
+                <a:cs typeface="Roboto Mono for Powerline" charset="0"/>
               </a:rPr>
               <a:t> </a:t>
             </a:r>
             <a:r>
               <a:rPr lang="en-US" dirty="0" err="1" smtClean="0">
-                <a:solidFill>
-                  <a:srgbClr val="FFFF00"/>
-                </a:solidFill>
-              </a:rPr>
-              <a:t>ra</a:t>
+                <a:ea typeface="Roboto Mono for Powerline" charset="0"/>
+                <a:cs typeface="Roboto Mono for Powerline" charset="0"/>
+              </a:rPr>
+              <a:t>có</a:t>
             </a:r>
             <a:r>
               <a:rPr lang="en-US" dirty="0" smtClean="0">
-                <a:solidFill>
-                  <a:srgbClr val="FFFF00"/>
-                </a:solidFill>
+                <a:ea typeface="Roboto Mono for Powerline" charset="0"/>
+                <a:cs typeface="Roboto Mono for Powerline" charset="0"/>
+              </a:rPr>
+              <a:t> terminal + curl </a:t>
+            </a:r>
+            <a:r>
+              <a:rPr lang="en-US" dirty="0" err="1" smtClean="0">
+                <a:ea typeface="Roboto Mono for Powerline" charset="0"/>
+                <a:cs typeface="Roboto Mono for Powerline" charset="0"/>
+              </a:rPr>
+              <a:t>là</a:t>
+            </a:r>
+            <a:r>
+              <a:rPr lang="en-US" dirty="0" smtClean="0">
+                <a:ea typeface="Roboto Mono for Powerline" charset="0"/>
+                <a:cs typeface="Roboto Mono for Powerline" charset="0"/>
               </a:rPr>
               <a:t> </a:t>
             </a:r>
             <a:r>
               <a:rPr lang="en-US" dirty="0" err="1" smtClean="0">
-                <a:solidFill>
-                  <a:srgbClr val="FFFF00"/>
-                </a:solidFill>
-              </a:rPr>
-              <a:t>fullName</a:t>
-            </a:r>
-            <a:endParaRPr lang="en-US" dirty="0" smtClean="0">
-              <a:solidFill>
-                <a:srgbClr val="FFFF00"/>
-              </a:solidFill>
-            </a:endParaRPr>
-          </a:p>
-          <a:p>
+                <a:ea typeface="Roboto Mono for Powerline" charset="0"/>
+                <a:cs typeface="Roboto Mono for Powerline" charset="0"/>
+              </a:rPr>
+              <a:t>xài</a:t>
+            </a:r>
             <a:r>
               <a:rPr lang="en-US" dirty="0" smtClean="0">
-                <a:solidFill>
-                  <a:srgbClr val="FFFF00"/>
-                </a:solidFill>
-              </a:rPr>
-              <a:t>2.Truyền </a:t>
+                <a:ea typeface="Roboto Mono for Powerline" charset="0"/>
+                <a:cs typeface="Roboto Mono for Powerline" charset="0"/>
+              </a:rPr>
+              <a:t> </a:t>
             </a:r>
             <a:r>
               <a:rPr lang="en-US" dirty="0" err="1" smtClean="0">
-                <a:solidFill>
-                  <a:srgbClr val="FFFF00"/>
-                </a:solidFill>
-              </a:rPr>
-              <a:t>vào</a:t>
-            </a:r>
-            <a:r>
-              <a:rPr lang="en-US" dirty="0" smtClean="0">
-                <a:solidFill>
-                  <a:srgbClr val="FFFF00"/>
-                </a:solidFill>
-              </a:rPr>
-              <a:t> 2 </a:t>
-            </a:r>
-            <a:r>
-              <a:rPr lang="en-US" dirty="0" err="1" smtClean="0">
-                <a:solidFill>
-                  <a:srgbClr val="FFFF00"/>
-                </a:solidFill>
-              </a:rPr>
-              <a:t>param</a:t>
-            </a:r>
-            <a:r>
-              <a:rPr lang="en-US" dirty="0" smtClean="0">
-                <a:solidFill>
-                  <a:srgbClr val="FFFF00"/>
-                </a:solidFill>
-              </a:rPr>
-              <a:t> </a:t>
-            </a:r>
-            <a:r>
-              <a:rPr lang="en-US" dirty="0" err="1" smtClean="0">
-                <a:solidFill>
-                  <a:srgbClr val="FFFF00"/>
-                </a:solidFill>
-              </a:rPr>
-              <a:t>x,y</a:t>
-            </a:r>
-            <a:r>
-              <a:rPr lang="en-US" dirty="0" smtClean="0">
-                <a:solidFill>
-                  <a:srgbClr val="FFFF00"/>
-                </a:solidFill>
-              </a:rPr>
-              <a:t>, </a:t>
-            </a:r>
-            <a:r>
-              <a:rPr lang="en-US" dirty="0" err="1" smtClean="0">
-                <a:solidFill>
-                  <a:srgbClr val="FFFF00"/>
-                </a:solidFill>
-              </a:rPr>
-              <a:t>hiện</a:t>
-            </a:r>
-            <a:r>
-              <a:rPr lang="en-US" dirty="0" smtClean="0">
-                <a:solidFill>
-                  <a:srgbClr val="FFFF00"/>
-                </a:solidFill>
-              </a:rPr>
-              <a:t> </a:t>
-            </a:r>
-            <a:r>
-              <a:rPr lang="en-US" dirty="0" err="1" smtClean="0">
-                <a:solidFill>
-                  <a:srgbClr val="FFFF00"/>
-                </a:solidFill>
-              </a:rPr>
-              <a:t>ra</a:t>
-            </a:r>
-            <a:r>
-              <a:rPr lang="en-US" dirty="0" smtClean="0">
-                <a:solidFill>
-                  <a:srgbClr val="FFFF00"/>
-                </a:solidFill>
-              </a:rPr>
-              <a:t> </a:t>
-            </a:r>
-            <a:r>
-              <a:rPr lang="en-US" dirty="0" err="1" smtClean="0">
-                <a:solidFill>
-                  <a:srgbClr val="FFFF00"/>
-                </a:solidFill>
-              </a:rPr>
-              <a:t>tổng</a:t>
-            </a:r>
-            <a:r>
-              <a:rPr lang="en-US" dirty="0" smtClean="0">
-                <a:solidFill>
-                  <a:srgbClr val="FFFF00"/>
-                </a:solidFill>
-              </a:rPr>
-              <a:t> </a:t>
-            </a:r>
-            <a:r>
-              <a:rPr lang="en-US" dirty="0" err="1" smtClean="0">
-                <a:solidFill>
-                  <a:srgbClr val="FFFF00"/>
-                </a:solidFill>
-              </a:rPr>
-              <a:t>số</a:t>
-            </a:r>
-            <a:r>
-              <a:rPr lang="en-US" dirty="0" smtClean="0">
-                <a:solidFill>
-                  <a:srgbClr val="FFFF00"/>
-                </a:solidFill>
-              </a:rPr>
-              <a:t>.</a:t>
-            </a:r>
-          </a:p>
-          <a:p>
-            <a:r>
-              <a:rPr lang="en-US" dirty="0" smtClean="0">
-                <a:solidFill>
-                  <a:srgbClr val="FFFF00"/>
-                </a:solidFill>
-              </a:rPr>
-              <a:t>3.Tạo 2 </a:t>
-            </a:r>
-            <a:r>
-              <a:rPr lang="en-US" dirty="0" err="1" smtClean="0">
-                <a:solidFill>
-                  <a:srgbClr val="FFFF00"/>
-                </a:solidFill>
-              </a:rPr>
-              <a:t>danh</a:t>
-            </a:r>
-            <a:r>
-              <a:rPr lang="en-US" dirty="0" smtClean="0">
-                <a:solidFill>
-                  <a:srgbClr val="FFFF00"/>
-                </a:solidFill>
-              </a:rPr>
-              <a:t> </a:t>
-            </a:r>
-            <a:r>
-              <a:rPr lang="en-US" dirty="0" err="1" smtClean="0">
-                <a:solidFill>
-                  <a:srgbClr val="FFFF00"/>
-                </a:solidFill>
-              </a:rPr>
-              <a:t>sách</a:t>
-            </a:r>
-            <a:r>
-              <a:rPr lang="en-US" dirty="0" smtClean="0">
-                <a:solidFill>
-                  <a:srgbClr val="FFFF00"/>
-                </a:solidFill>
-              </a:rPr>
-              <a:t>. </a:t>
-            </a:r>
-            <a:r>
-              <a:rPr lang="en-US" dirty="0" err="1" smtClean="0">
-                <a:solidFill>
-                  <a:srgbClr val="FFFF00"/>
-                </a:solidFill>
-              </a:rPr>
-              <a:t>xAxis</a:t>
-            </a:r>
-            <a:r>
-              <a:rPr lang="en-US" dirty="0" smtClean="0">
-                <a:solidFill>
-                  <a:srgbClr val="FFFF00"/>
-                </a:solidFill>
-              </a:rPr>
-              <a:t> </a:t>
-            </a:r>
-            <a:r>
-              <a:rPr lang="en-US" dirty="0" err="1" smtClean="0">
-                <a:solidFill>
-                  <a:srgbClr val="FFFF00"/>
-                </a:solidFill>
-              </a:rPr>
-              <a:t>chứa</a:t>
-            </a:r>
-            <a:r>
-              <a:rPr lang="en-US" dirty="0" smtClean="0">
-                <a:solidFill>
-                  <a:srgbClr val="FFFF00"/>
-                </a:solidFill>
-              </a:rPr>
-              <a:t> </a:t>
-            </a:r>
-            <a:r>
-              <a:rPr lang="en-US" dirty="0" err="1" smtClean="0">
-                <a:solidFill>
-                  <a:srgbClr val="FFFF00"/>
-                </a:solidFill>
-              </a:rPr>
-              <a:t>danh</a:t>
-            </a:r>
-            <a:r>
-              <a:rPr lang="en-US" dirty="0" smtClean="0">
-                <a:solidFill>
-                  <a:srgbClr val="FFFF00"/>
-                </a:solidFill>
-              </a:rPr>
-              <a:t> </a:t>
-            </a:r>
-            <a:r>
-              <a:rPr lang="en-US" dirty="0" err="1" smtClean="0">
-                <a:solidFill>
-                  <a:srgbClr val="FFFF00"/>
-                </a:solidFill>
-              </a:rPr>
-              <a:t>sách</a:t>
-            </a:r>
-            <a:r>
-              <a:rPr lang="en-US" dirty="0" smtClean="0">
-                <a:solidFill>
-                  <a:srgbClr val="FFFF00"/>
-                </a:solidFill>
-              </a:rPr>
-              <a:t> </a:t>
-            </a:r>
-            <a:r>
-              <a:rPr lang="en-US" dirty="0" err="1" smtClean="0">
-                <a:solidFill>
-                  <a:srgbClr val="FFFF00"/>
-                </a:solidFill>
-              </a:rPr>
-              <a:t>các</a:t>
-            </a:r>
-            <a:r>
-              <a:rPr lang="en-US" dirty="0" smtClean="0">
-                <a:solidFill>
-                  <a:srgbClr val="FFFF00"/>
-                </a:solidFill>
-              </a:rPr>
-              <a:t> </a:t>
-            </a:r>
-            <a:r>
-              <a:rPr lang="en-US" dirty="0" err="1" smtClean="0">
-                <a:solidFill>
-                  <a:srgbClr val="FFFF00"/>
-                </a:solidFill>
-              </a:rPr>
-              <a:t>ngày</a:t>
-            </a:r>
-            <a:r>
-              <a:rPr lang="en-US" dirty="0" smtClean="0">
-                <a:solidFill>
-                  <a:srgbClr val="FFFF00"/>
-                </a:solidFill>
-              </a:rPr>
-              <a:t>(string </a:t>
-            </a:r>
-            <a:r>
-              <a:rPr lang="en-US" dirty="0" err="1" smtClean="0">
-                <a:solidFill>
-                  <a:srgbClr val="FFFF00"/>
-                </a:solidFill>
-              </a:rPr>
-              <a:t>dạng</a:t>
-            </a:r>
-            <a:r>
-              <a:rPr lang="en-US" dirty="0" smtClean="0">
-                <a:solidFill>
-                  <a:srgbClr val="FFFF00"/>
-                </a:solidFill>
-              </a:rPr>
-              <a:t> “17-06-2018”), </a:t>
-            </a:r>
-            <a:r>
-              <a:rPr lang="en-US" dirty="0" err="1" smtClean="0">
-                <a:solidFill>
-                  <a:srgbClr val="FFFF00"/>
-                </a:solidFill>
-              </a:rPr>
-              <a:t>yAxist</a:t>
-            </a:r>
-            <a:r>
-              <a:rPr lang="en-US" dirty="0" smtClean="0">
-                <a:solidFill>
-                  <a:srgbClr val="FFFF00"/>
-                </a:solidFill>
-              </a:rPr>
-              <a:t> </a:t>
-            </a:r>
-            <a:r>
-              <a:rPr lang="en-US" dirty="0" err="1" smtClean="0">
-                <a:solidFill>
-                  <a:srgbClr val="FFFF00"/>
-                </a:solidFill>
-              </a:rPr>
-              <a:t>chứa</a:t>
-            </a:r>
-            <a:r>
-              <a:rPr lang="en-US" dirty="0" smtClean="0">
-                <a:solidFill>
-                  <a:srgbClr val="FFFF00"/>
-                </a:solidFill>
-              </a:rPr>
-              <a:t> </a:t>
-            </a:r>
-            <a:r>
-              <a:rPr lang="en-US" dirty="0" err="1" smtClean="0">
-                <a:solidFill>
-                  <a:srgbClr val="FFFF00"/>
-                </a:solidFill>
-              </a:rPr>
-              <a:t>danh</a:t>
-            </a:r>
-            <a:r>
-              <a:rPr lang="en-US" dirty="0" smtClean="0">
-                <a:solidFill>
-                  <a:srgbClr val="FFFF00"/>
-                </a:solidFill>
-              </a:rPr>
-              <a:t> </a:t>
-            </a:r>
-            <a:r>
-              <a:rPr lang="en-US" dirty="0" err="1" smtClean="0">
-                <a:solidFill>
-                  <a:srgbClr val="FFFF00"/>
-                </a:solidFill>
-              </a:rPr>
-              <a:t>sách</a:t>
-            </a:r>
-            <a:r>
-              <a:rPr lang="en-US" dirty="0" smtClean="0">
-                <a:solidFill>
-                  <a:srgbClr val="FFFF00"/>
-                </a:solidFill>
-              </a:rPr>
-              <a:t> </a:t>
-            </a:r>
-            <a:r>
-              <a:rPr lang="en-US" dirty="0" err="1" smtClean="0">
-                <a:solidFill>
-                  <a:srgbClr val="FFFF00"/>
-                </a:solidFill>
-              </a:rPr>
-              <a:t>số</a:t>
-            </a:r>
-            <a:r>
-              <a:rPr lang="en-US" dirty="0" smtClean="0">
-                <a:solidFill>
-                  <a:srgbClr val="FFFF00"/>
-                </a:solidFill>
-              </a:rPr>
-              <a:t> </a:t>
-            </a:r>
-            <a:r>
-              <a:rPr lang="en-US" dirty="0" err="1" smtClean="0">
-                <a:solidFill>
-                  <a:srgbClr val="FFFF00"/>
-                </a:solidFill>
-              </a:rPr>
-              <a:t>tiền</a:t>
-            </a:r>
-            <a:r>
-              <a:rPr lang="en-US" dirty="0" smtClean="0">
-                <a:solidFill>
-                  <a:srgbClr val="FFFF00"/>
-                </a:solidFill>
-              </a:rPr>
-              <a:t> chi </a:t>
-            </a:r>
-            <a:r>
-              <a:rPr lang="en-US" dirty="0" err="1" smtClean="0">
-                <a:solidFill>
-                  <a:srgbClr val="FFFF00"/>
-                </a:solidFill>
-              </a:rPr>
-              <a:t>tiêu</a:t>
-            </a:r>
-            <a:r>
-              <a:rPr lang="en-US" dirty="0" smtClean="0">
-                <a:solidFill>
-                  <a:srgbClr val="FFFF00"/>
-                </a:solidFill>
-              </a:rPr>
-              <a:t>. </a:t>
-            </a:r>
-            <a:r>
-              <a:rPr lang="en-US" dirty="0" err="1" smtClean="0">
-                <a:solidFill>
-                  <a:srgbClr val="FFFF00"/>
-                </a:solidFill>
-              </a:rPr>
-              <a:t>Chỉnh</a:t>
-            </a:r>
-            <a:r>
-              <a:rPr lang="en-US" dirty="0" smtClean="0">
-                <a:solidFill>
-                  <a:srgbClr val="FFFF00"/>
-                </a:solidFill>
-              </a:rPr>
-              <a:t> </a:t>
-            </a:r>
-            <a:r>
-              <a:rPr lang="en-US" dirty="0" err="1" smtClean="0">
-                <a:solidFill>
-                  <a:srgbClr val="FFFF00"/>
-                </a:solidFill>
-              </a:rPr>
-              <a:t>sửa</a:t>
-            </a:r>
-            <a:r>
-              <a:rPr lang="en-US" dirty="0" smtClean="0">
-                <a:solidFill>
-                  <a:srgbClr val="FFFF00"/>
-                </a:solidFill>
-              </a:rPr>
-              <a:t> </a:t>
-            </a:r>
-            <a:r>
-              <a:rPr lang="en-US" dirty="0" err="1" smtClean="0">
-                <a:solidFill>
-                  <a:srgbClr val="FFFF00"/>
-                </a:solidFill>
-              </a:rPr>
-              <a:t>một</a:t>
-            </a:r>
-            <a:r>
-              <a:rPr lang="en-US" dirty="0" smtClean="0">
-                <a:solidFill>
-                  <a:srgbClr val="FFFF00"/>
-                </a:solidFill>
-              </a:rPr>
-              <a:t>/</a:t>
-            </a:r>
-            <a:r>
-              <a:rPr lang="en-US" dirty="0" err="1" smtClean="0">
-                <a:solidFill>
-                  <a:srgbClr val="FFFF00"/>
-                </a:solidFill>
-              </a:rPr>
-              <a:t>nhiều</a:t>
-            </a:r>
-            <a:r>
-              <a:rPr lang="en-US" dirty="0" smtClean="0">
-                <a:solidFill>
-                  <a:srgbClr val="FFFF00"/>
-                </a:solidFill>
-              </a:rPr>
-              <a:t> </a:t>
-            </a:r>
-            <a:r>
-              <a:rPr lang="en-US" dirty="0" err="1" smtClean="0">
-                <a:solidFill>
-                  <a:srgbClr val="FFFF00"/>
-                </a:solidFill>
-              </a:rPr>
-              <a:t>giá</a:t>
-            </a:r>
-            <a:r>
-              <a:rPr lang="en-US" dirty="0" smtClean="0">
-                <a:solidFill>
-                  <a:srgbClr val="FFFF00"/>
-                </a:solidFill>
-              </a:rPr>
-              <a:t> </a:t>
-            </a:r>
-            <a:r>
-              <a:rPr lang="en-US" dirty="0" err="1" smtClean="0">
-                <a:solidFill>
-                  <a:srgbClr val="FFFF00"/>
-                </a:solidFill>
-              </a:rPr>
-              <a:t>trị</a:t>
-            </a:r>
-            <a:r>
-              <a:rPr lang="en-US" dirty="0" smtClean="0">
-                <a:solidFill>
-                  <a:srgbClr val="FFFF00"/>
-                </a:solidFill>
-              </a:rPr>
-              <a:t> </a:t>
-            </a:r>
-            <a:r>
-              <a:rPr lang="en-US" dirty="0" err="1" smtClean="0">
-                <a:solidFill>
-                  <a:srgbClr val="FFFF00"/>
-                </a:solidFill>
-              </a:rPr>
-              <a:t>trong</a:t>
-            </a:r>
-            <a:r>
-              <a:rPr lang="en-US" dirty="0" smtClean="0">
-                <a:solidFill>
-                  <a:srgbClr val="FFFF00"/>
-                </a:solidFill>
-              </a:rPr>
-              <a:t> list. </a:t>
-            </a:r>
-            <a:r>
-              <a:rPr lang="en-US" dirty="0" err="1" smtClean="0">
-                <a:solidFill>
-                  <a:srgbClr val="FFFF00"/>
-                </a:solidFill>
-              </a:rPr>
-              <a:t>Thực</a:t>
-            </a:r>
-            <a:r>
-              <a:rPr lang="en-US" dirty="0" smtClean="0">
-                <a:solidFill>
-                  <a:srgbClr val="FFFF00"/>
-                </a:solidFill>
-              </a:rPr>
-              <a:t> </a:t>
-            </a:r>
-            <a:r>
-              <a:rPr lang="en-US" dirty="0" err="1" smtClean="0">
-                <a:solidFill>
-                  <a:srgbClr val="FFFF00"/>
-                </a:solidFill>
-              </a:rPr>
-              <a:t>hành</a:t>
-            </a:r>
-            <a:r>
-              <a:rPr lang="en-US" dirty="0" smtClean="0">
-                <a:solidFill>
-                  <a:srgbClr val="FFFF00"/>
-                </a:solidFill>
-              </a:rPr>
-              <a:t> 2 </a:t>
-            </a:r>
-            <a:r>
-              <a:rPr lang="en-US" dirty="0" err="1" smtClean="0">
-                <a:solidFill>
-                  <a:srgbClr val="FFFF00"/>
-                </a:solidFill>
-              </a:rPr>
-              <a:t>cách</a:t>
-            </a:r>
-            <a:r>
-              <a:rPr lang="en-US" dirty="0" smtClean="0">
-                <a:solidFill>
-                  <a:srgbClr val="FFFF00"/>
-                </a:solidFill>
-              </a:rPr>
-              <a:t>:</a:t>
-            </a:r>
-          </a:p>
-          <a:p>
-            <a:pPr marL="285750" indent="-285750">
-              <a:buFontTx/>
-              <a:buChar char="-"/>
-            </a:pPr>
-            <a:r>
-              <a:rPr lang="en-US" dirty="0" err="1" smtClean="0">
-                <a:solidFill>
-                  <a:srgbClr val="FFFF00"/>
-                </a:solidFill>
-              </a:rPr>
-              <a:t>Sử</a:t>
-            </a:r>
-            <a:r>
-              <a:rPr lang="en-US" dirty="0" smtClean="0">
-                <a:solidFill>
-                  <a:srgbClr val="FFFF00"/>
-                </a:solidFill>
-              </a:rPr>
-              <a:t> </a:t>
-            </a:r>
-            <a:r>
-              <a:rPr lang="en-US" dirty="0" err="1" smtClean="0">
-                <a:solidFill>
-                  <a:srgbClr val="FFFF00"/>
-                </a:solidFill>
-              </a:rPr>
-              <a:t>dụng</a:t>
-            </a:r>
-            <a:r>
-              <a:rPr lang="en-US" dirty="0" smtClean="0">
-                <a:solidFill>
-                  <a:srgbClr val="FFFF00"/>
-                </a:solidFill>
-              </a:rPr>
-              <a:t> list </a:t>
-            </a:r>
-            <a:r>
-              <a:rPr lang="en-US" dirty="0" err="1" smtClean="0">
-                <a:solidFill>
-                  <a:srgbClr val="FFFF00"/>
-                </a:solidFill>
-              </a:rPr>
-              <a:t>các</a:t>
-            </a:r>
-            <a:r>
-              <a:rPr lang="en-US" dirty="0" smtClean="0">
-                <a:solidFill>
-                  <a:srgbClr val="FFFF00"/>
-                </a:solidFill>
-              </a:rPr>
-              <a:t> object</a:t>
-            </a:r>
-          </a:p>
-          <a:p>
-            <a:pPr marL="285750" indent="-285750">
-              <a:buFontTx/>
-              <a:buChar char="-"/>
-            </a:pPr>
-            <a:r>
-              <a:rPr lang="en-US" dirty="0" err="1" smtClean="0">
-                <a:solidFill>
-                  <a:srgbClr val="FFFF00"/>
-                </a:solidFill>
-              </a:rPr>
-              <a:t>Sử</a:t>
-            </a:r>
-            <a:r>
-              <a:rPr lang="en-US" dirty="0" smtClean="0">
-                <a:solidFill>
-                  <a:srgbClr val="FFFF00"/>
-                </a:solidFill>
-              </a:rPr>
-              <a:t> </a:t>
-            </a:r>
-            <a:r>
-              <a:rPr lang="en-US" dirty="0" err="1" smtClean="0">
-                <a:solidFill>
-                  <a:srgbClr val="FFFF00"/>
-                </a:solidFill>
-              </a:rPr>
-              <a:t>dụng</a:t>
-            </a:r>
-            <a:r>
-              <a:rPr lang="en-US" dirty="0" smtClean="0">
-                <a:solidFill>
-                  <a:srgbClr val="FFFF00"/>
-                </a:solidFill>
-              </a:rPr>
-              <a:t> object(</a:t>
-            </a:r>
-            <a:r>
-              <a:rPr lang="en-US" dirty="0" err="1" smtClean="0">
-                <a:solidFill>
-                  <a:srgbClr val="FFFF00"/>
-                </a:solidFill>
-              </a:rPr>
-              <a:t>ko</a:t>
-            </a:r>
-            <a:r>
-              <a:rPr lang="en-US" dirty="0" smtClean="0">
-                <a:solidFill>
-                  <a:srgbClr val="FFFF00"/>
-                </a:solidFill>
-              </a:rPr>
-              <a:t> </a:t>
-            </a:r>
-            <a:r>
-              <a:rPr lang="en-US" dirty="0" err="1" smtClean="0">
-                <a:solidFill>
-                  <a:srgbClr val="FFFF00"/>
-                </a:solidFill>
-              </a:rPr>
-              <a:t>dùng</a:t>
-            </a:r>
-            <a:r>
-              <a:rPr lang="en-US" dirty="0" smtClean="0">
-                <a:solidFill>
-                  <a:srgbClr val="FFFF00"/>
-                </a:solidFill>
-              </a:rPr>
-              <a:t> list)  </a:t>
-            </a:r>
-          </a:p>
-          <a:p>
-            <a:r>
-              <a:rPr lang="en-US" dirty="0" smtClean="0">
-                <a:solidFill>
-                  <a:srgbClr val="FFFF00"/>
-                </a:solidFill>
-              </a:rPr>
-              <a:t>“</a:t>
-            </a:r>
-            <a:r>
-              <a:rPr lang="en-US" dirty="0" err="1" smtClean="0">
-                <a:solidFill>
-                  <a:srgbClr val="FFFF00"/>
-                </a:solidFill>
-              </a:rPr>
-              <a:t>Bài</a:t>
-            </a:r>
-            <a:r>
-              <a:rPr lang="en-US" dirty="0" smtClean="0">
-                <a:solidFill>
-                  <a:srgbClr val="FFFF00"/>
-                </a:solidFill>
-              </a:rPr>
-              <a:t> </a:t>
-            </a:r>
-            <a:r>
-              <a:rPr lang="en-US" dirty="0" err="1" smtClean="0">
-                <a:solidFill>
-                  <a:srgbClr val="FFFF00"/>
-                </a:solidFill>
-              </a:rPr>
-              <a:t>này</a:t>
-            </a:r>
-            <a:r>
-              <a:rPr lang="en-US" dirty="0" smtClean="0">
-                <a:solidFill>
-                  <a:srgbClr val="FFFF00"/>
-                </a:solidFill>
-              </a:rPr>
-              <a:t> </a:t>
-            </a:r>
-            <a:r>
-              <a:rPr lang="en-US" dirty="0" err="1" smtClean="0">
-                <a:solidFill>
-                  <a:srgbClr val="FFFF00"/>
-                </a:solidFill>
-              </a:rPr>
-              <a:t>mục</a:t>
-            </a:r>
-            <a:r>
-              <a:rPr lang="en-US" dirty="0" smtClean="0">
-                <a:solidFill>
-                  <a:srgbClr val="FFFF00"/>
-                </a:solidFill>
-              </a:rPr>
-              <a:t> </a:t>
-            </a:r>
-            <a:r>
-              <a:rPr lang="en-US" dirty="0" err="1" smtClean="0">
-                <a:solidFill>
-                  <a:srgbClr val="FFFF00"/>
-                </a:solidFill>
-              </a:rPr>
-              <a:t>đích</a:t>
-            </a:r>
-            <a:r>
-              <a:rPr lang="en-US" dirty="0" smtClean="0">
-                <a:solidFill>
-                  <a:srgbClr val="FFFF00"/>
-                </a:solidFill>
-              </a:rPr>
-              <a:t> </a:t>
-            </a:r>
-            <a:r>
-              <a:rPr lang="en-US" dirty="0" err="1" smtClean="0">
-                <a:solidFill>
-                  <a:srgbClr val="FFFF00"/>
-                </a:solidFill>
-              </a:rPr>
-              <a:t>nêu</a:t>
-            </a:r>
-            <a:r>
-              <a:rPr lang="en-US" dirty="0" smtClean="0">
-                <a:solidFill>
-                  <a:srgbClr val="FFFF00"/>
-                </a:solidFill>
-              </a:rPr>
-              <a:t> </a:t>
-            </a:r>
-            <a:r>
-              <a:rPr lang="en-US" dirty="0" err="1" smtClean="0">
-                <a:solidFill>
-                  <a:srgbClr val="FFFF00"/>
-                </a:solidFill>
-              </a:rPr>
-              <a:t>ưu</a:t>
-            </a:r>
-            <a:r>
-              <a:rPr lang="en-US" dirty="0" smtClean="0">
-                <a:solidFill>
-                  <a:srgbClr val="FFFF00"/>
-                </a:solidFill>
-              </a:rPr>
-              <a:t> </a:t>
-            </a:r>
-            <a:r>
-              <a:rPr lang="en-US" dirty="0" err="1" smtClean="0">
-                <a:solidFill>
-                  <a:srgbClr val="FFFF00"/>
-                </a:solidFill>
-              </a:rPr>
-              <a:t>điểm</a:t>
-            </a:r>
-            <a:r>
-              <a:rPr lang="en-US" dirty="0" smtClean="0">
-                <a:solidFill>
-                  <a:srgbClr val="FFFF00"/>
-                </a:solidFill>
-              </a:rPr>
-              <a:t> </a:t>
-            </a:r>
-            <a:r>
-              <a:rPr lang="en-US" dirty="0" err="1" smtClean="0">
-                <a:solidFill>
-                  <a:srgbClr val="FFFF00"/>
-                </a:solidFill>
-              </a:rPr>
-              <a:t>của</a:t>
-            </a:r>
-            <a:r>
-              <a:rPr lang="en-US" dirty="0" smtClean="0">
-                <a:solidFill>
-                  <a:srgbClr val="FFFF00"/>
-                </a:solidFill>
-              </a:rPr>
-              <a:t> </a:t>
-            </a:r>
-            <a:r>
-              <a:rPr lang="en-US" dirty="0" err="1" smtClean="0">
-                <a:solidFill>
-                  <a:srgbClr val="FFFF00"/>
-                </a:solidFill>
-              </a:rPr>
-              <a:t>kiểu</a:t>
-            </a:r>
-            <a:r>
-              <a:rPr lang="en-US" dirty="0" smtClean="0">
-                <a:solidFill>
-                  <a:srgbClr val="FFFF00"/>
-                </a:solidFill>
-              </a:rPr>
-              <a:t> </a:t>
-            </a:r>
-            <a:r>
-              <a:rPr lang="en-US" dirty="0" err="1" smtClean="0">
-                <a:solidFill>
-                  <a:srgbClr val="FFFF00"/>
-                </a:solidFill>
-              </a:rPr>
-              <a:t>dữ</a:t>
-            </a:r>
-            <a:r>
-              <a:rPr lang="en-US" dirty="0" smtClean="0">
-                <a:solidFill>
-                  <a:srgbClr val="FFFF00"/>
-                </a:solidFill>
-              </a:rPr>
-              <a:t> </a:t>
-            </a:r>
-            <a:r>
-              <a:rPr lang="en-US" dirty="0" err="1" smtClean="0">
-                <a:solidFill>
-                  <a:srgbClr val="FFFF00"/>
-                </a:solidFill>
-              </a:rPr>
-              <a:t>liệu</a:t>
-            </a:r>
-            <a:r>
-              <a:rPr lang="en-US" dirty="0" smtClean="0">
-                <a:solidFill>
-                  <a:srgbClr val="FFFF00"/>
-                </a:solidFill>
-              </a:rPr>
-              <a:t> object </a:t>
-            </a:r>
-            <a:r>
-              <a:rPr lang="en-US" dirty="0" err="1" smtClean="0">
-                <a:solidFill>
-                  <a:srgbClr val="FFFF00"/>
-                </a:solidFill>
-              </a:rPr>
-              <a:t>trong</a:t>
-            </a:r>
-            <a:r>
-              <a:rPr lang="en-US" dirty="0" smtClean="0">
-                <a:solidFill>
-                  <a:srgbClr val="FFFF00"/>
-                </a:solidFill>
-              </a:rPr>
-              <a:t> </a:t>
-            </a:r>
-            <a:r>
-              <a:rPr lang="en-US" dirty="0" err="1" smtClean="0">
-                <a:solidFill>
-                  <a:srgbClr val="FFFF00"/>
-                </a:solidFill>
-              </a:rPr>
-              <a:t>js</a:t>
-            </a:r>
-            <a:r>
-              <a:rPr lang="en-US" dirty="0" smtClean="0">
-                <a:solidFill>
-                  <a:srgbClr val="FFFF00"/>
-                </a:solidFill>
-              </a:rPr>
-              <a:t> </a:t>
-            </a:r>
-            <a:r>
-              <a:rPr lang="mr-IN" dirty="0" smtClean="0">
-                <a:solidFill>
-                  <a:srgbClr val="FFFF00"/>
-                </a:solidFill>
-              </a:rPr>
-              <a:t>–</a:t>
-            </a:r>
-            <a:r>
-              <a:rPr lang="en-US" dirty="0" smtClean="0">
-                <a:solidFill>
-                  <a:srgbClr val="FFFF00"/>
-                </a:solidFill>
-              </a:rPr>
-              <a:t> </a:t>
-            </a:r>
-            <a:r>
-              <a:rPr lang="en-US" dirty="0" err="1" smtClean="0">
-                <a:solidFill>
-                  <a:srgbClr val="FFFF00"/>
-                </a:solidFill>
-              </a:rPr>
-              <a:t>có</a:t>
-            </a:r>
-            <a:r>
-              <a:rPr lang="en-US" dirty="0" smtClean="0">
-                <a:solidFill>
-                  <a:srgbClr val="FFFF00"/>
-                </a:solidFill>
-              </a:rPr>
-              <a:t> </a:t>
-            </a:r>
-            <a:r>
-              <a:rPr lang="en-US" dirty="0" err="1" smtClean="0">
-                <a:solidFill>
-                  <a:srgbClr val="FFFF00"/>
-                </a:solidFill>
-              </a:rPr>
-              <a:t>thể</a:t>
-            </a:r>
-            <a:r>
-              <a:rPr lang="en-US" dirty="0" smtClean="0">
-                <a:solidFill>
-                  <a:srgbClr val="FFFF00"/>
-                </a:solidFill>
-              </a:rPr>
-              <a:t> </a:t>
-            </a:r>
-            <a:r>
-              <a:rPr lang="en-US" dirty="0" err="1" smtClean="0">
-                <a:solidFill>
-                  <a:srgbClr val="FFFF00"/>
-                </a:solidFill>
-              </a:rPr>
-              <a:t>thêm</a:t>
-            </a:r>
-            <a:r>
-              <a:rPr lang="en-US" dirty="0" smtClean="0">
-                <a:solidFill>
-                  <a:srgbClr val="FFFF00"/>
-                </a:solidFill>
-              </a:rPr>
-              <a:t>/</a:t>
-            </a:r>
-            <a:r>
-              <a:rPr lang="en-US" dirty="0" err="1" smtClean="0">
-                <a:solidFill>
-                  <a:srgbClr val="FFFF00"/>
-                </a:solidFill>
-              </a:rPr>
-              <a:t>bớt</a:t>
-            </a:r>
-            <a:r>
-              <a:rPr lang="en-US" dirty="0" smtClean="0">
-                <a:solidFill>
-                  <a:srgbClr val="FFFF00"/>
-                </a:solidFill>
-              </a:rPr>
-              <a:t> </a:t>
-            </a:r>
-            <a:r>
-              <a:rPr lang="en-US" dirty="0" err="1" smtClean="0">
-                <a:solidFill>
-                  <a:srgbClr val="FFFF00"/>
-                </a:solidFill>
-              </a:rPr>
-              <a:t>thuộc</a:t>
-            </a:r>
-            <a:r>
-              <a:rPr lang="en-US" dirty="0" smtClean="0">
-                <a:solidFill>
-                  <a:srgbClr val="FFFF00"/>
-                </a:solidFill>
-              </a:rPr>
-              <a:t> </a:t>
-            </a:r>
-            <a:r>
-              <a:rPr lang="en-US" dirty="0" err="1" smtClean="0">
-                <a:solidFill>
-                  <a:srgbClr val="FFFF00"/>
-                </a:solidFill>
-              </a:rPr>
-              <a:t>tính</a:t>
-            </a:r>
-            <a:r>
-              <a:rPr lang="en-US" dirty="0" smtClean="0">
-                <a:solidFill>
-                  <a:srgbClr val="FFFF00"/>
-                </a:solidFill>
-              </a:rPr>
-              <a:t>”</a:t>
+                <a:ea typeface="Roboto Mono for Powerline" charset="0"/>
+                <a:cs typeface="Roboto Mono for Powerline" charset="0"/>
+              </a:rPr>
+              <a:t>được</a:t>
             </a:r>
             <a:endParaRPr lang="en-US" dirty="0">
-              <a:solidFill>
-                <a:srgbClr val="FFFF00"/>
-              </a:solidFill>
+              <a:ea typeface="Roboto Mono for Powerline" charset="0"/>
+              <a:cs typeface="Roboto Mono for Powerline" charset="0"/>
             </a:endParaRPr>
           </a:p>
         </p:txBody>
@@ -10006,7 +9016,7 @@
     </p:spTree>
     <p:extLst>
       <p:ext uri="{BB962C8B-B14F-4D97-AF65-F5344CB8AC3E}">
-        <p14:creationId xmlns:p14="http://schemas.microsoft.com/office/powerpoint/2010/main" val="558679970"/>
+        <p14:creationId xmlns:p14="http://schemas.microsoft.com/office/powerpoint/2010/main" val="1563766036"/>
       </p:ext>
     </p:extLst>
   </p:cSld>
@@ -10042,749 +9052,633 @@
       </p:grpSpPr>
       <p:sp>
         <p:nvSpPr>
-          <p:cNvPr id="2" name="Rectangle 1"/>
-          <p:cNvSpPr/>
+          <p:cNvPr id="2" name="Title 1"/>
+          <p:cNvSpPr>
+            <a:spLocks noGrp="1"/>
+          </p:cNvSpPr>
+          <p:nvPr>
+            <p:ph type="title"/>
+          </p:nvPr>
+        </p:nvSpPr>
+        <p:spPr/>
+        <p:txBody>
+          <a:bodyPr>
+            <a:normAutofit fontScale="90000"/>
+          </a:bodyPr>
+          <a:lstStyle/>
+          <a:p>
+            <a:r>
+              <a:rPr lang="en-US" dirty="0" err="1" smtClean="0"/>
+              <a:t>Excercises</a:t>
+            </a:r>
+            <a:r>
+              <a:rPr lang="en-US" dirty="0" smtClean="0"/>
+              <a:t> </a:t>
+            </a:r>
+            <a:r>
+              <a:rPr lang="vi-VN" dirty="0" smtClean="0"/>
+              <a:t>- bài tập</a:t>
+            </a:r>
+            <a:endParaRPr lang="en-US" dirty="0"/>
+          </a:p>
+        </p:txBody>
+      </p:sp>
+      <p:sp>
+        <p:nvSpPr>
+          <p:cNvPr id="3" name="TextBox 2"/>
+          <p:cNvSpPr txBox="1"/>
           <p:nvPr/>
         </p:nvSpPr>
         <p:spPr>
           <a:xfrm>
-            <a:off x="381000" y="666750"/>
-            <a:ext cx="8305800" cy="3631763"/>
+            <a:off x="533400" y="1123950"/>
+            <a:ext cx="8382000" cy="1200329"/>
           </a:xfrm>
           <a:prstGeom prst="rect">
             <a:avLst/>
           </a:prstGeom>
-          <a:solidFill>
-            <a:schemeClr val="tx1">
-              <a:lumMod val="85000"/>
-              <a:lumOff val="15000"/>
-            </a:schemeClr>
-          </a:solidFill>
-        </p:spPr>
-        <p:txBody>
-          <a:bodyPr wrap="square">
+          <a:noFill/>
+        </p:spPr>
+        <p:txBody>
+          <a:bodyPr wrap="square" rtlCol="0">
             <a:spAutoFit/>
           </a:bodyPr>
           <a:lstStyle/>
           <a:p>
             <a:r>
-              <a:rPr lang="en-US" sz="2300">
-                <a:solidFill>
-                  <a:srgbClr val="569CD6"/>
-                </a:solidFill>
-                <a:effectLst/>
-                <a:latin typeface="Roboto Mono for Powerline" charset="0"/>
-                <a:ea typeface="Times New Roman" charset="0"/>
-                <a:cs typeface="Times New Roman" charset="0"/>
-              </a:rPr>
-              <a:t>class</a:t>
-            </a:r>
-            <a:r>
-              <a:rPr lang="en-US" sz="2300">
-                <a:solidFill>
-                  <a:srgbClr val="D4D4D4"/>
-                </a:solidFill>
-                <a:effectLst/>
-                <a:latin typeface="Roboto Mono for Powerline" charset="0"/>
-                <a:ea typeface="Times New Roman" charset="0"/>
-                <a:cs typeface="Times New Roman" charset="0"/>
+              <a:rPr lang="en-US" dirty="0" smtClean="0">
+                <a:solidFill>
+                  <a:srgbClr val="FFFF00"/>
+                </a:solidFill>
+                <a:latin typeface="SF UI Text" charset="0"/>
+                <a:ea typeface="SF UI Text" charset="0"/>
+                <a:cs typeface="SF UI Text" charset="0"/>
+              </a:rPr>
+              <a:t>1.Thay </a:t>
+            </a:r>
+            <a:r>
+              <a:rPr lang="en-US" dirty="0" err="1" smtClean="0">
+                <a:solidFill>
+                  <a:srgbClr val="FFFF00"/>
+                </a:solidFill>
+                <a:latin typeface="SF UI Text" charset="0"/>
+                <a:ea typeface="SF UI Text" charset="0"/>
+                <a:cs typeface="SF UI Text" charset="0"/>
+              </a:rPr>
+              <a:t>đổi</a:t>
+            </a:r>
+            <a:r>
+              <a:rPr lang="en-US" dirty="0" smtClean="0">
+                <a:solidFill>
+                  <a:srgbClr val="FFFF00"/>
+                </a:solidFill>
+                <a:latin typeface="SF UI Text" charset="0"/>
+                <a:ea typeface="SF UI Text" charset="0"/>
+                <a:cs typeface="SF UI Text" charset="0"/>
               </a:rPr>
               <a:t> </a:t>
             </a:r>
             <a:r>
-              <a:rPr lang="en-US" sz="2300">
-                <a:solidFill>
-                  <a:srgbClr val="4EC9B0"/>
-                </a:solidFill>
-                <a:effectLst/>
-                <a:latin typeface="Roboto Mono for Powerline" charset="0"/>
-                <a:ea typeface="Times New Roman" charset="0"/>
-                <a:cs typeface="Times New Roman" charset="0"/>
-              </a:rPr>
-              <a:t>Point</a:t>
-            </a:r>
-            <a:r>
-              <a:rPr lang="en-US" sz="2300">
-                <a:solidFill>
-                  <a:srgbClr val="D4D4D4"/>
-                </a:solidFill>
-                <a:effectLst/>
-                <a:latin typeface="Roboto Mono for Powerline" charset="0"/>
-                <a:ea typeface="Times New Roman" charset="0"/>
-                <a:cs typeface="Times New Roman" charset="0"/>
-              </a:rPr>
-              <a:t> {</a:t>
-            </a:r>
-            <a:endParaRPr lang="en-US" sz="2300">
-              <a:effectLst/>
-              <a:latin typeface="Calibri" charset="0"/>
-              <a:ea typeface="Calibri" charset="0"/>
-              <a:cs typeface="Times New Roman" charset="0"/>
+              <a:rPr lang="en-US" dirty="0" err="1" smtClean="0">
+                <a:solidFill>
+                  <a:srgbClr val="FFFF00"/>
+                </a:solidFill>
+                <a:latin typeface="SF UI Text" charset="0"/>
+                <a:ea typeface="SF UI Text" charset="0"/>
+                <a:cs typeface="SF UI Text" charset="0"/>
+              </a:rPr>
+              <a:t>tuỳ</a:t>
+            </a:r>
+            <a:r>
+              <a:rPr lang="en-US" dirty="0" smtClean="0">
+                <a:solidFill>
+                  <a:srgbClr val="FFFF00"/>
+                </a:solidFill>
+                <a:latin typeface="SF UI Text" charset="0"/>
+                <a:ea typeface="SF UI Text" charset="0"/>
+                <a:cs typeface="SF UI Text" charset="0"/>
+              </a:rPr>
+              <a:t> </a:t>
+            </a:r>
+            <a:r>
+              <a:rPr lang="en-US" dirty="0" err="1" smtClean="0">
+                <a:solidFill>
+                  <a:srgbClr val="FFFF00"/>
+                </a:solidFill>
+                <a:latin typeface="SF UI Text" charset="0"/>
+                <a:ea typeface="SF UI Text" charset="0"/>
+                <a:cs typeface="SF UI Text" charset="0"/>
+              </a:rPr>
+              <a:t>ý</a:t>
+            </a:r>
+            <a:r>
+              <a:rPr lang="en-US" dirty="0" smtClean="0">
+                <a:solidFill>
+                  <a:srgbClr val="FFFF00"/>
+                </a:solidFill>
+                <a:latin typeface="SF UI Text" charset="0"/>
+                <a:ea typeface="SF UI Text" charset="0"/>
+                <a:cs typeface="SF UI Text" charset="0"/>
+              </a:rPr>
+              <a:t> </a:t>
+            </a:r>
+            <a:r>
+              <a:rPr lang="en-US" dirty="0" err="1" smtClean="0">
+                <a:solidFill>
+                  <a:srgbClr val="FFFF00"/>
+                </a:solidFill>
+                <a:latin typeface="SF UI Text" charset="0"/>
+                <a:ea typeface="SF UI Text" charset="0"/>
+                <a:cs typeface="SF UI Text" charset="0"/>
+              </a:rPr>
+              <a:t>các</a:t>
+            </a:r>
+            <a:r>
+              <a:rPr lang="en-US" dirty="0" smtClean="0">
+                <a:solidFill>
+                  <a:srgbClr val="FFFF00"/>
+                </a:solidFill>
+                <a:latin typeface="SF UI Text" charset="0"/>
+                <a:ea typeface="SF UI Text" charset="0"/>
+                <a:cs typeface="SF UI Text" charset="0"/>
+              </a:rPr>
+              <a:t> Router </a:t>
+            </a:r>
+            <a:r>
+              <a:rPr lang="en-US" dirty="0" err="1" smtClean="0">
+                <a:solidFill>
+                  <a:srgbClr val="FFFF00"/>
+                </a:solidFill>
+                <a:latin typeface="SF UI Text" charset="0"/>
+                <a:ea typeface="SF UI Text" charset="0"/>
+                <a:cs typeface="SF UI Text" charset="0"/>
+              </a:rPr>
+              <a:t>để</a:t>
+            </a:r>
+            <a:r>
+              <a:rPr lang="en-US" dirty="0" smtClean="0">
+                <a:solidFill>
+                  <a:srgbClr val="FFFF00"/>
+                </a:solidFill>
+                <a:latin typeface="SF UI Text" charset="0"/>
+                <a:ea typeface="SF UI Text" charset="0"/>
+                <a:cs typeface="SF UI Text" charset="0"/>
+              </a:rPr>
+              <a:t> </a:t>
+            </a:r>
+            <a:r>
+              <a:rPr lang="en-US" dirty="0" err="1" smtClean="0">
+                <a:solidFill>
+                  <a:srgbClr val="FFFF00"/>
+                </a:solidFill>
+                <a:latin typeface="SF UI Text" charset="0"/>
+                <a:ea typeface="SF UI Text" charset="0"/>
+                <a:cs typeface="SF UI Text" charset="0"/>
+              </a:rPr>
+              <a:t>thêm</a:t>
+            </a:r>
+            <a:r>
+              <a:rPr lang="en-US" dirty="0" smtClean="0">
+                <a:solidFill>
+                  <a:srgbClr val="FFFF00"/>
+                </a:solidFill>
+                <a:latin typeface="SF UI Text" charset="0"/>
+                <a:ea typeface="SF UI Text" charset="0"/>
+                <a:cs typeface="SF UI Text" charset="0"/>
+              </a:rPr>
+              <a:t> </a:t>
+            </a:r>
+            <a:r>
+              <a:rPr lang="en-US" dirty="0" err="1" smtClean="0">
+                <a:solidFill>
+                  <a:srgbClr val="FFFF00"/>
+                </a:solidFill>
+                <a:latin typeface="SF UI Text" charset="0"/>
+                <a:ea typeface="SF UI Text" charset="0"/>
+                <a:cs typeface="SF UI Text" charset="0"/>
+              </a:rPr>
+              <a:t>nhiều</a:t>
+            </a:r>
+            <a:r>
+              <a:rPr lang="en-US" dirty="0" smtClean="0">
+                <a:solidFill>
+                  <a:srgbClr val="FFFF00"/>
+                </a:solidFill>
+                <a:latin typeface="SF UI Text" charset="0"/>
+                <a:ea typeface="SF UI Text" charset="0"/>
+                <a:cs typeface="SF UI Text" charset="0"/>
+              </a:rPr>
+              <a:t> request </a:t>
+            </a:r>
+            <a:r>
+              <a:rPr lang="en-US" dirty="0" err="1" smtClean="0">
+                <a:solidFill>
+                  <a:srgbClr val="FFFF00"/>
+                </a:solidFill>
+                <a:latin typeface="SF UI Text" charset="0"/>
+                <a:ea typeface="SF UI Text" charset="0"/>
+                <a:cs typeface="SF UI Text" charset="0"/>
+              </a:rPr>
+              <a:t>mới</a:t>
+            </a:r>
+            <a:r>
+              <a:rPr lang="en-US" dirty="0" smtClean="0">
+                <a:solidFill>
+                  <a:srgbClr val="FFFF00"/>
+                </a:solidFill>
+                <a:latin typeface="SF UI Text" charset="0"/>
+                <a:ea typeface="SF UI Text" charset="0"/>
+                <a:cs typeface="SF UI Text" charset="0"/>
+              </a:rPr>
+              <a:t>.</a:t>
+            </a:r>
+            <a:endParaRPr lang="en-US" dirty="0" smtClean="0">
+              <a:solidFill>
+                <a:srgbClr val="FFFF00"/>
+              </a:solidFill>
+              <a:latin typeface="SF UI Text" charset="0"/>
+              <a:ea typeface="SF UI Text" charset="0"/>
+              <a:cs typeface="SF UI Text" charset="0"/>
             </a:endParaRPr>
           </a:p>
           <a:p>
             <a:r>
-              <a:rPr lang="en-US" sz="2300">
-                <a:solidFill>
-                  <a:srgbClr val="D4D4D4"/>
-                </a:solidFill>
-                <a:effectLst/>
-                <a:latin typeface="Roboto Mono for Powerline" charset="0"/>
-                <a:ea typeface="Times New Roman" charset="0"/>
-                <a:cs typeface="Times New Roman" charset="0"/>
-              </a:rPr>
-              <a:t>  </a:t>
-            </a:r>
-            <a:r>
-              <a:rPr lang="en-US" sz="2300">
-                <a:solidFill>
-                  <a:srgbClr val="569CD6"/>
-                </a:solidFill>
-                <a:effectLst/>
-                <a:latin typeface="Roboto Mono for Powerline" charset="0"/>
-                <a:ea typeface="Times New Roman" charset="0"/>
-                <a:cs typeface="Times New Roman" charset="0"/>
-              </a:rPr>
-              <a:t>num</a:t>
-            </a:r>
-            <a:r>
-              <a:rPr lang="en-US" sz="2300">
-                <a:solidFill>
-                  <a:srgbClr val="D4D4D4"/>
-                </a:solidFill>
-                <a:effectLst/>
-                <a:latin typeface="Roboto Mono for Powerline" charset="0"/>
-                <a:ea typeface="Times New Roman" charset="0"/>
-                <a:cs typeface="Times New Roman" charset="0"/>
-              </a:rPr>
-              <a:t> x;</a:t>
-            </a:r>
-            <a:endParaRPr lang="en-US" sz="2300">
-              <a:effectLst/>
-              <a:latin typeface="Calibri" charset="0"/>
-              <a:ea typeface="Calibri" charset="0"/>
-              <a:cs typeface="Times New Roman" charset="0"/>
+              <a:rPr lang="en-US" dirty="0" smtClean="0">
+                <a:solidFill>
+                  <a:srgbClr val="FFFF00"/>
+                </a:solidFill>
+                <a:latin typeface="SF UI Text" charset="0"/>
+                <a:ea typeface="SF UI Text" charset="0"/>
+                <a:cs typeface="SF UI Text" charset="0"/>
+              </a:rPr>
+              <a:t>2.Cho </a:t>
+            </a:r>
+            <a:r>
+              <a:rPr lang="en-US" dirty="0" err="1" smtClean="0">
+                <a:solidFill>
+                  <a:srgbClr val="FFFF00"/>
+                </a:solidFill>
+                <a:latin typeface="SF UI Text" charset="0"/>
+                <a:ea typeface="SF UI Text" charset="0"/>
+                <a:cs typeface="SF UI Text" charset="0"/>
+              </a:rPr>
+              <a:t>thêm</a:t>
+            </a:r>
+            <a:r>
+              <a:rPr lang="en-US" dirty="0" smtClean="0">
+                <a:solidFill>
+                  <a:srgbClr val="FFFF00"/>
+                </a:solidFill>
+                <a:latin typeface="SF UI Text" charset="0"/>
+                <a:ea typeface="SF UI Text" charset="0"/>
+                <a:cs typeface="SF UI Text" charset="0"/>
+              </a:rPr>
+              <a:t> </a:t>
+            </a:r>
+            <a:r>
+              <a:rPr lang="en-US" dirty="0" err="1" smtClean="0">
+                <a:solidFill>
+                  <a:srgbClr val="FFFF00"/>
+                </a:solidFill>
+                <a:latin typeface="SF UI Text" charset="0"/>
+                <a:ea typeface="SF UI Text" charset="0"/>
+                <a:cs typeface="SF UI Text" charset="0"/>
+              </a:rPr>
+              <a:t>ví</a:t>
+            </a:r>
+            <a:r>
+              <a:rPr lang="en-US" dirty="0" smtClean="0">
+                <a:solidFill>
+                  <a:srgbClr val="FFFF00"/>
+                </a:solidFill>
+                <a:latin typeface="SF UI Text" charset="0"/>
+                <a:ea typeface="SF UI Text" charset="0"/>
+                <a:cs typeface="SF UI Text" charset="0"/>
+              </a:rPr>
+              <a:t> </a:t>
+            </a:r>
+            <a:r>
+              <a:rPr lang="en-US" dirty="0" err="1" smtClean="0">
+                <a:solidFill>
+                  <a:srgbClr val="FFFF00"/>
+                </a:solidFill>
+                <a:latin typeface="SF UI Text" charset="0"/>
+                <a:ea typeface="SF UI Text" charset="0"/>
+                <a:cs typeface="SF UI Text" charset="0"/>
+              </a:rPr>
+              <a:t>dụ</a:t>
+            </a:r>
+            <a:r>
+              <a:rPr lang="en-US" dirty="0" smtClean="0">
+                <a:solidFill>
+                  <a:srgbClr val="FFFF00"/>
+                </a:solidFill>
+                <a:latin typeface="SF UI Text" charset="0"/>
+                <a:ea typeface="SF UI Text" charset="0"/>
+                <a:cs typeface="SF UI Text" charset="0"/>
+              </a:rPr>
+              <a:t> </a:t>
+            </a:r>
+            <a:r>
+              <a:rPr lang="en-US" dirty="0" err="1" smtClean="0">
+                <a:solidFill>
+                  <a:srgbClr val="FFFF00"/>
+                </a:solidFill>
+                <a:latin typeface="SF UI Text" charset="0"/>
+                <a:ea typeface="SF UI Text" charset="0"/>
+                <a:cs typeface="SF UI Text" charset="0"/>
+              </a:rPr>
+              <a:t>về</a:t>
+            </a:r>
+            <a:r>
+              <a:rPr lang="en-US" dirty="0" smtClean="0">
+                <a:solidFill>
+                  <a:srgbClr val="FFFF00"/>
+                </a:solidFill>
+                <a:latin typeface="SF UI Text" charset="0"/>
+                <a:ea typeface="SF UI Text" charset="0"/>
+                <a:cs typeface="SF UI Text" charset="0"/>
+              </a:rPr>
+              <a:t> </a:t>
+            </a:r>
+            <a:r>
+              <a:rPr lang="en-US" dirty="0" err="1" smtClean="0">
+                <a:solidFill>
+                  <a:srgbClr val="FFFF00"/>
+                </a:solidFill>
+                <a:latin typeface="SF UI Text" charset="0"/>
+                <a:ea typeface="SF UI Text" charset="0"/>
+                <a:cs typeface="SF UI Text" charset="0"/>
+              </a:rPr>
+              <a:t>các</a:t>
+            </a:r>
+            <a:r>
+              <a:rPr lang="en-US" dirty="0" smtClean="0">
+                <a:solidFill>
+                  <a:srgbClr val="FFFF00"/>
+                </a:solidFill>
+                <a:latin typeface="SF UI Text" charset="0"/>
+                <a:ea typeface="SF UI Text" charset="0"/>
+                <a:cs typeface="SF UI Text" charset="0"/>
+              </a:rPr>
+              <a:t> </a:t>
+            </a:r>
+            <a:r>
+              <a:rPr lang="en-US" dirty="0" err="1" smtClean="0">
+                <a:solidFill>
+                  <a:srgbClr val="FFFF00"/>
+                </a:solidFill>
+                <a:latin typeface="SF UI Text" charset="0"/>
+                <a:ea typeface="SF UI Text" charset="0"/>
+                <a:cs typeface="SF UI Text" charset="0"/>
+              </a:rPr>
+              <a:t>quan</a:t>
+            </a:r>
+            <a:r>
+              <a:rPr lang="en-US" dirty="0" smtClean="0">
+                <a:solidFill>
+                  <a:srgbClr val="FFFF00"/>
+                </a:solidFill>
+                <a:latin typeface="SF UI Text" charset="0"/>
+                <a:ea typeface="SF UI Text" charset="0"/>
+                <a:cs typeface="SF UI Text" charset="0"/>
+              </a:rPr>
+              <a:t> </a:t>
+            </a:r>
+            <a:r>
+              <a:rPr lang="en-US" dirty="0" err="1" smtClean="0">
+                <a:solidFill>
+                  <a:srgbClr val="FFFF00"/>
+                </a:solidFill>
+                <a:latin typeface="SF UI Text" charset="0"/>
+                <a:ea typeface="SF UI Text" charset="0"/>
+                <a:cs typeface="SF UI Text" charset="0"/>
+              </a:rPr>
+              <a:t>hệ</a:t>
+            </a:r>
+            <a:r>
+              <a:rPr lang="en-US" dirty="0" smtClean="0">
+                <a:solidFill>
+                  <a:srgbClr val="FFFF00"/>
+                </a:solidFill>
+                <a:latin typeface="SF UI Text" charset="0"/>
+                <a:ea typeface="SF UI Text" charset="0"/>
+                <a:cs typeface="SF UI Text" charset="0"/>
+              </a:rPr>
+              <a:t> 1 </a:t>
+            </a:r>
+            <a:r>
+              <a:rPr lang="mr-IN" dirty="0" smtClean="0">
+                <a:solidFill>
+                  <a:srgbClr val="FFFF00"/>
+                </a:solidFill>
+                <a:latin typeface="SF UI Text" charset="0"/>
+                <a:ea typeface="SF UI Text" charset="0"/>
+                <a:cs typeface="SF UI Text" charset="0"/>
+              </a:rPr>
+              <a:t>–</a:t>
+            </a:r>
+            <a:r>
+              <a:rPr lang="en-US" dirty="0" smtClean="0">
+                <a:solidFill>
+                  <a:srgbClr val="FFFF00"/>
+                </a:solidFill>
+                <a:latin typeface="SF UI Text" charset="0"/>
+                <a:ea typeface="SF UI Text" charset="0"/>
+                <a:cs typeface="SF UI Text" charset="0"/>
+              </a:rPr>
+              <a:t> n(</a:t>
+            </a:r>
+            <a:r>
+              <a:rPr lang="en-US" dirty="0" err="1" smtClean="0">
+                <a:solidFill>
+                  <a:srgbClr val="FFFF00"/>
+                </a:solidFill>
+                <a:latin typeface="SF UI Text" charset="0"/>
+                <a:ea typeface="SF UI Text" charset="0"/>
+                <a:cs typeface="SF UI Text" charset="0"/>
+              </a:rPr>
+              <a:t>ngoài</a:t>
+            </a:r>
+            <a:r>
+              <a:rPr lang="en-US" dirty="0" smtClean="0">
+                <a:solidFill>
+                  <a:srgbClr val="FFFF00"/>
+                </a:solidFill>
+                <a:latin typeface="SF UI Text" charset="0"/>
+                <a:ea typeface="SF UI Text" charset="0"/>
+                <a:cs typeface="SF UI Text" charset="0"/>
+              </a:rPr>
+              <a:t> </a:t>
+            </a:r>
+            <a:r>
+              <a:rPr lang="en-US" dirty="0" err="1" smtClean="0">
+                <a:solidFill>
+                  <a:srgbClr val="FFFF00"/>
+                </a:solidFill>
+                <a:latin typeface="SF UI Text" charset="0"/>
+                <a:ea typeface="SF UI Text" charset="0"/>
+                <a:cs typeface="SF UI Text" charset="0"/>
+              </a:rPr>
+              <a:t>TodoList</a:t>
+            </a:r>
+            <a:r>
+              <a:rPr lang="en-US" dirty="0" smtClean="0">
+                <a:solidFill>
+                  <a:srgbClr val="FFFF00"/>
+                </a:solidFill>
+                <a:latin typeface="SF UI Text" charset="0"/>
+                <a:ea typeface="SF UI Text" charset="0"/>
+                <a:cs typeface="SF UI Text" charset="0"/>
+              </a:rPr>
+              <a:t>) </a:t>
+            </a:r>
+            <a:r>
+              <a:rPr lang="en-US" dirty="0" err="1" smtClean="0">
+                <a:solidFill>
+                  <a:srgbClr val="FFFF00"/>
+                </a:solidFill>
+                <a:latin typeface="SF UI Text" charset="0"/>
+                <a:ea typeface="SF UI Text" charset="0"/>
+                <a:cs typeface="SF UI Text" charset="0"/>
+              </a:rPr>
+              <a:t>và</a:t>
+            </a:r>
+            <a:r>
+              <a:rPr lang="en-US" dirty="0" smtClean="0">
+                <a:solidFill>
+                  <a:srgbClr val="FFFF00"/>
+                </a:solidFill>
+                <a:latin typeface="SF UI Text" charset="0"/>
+                <a:ea typeface="SF UI Text" charset="0"/>
+                <a:cs typeface="SF UI Text" charset="0"/>
+              </a:rPr>
+              <a:t> </a:t>
+            </a:r>
+            <a:r>
+              <a:rPr lang="en-US" dirty="0" err="1" smtClean="0">
+                <a:solidFill>
+                  <a:srgbClr val="FFFF00"/>
+                </a:solidFill>
+                <a:latin typeface="SF UI Text" charset="0"/>
+                <a:ea typeface="SF UI Text" charset="0"/>
+                <a:cs typeface="SF UI Text" charset="0"/>
+              </a:rPr>
+              <a:t>viết</a:t>
+            </a:r>
+            <a:r>
+              <a:rPr lang="en-US" dirty="0" smtClean="0">
+                <a:solidFill>
+                  <a:srgbClr val="FFFF00"/>
+                </a:solidFill>
+                <a:latin typeface="SF UI Text" charset="0"/>
+                <a:ea typeface="SF UI Text" charset="0"/>
+                <a:cs typeface="SF UI Text" charset="0"/>
+              </a:rPr>
+              <a:t> </a:t>
+            </a:r>
+            <a:r>
+              <a:rPr lang="en-US" dirty="0" err="1" smtClean="0">
+                <a:solidFill>
+                  <a:srgbClr val="FFFF00"/>
+                </a:solidFill>
+                <a:latin typeface="SF UI Text" charset="0"/>
+                <a:ea typeface="SF UI Text" charset="0"/>
+                <a:cs typeface="SF UI Text" charset="0"/>
+              </a:rPr>
+              <a:t>các</a:t>
+            </a:r>
+            <a:r>
+              <a:rPr lang="en-US" dirty="0" smtClean="0">
+                <a:solidFill>
+                  <a:srgbClr val="FFFF00"/>
+                </a:solidFill>
+                <a:latin typeface="SF UI Text" charset="0"/>
+                <a:ea typeface="SF UI Text" charset="0"/>
+                <a:cs typeface="SF UI Text" charset="0"/>
+              </a:rPr>
+              <a:t> Router </a:t>
+            </a:r>
+            <a:r>
+              <a:rPr lang="en-US" dirty="0" err="1" smtClean="0">
+                <a:solidFill>
+                  <a:srgbClr val="FFFF00"/>
+                </a:solidFill>
+                <a:latin typeface="SF UI Text" charset="0"/>
+                <a:ea typeface="SF UI Text" charset="0"/>
+                <a:cs typeface="SF UI Text" charset="0"/>
+              </a:rPr>
+              <a:t>tương</a:t>
+            </a:r>
+            <a:r>
+              <a:rPr lang="en-US" dirty="0" smtClean="0">
+                <a:solidFill>
+                  <a:srgbClr val="FFFF00"/>
+                </a:solidFill>
+                <a:latin typeface="SF UI Text" charset="0"/>
+                <a:ea typeface="SF UI Text" charset="0"/>
+                <a:cs typeface="SF UI Text" charset="0"/>
+              </a:rPr>
+              <a:t> </a:t>
+            </a:r>
+            <a:r>
+              <a:rPr lang="en-US" dirty="0" err="1" smtClean="0">
+                <a:solidFill>
+                  <a:srgbClr val="FFFF00"/>
+                </a:solidFill>
+                <a:latin typeface="SF UI Text" charset="0"/>
+                <a:ea typeface="SF UI Text" charset="0"/>
+                <a:cs typeface="SF UI Text" charset="0"/>
+              </a:rPr>
+              <a:t>ứng</a:t>
+            </a:r>
+            <a:endParaRPr lang="en-US" dirty="0" smtClean="0">
+              <a:solidFill>
+                <a:srgbClr val="FFFF00"/>
+              </a:solidFill>
+              <a:latin typeface="SF UI Text" charset="0"/>
+              <a:ea typeface="SF UI Text" charset="0"/>
+              <a:cs typeface="SF UI Text" charset="0"/>
             </a:endParaRPr>
           </a:p>
           <a:p>
             <a:r>
-              <a:rPr lang="en-US" sz="2300">
-                <a:solidFill>
-                  <a:srgbClr val="D4D4D4"/>
-                </a:solidFill>
-                <a:effectLst/>
-                <a:latin typeface="Roboto Mono for Powerline" charset="0"/>
-                <a:ea typeface="Times New Roman" charset="0"/>
-                <a:cs typeface="Times New Roman" charset="0"/>
-              </a:rPr>
-              <a:t>  </a:t>
-            </a:r>
-            <a:r>
-              <a:rPr lang="en-US" sz="2300">
-                <a:solidFill>
-                  <a:srgbClr val="569CD6"/>
-                </a:solidFill>
-                <a:effectLst/>
-                <a:latin typeface="Roboto Mono for Powerline" charset="0"/>
-                <a:ea typeface="Times New Roman" charset="0"/>
-                <a:cs typeface="Times New Roman" charset="0"/>
-              </a:rPr>
-              <a:t>num</a:t>
-            </a:r>
-            <a:r>
-              <a:rPr lang="en-US" sz="2300">
-                <a:solidFill>
-                  <a:srgbClr val="D4D4D4"/>
-                </a:solidFill>
-                <a:effectLst/>
-                <a:latin typeface="Roboto Mono for Powerline" charset="0"/>
-                <a:ea typeface="Times New Roman" charset="0"/>
-                <a:cs typeface="Times New Roman" charset="0"/>
-              </a:rPr>
-              <a:t> y;</a:t>
-            </a:r>
-            <a:endParaRPr lang="en-US" sz="2300">
-              <a:effectLst/>
-              <a:latin typeface="Calibri" charset="0"/>
-              <a:ea typeface="Calibri" charset="0"/>
-              <a:cs typeface="Times New Roman" charset="0"/>
+              <a:rPr lang="vi-VN" dirty="0" smtClean="0">
+                <a:solidFill>
+                  <a:srgbClr val="FFFF00"/>
+                </a:solidFill>
+                <a:latin typeface="SF UI Text" charset="0"/>
+                <a:ea typeface="SF UI Text" charset="0"/>
+                <a:cs typeface="SF UI Text" charset="0"/>
+              </a:rPr>
+              <a:t>3.Response dữ liệu khác nhau về cho Client : json, file,</a:t>
+            </a:r>
+            <a:r>
+              <a:rPr lang="mr-IN" dirty="0" smtClean="0">
+                <a:solidFill>
+                  <a:srgbClr val="FFFF00"/>
+                </a:solidFill>
+                <a:latin typeface="SF UI Text" charset="0"/>
+                <a:ea typeface="SF UI Text" charset="0"/>
+                <a:cs typeface="SF UI Text" charset="0"/>
+              </a:rPr>
+              <a:t>…</a:t>
+            </a:r>
+            <a:endParaRPr lang="en-US" dirty="0">
+              <a:solidFill>
+                <a:srgbClr val="FFFF00"/>
+              </a:solidFill>
+              <a:latin typeface="SF UI Text" charset="0"/>
+              <a:ea typeface="SF UI Text" charset="0"/>
+              <a:cs typeface="SF UI Text" charset="0"/>
             </a:endParaRPr>
-          </a:p>
-          <a:p>
-            <a:r>
-              <a:rPr lang="en-US" sz="2300">
-                <a:solidFill>
-                  <a:srgbClr val="D4D4D4"/>
-                </a:solidFill>
-                <a:effectLst/>
-                <a:latin typeface="Roboto Mono for Powerline" charset="0"/>
-                <a:ea typeface="Times New Roman" charset="0"/>
-                <a:cs typeface="Times New Roman" charset="0"/>
-              </a:rPr>
-              <a:t>  </a:t>
-            </a:r>
-            <a:r>
-              <a:rPr lang="en-US" sz="2300">
-                <a:solidFill>
-                  <a:srgbClr val="4EC9B0"/>
-                </a:solidFill>
-                <a:effectLst/>
-                <a:latin typeface="Roboto Mono for Powerline" charset="0"/>
-                <a:ea typeface="Times New Roman" charset="0"/>
-                <a:cs typeface="Times New Roman" charset="0"/>
-              </a:rPr>
-              <a:t>Point</a:t>
-            </a:r>
-            <a:r>
-              <a:rPr lang="en-US" sz="2300">
-                <a:solidFill>
-                  <a:srgbClr val="D4D4D4"/>
-                </a:solidFill>
-                <a:effectLst/>
-                <a:latin typeface="Roboto Mono for Powerline" charset="0"/>
-                <a:ea typeface="Times New Roman" charset="0"/>
-                <a:cs typeface="Times New Roman" charset="0"/>
-              </a:rPr>
-              <a:t>(</a:t>
-            </a:r>
-            <a:r>
-              <a:rPr lang="en-US" sz="2300">
-                <a:solidFill>
-                  <a:srgbClr val="569CD6"/>
-                </a:solidFill>
-                <a:effectLst/>
-                <a:latin typeface="Roboto Mono for Powerline" charset="0"/>
-                <a:ea typeface="Times New Roman" charset="0"/>
-                <a:cs typeface="Times New Roman" charset="0"/>
-              </a:rPr>
-              <a:t>this</a:t>
-            </a:r>
-            <a:r>
-              <a:rPr lang="en-US" sz="2300">
-                <a:solidFill>
-                  <a:srgbClr val="D4D4D4"/>
-                </a:solidFill>
-                <a:effectLst/>
-                <a:latin typeface="Roboto Mono for Powerline" charset="0"/>
-                <a:ea typeface="Times New Roman" charset="0"/>
-                <a:cs typeface="Times New Roman" charset="0"/>
-              </a:rPr>
-              <a:t>.x, </a:t>
-            </a:r>
-            <a:r>
-              <a:rPr lang="en-US" sz="2300">
-                <a:solidFill>
-                  <a:srgbClr val="569CD6"/>
-                </a:solidFill>
-                <a:effectLst/>
-                <a:latin typeface="Roboto Mono for Powerline" charset="0"/>
-                <a:ea typeface="Times New Roman" charset="0"/>
-                <a:cs typeface="Times New Roman" charset="0"/>
-              </a:rPr>
-              <a:t>this</a:t>
-            </a:r>
-            <a:r>
-              <a:rPr lang="en-US" sz="2300">
-                <a:solidFill>
-                  <a:srgbClr val="D4D4D4"/>
-                </a:solidFill>
-                <a:effectLst/>
-                <a:latin typeface="Roboto Mono for Powerline" charset="0"/>
-                <a:ea typeface="Times New Roman" charset="0"/>
-                <a:cs typeface="Times New Roman" charset="0"/>
-              </a:rPr>
-              <a:t>.y);</a:t>
-            </a:r>
-            <a:endParaRPr lang="en-US" sz="2300">
-              <a:effectLst/>
-              <a:latin typeface="Calibri" charset="0"/>
-              <a:ea typeface="Calibri" charset="0"/>
-              <a:cs typeface="Times New Roman" charset="0"/>
-            </a:endParaRPr>
-          </a:p>
-          <a:p>
-            <a:r>
-              <a:rPr lang="en-US" sz="2300">
-                <a:solidFill>
-                  <a:srgbClr val="D4D4D4"/>
-                </a:solidFill>
-                <a:effectLst/>
-                <a:latin typeface="Roboto Mono for Powerline" charset="0"/>
-                <a:ea typeface="Times New Roman" charset="0"/>
-                <a:cs typeface="Times New Roman" charset="0"/>
-              </a:rPr>
-              <a:t>}</a:t>
-            </a:r>
-            <a:endParaRPr lang="en-US" sz="2300">
-              <a:effectLst/>
-              <a:latin typeface="Calibri" charset="0"/>
-              <a:ea typeface="Calibri" charset="0"/>
-              <a:cs typeface="Times New Roman" charset="0"/>
-            </a:endParaRPr>
-          </a:p>
-          <a:p>
-            <a:r>
-              <a:rPr lang="en-US" sz="2300">
-                <a:solidFill>
-                  <a:srgbClr val="D4D4D4"/>
-                </a:solidFill>
-                <a:effectLst/>
-                <a:latin typeface="Roboto Mono for Powerline" charset="0"/>
-                <a:ea typeface="Times New Roman" charset="0"/>
-                <a:cs typeface="Times New Roman" charset="0"/>
-              </a:rPr>
-              <a:t> </a:t>
-            </a:r>
-            <a:endParaRPr lang="en-US" sz="2300">
-              <a:effectLst/>
-              <a:latin typeface="Calibri" charset="0"/>
-              <a:ea typeface="Calibri" charset="0"/>
-              <a:cs typeface="Times New Roman" charset="0"/>
-            </a:endParaRPr>
-          </a:p>
-          <a:p>
-            <a:r>
-              <a:rPr lang="en-US" sz="2300">
-                <a:solidFill>
-                  <a:srgbClr val="569CD6"/>
-                </a:solidFill>
-                <a:effectLst/>
-                <a:latin typeface="Roboto Mono for Powerline" charset="0"/>
-                <a:ea typeface="Times New Roman" charset="0"/>
-                <a:cs typeface="Times New Roman" charset="0"/>
-              </a:rPr>
-              <a:t>class</a:t>
-            </a:r>
-            <a:r>
-              <a:rPr lang="en-US" sz="2300">
-                <a:solidFill>
-                  <a:srgbClr val="D4D4D4"/>
-                </a:solidFill>
-                <a:effectLst/>
-                <a:latin typeface="Roboto Mono for Powerline" charset="0"/>
-                <a:ea typeface="Times New Roman" charset="0"/>
-                <a:cs typeface="Times New Roman" charset="0"/>
-              </a:rPr>
-              <a:t> </a:t>
-            </a:r>
-            <a:r>
-              <a:rPr lang="en-US" sz="2300">
-                <a:solidFill>
-                  <a:srgbClr val="4EC9B0"/>
-                </a:solidFill>
-                <a:effectLst/>
-                <a:latin typeface="Roboto Mono for Powerline" charset="0"/>
-                <a:ea typeface="Times New Roman" charset="0"/>
-                <a:cs typeface="Times New Roman" charset="0"/>
-              </a:rPr>
-              <a:t>Point3D</a:t>
-            </a:r>
-            <a:r>
-              <a:rPr lang="en-US" sz="2300">
-                <a:solidFill>
-                  <a:srgbClr val="D4D4D4"/>
-                </a:solidFill>
-                <a:effectLst/>
-                <a:latin typeface="Roboto Mono for Powerline" charset="0"/>
-                <a:ea typeface="Times New Roman" charset="0"/>
-                <a:cs typeface="Times New Roman" charset="0"/>
-              </a:rPr>
-              <a:t> </a:t>
-            </a:r>
-            <a:r>
-              <a:rPr lang="en-US" sz="2300">
-                <a:solidFill>
-                  <a:srgbClr val="569CD6"/>
-                </a:solidFill>
-                <a:effectLst/>
-                <a:latin typeface="Roboto Mono for Powerline" charset="0"/>
-                <a:ea typeface="Times New Roman" charset="0"/>
-                <a:cs typeface="Times New Roman" charset="0"/>
-              </a:rPr>
-              <a:t>extends</a:t>
-            </a:r>
-            <a:r>
-              <a:rPr lang="en-US" sz="2300">
-                <a:solidFill>
-                  <a:srgbClr val="D4D4D4"/>
-                </a:solidFill>
-                <a:effectLst/>
-                <a:latin typeface="Roboto Mono for Powerline" charset="0"/>
-                <a:ea typeface="Times New Roman" charset="0"/>
-                <a:cs typeface="Times New Roman" charset="0"/>
-              </a:rPr>
-              <a:t> </a:t>
-            </a:r>
-            <a:r>
-              <a:rPr lang="en-US" sz="2300">
-                <a:solidFill>
-                  <a:srgbClr val="4EC9B0"/>
-                </a:solidFill>
-                <a:effectLst/>
-                <a:latin typeface="Roboto Mono for Powerline" charset="0"/>
-                <a:ea typeface="Times New Roman" charset="0"/>
-                <a:cs typeface="Times New Roman" charset="0"/>
-              </a:rPr>
-              <a:t>Point</a:t>
-            </a:r>
-            <a:r>
-              <a:rPr lang="en-US" sz="2300">
-                <a:solidFill>
-                  <a:srgbClr val="D4D4D4"/>
-                </a:solidFill>
-                <a:effectLst/>
-                <a:latin typeface="Roboto Mono for Powerline" charset="0"/>
-                <a:ea typeface="Times New Roman" charset="0"/>
-                <a:cs typeface="Times New Roman" charset="0"/>
-              </a:rPr>
-              <a:t> {</a:t>
-            </a:r>
-            <a:endParaRPr lang="en-US" sz="2300">
-              <a:effectLst/>
-              <a:latin typeface="Calibri" charset="0"/>
-              <a:ea typeface="Calibri" charset="0"/>
-              <a:cs typeface="Times New Roman" charset="0"/>
-            </a:endParaRPr>
-          </a:p>
-          <a:p>
-            <a:r>
-              <a:rPr lang="en-US" sz="2300">
-                <a:solidFill>
-                  <a:srgbClr val="D4D4D4"/>
-                </a:solidFill>
-                <a:effectLst/>
-                <a:latin typeface="Roboto Mono for Powerline" charset="0"/>
-                <a:ea typeface="Times New Roman" charset="0"/>
-                <a:cs typeface="Times New Roman" charset="0"/>
-              </a:rPr>
-              <a:t>  </a:t>
-            </a:r>
-            <a:r>
-              <a:rPr lang="en-US" sz="2300">
-                <a:solidFill>
-                  <a:srgbClr val="569CD6"/>
-                </a:solidFill>
-                <a:effectLst/>
-                <a:latin typeface="Roboto Mono for Powerline" charset="0"/>
-                <a:ea typeface="Times New Roman" charset="0"/>
-                <a:cs typeface="Times New Roman" charset="0"/>
-              </a:rPr>
-              <a:t>num</a:t>
-            </a:r>
-            <a:r>
-              <a:rPr lang="en-US" sz="2300">
-                <a:solidFill>
-                  <a:srgbClr val="D4D4D4"/>
-                </a:solidFill>
-                <a:effectLst/>
-                <a:latin typeface="Roboto Mono for Powerline" charset="0"/>
-                <a:ea typeface="Times New Roman" charset="0"/>
-                <a:cs typeface="Times New Roman" charset="0"/>
-              </a:rPr>
-              <a:t> z;</a:t>
-            </a:r>
-            <a:endParaRPr lang="en-US" sz="2300">
-              <a:effectLst/>
-              <a:latin typeface="Calibri" charset="0"/>
-              <a:ea typeface="Calibri" charset="0"/>
-              <a:cs typeface="Times New Roman" charset="0"/>
-            </a:endParaRPr>
-          </a:p>
-          <a:p>
-            <a:r>
-              <a:rPr lang="en-US" sz="2300">
-                <a:solidFill>
-                  <a:srgbClr val="D4D4D4"/>
-                </a:solidFill>
-                <a:effectLst/>
-                <a:latin typeface="Roboto Mono for Powerline" charset="0"/>
-                <a:ea typeface="Times New Roman" charset="0"/>
-                <a:cs typeface="Times New Roman" charset="0"/>
-              </a:rPr>
-              <a:t>  </a:t>
-            </a:r>
-            <a:r>
-              <a:rPr lang="en-US" sz="2300">
-                <a:solidFill>
-                  <a:srgbClr val="4EC9B0"/>
-                </a:solidFill>
-                <a:effectLst/>
-                <a:latin typeface="Roboto Mono for Powerline" charset="0"/>
-                <a:ea typeface="Times New Roman" charset="0"/>
-                <a:cs typeface="Times New Roman" charset="0"/>
-              </a:rPr>
-              <a:t>Point3D</a:t>
-            </a:r>
-            <a:r>
-              <a:rPr lang="en-US" sz="2300">
-                <a:solidFill>
-                  <a:srgbClr val="D4D4D4"/>
-                </a:solidFill>
-                <a:effectLst/>
-                <a:latin typeface="Roboto Mono for Powerline" charset="0"/>
-                <a:ea typeface="Times New Roman" charset="0"/>
-                <a:cs typeface="Times New Roman" charset="0"/>
-              </a:rPr>
-              <a:t>(</a:t>
-            </a:r>
-            <a:r>
-              <a:rPr lang="en-US" sz="2300">
-                <a:solidFill>
-                  <a:srgbClr val="569CD6"/>
-                </a:solidFill>
-                <a:effectLst/>
-                <a:latin typeface="Roboto Mono for Powerline" charset="0"/>
-                <a:ea typeface="Times New Roman" charset="0"/>
-                <a:cs typeface="Times New Roman" charset="0"/>
-              </a:rPr>
-              <a:t>num</a:t>
-            </a:r>
-            <a:r>
-              <a:rPr lang="en-US" sz="2300">
-                <a:solidFill>
-                  <a:srgbClr val="D4D4D4"/>
-                </a:solidFill>
-                <a:effectLst/>
-                <a:latin typeface="Roboto Mono for Powerline" charset="0"/>
-                <a:ea typeface="Times New Roman" charset="0"/>
-                <a:cs typeface="Times New Roman" charset="0"/>
-              </a:rPr>
-              <a:t> x, </a:t>
-            </a:r>
-            <a:r>
-              <a:rPr lang="en-US" sz="2300">
-                <a:solidFill>
-                  <a:srgbClr val="569CD6"/>
-                </a:solidFill>
-                <a:effectLst/>
-                <a:latin typeface="Roboto Mono for Powerline" charset="0"/>
-                <a:ea typeface="Times New Roman" charset="0"/>
-                <a:cs typeface="Times New Roman" charset="0"/>
-              </a:rPr>
-              <a:t>num</a:t>
-            </a:r>
-            <a:r>
-              <a:rPr lang="en-US" sz="2300">
-                <a:solidFill>
-                  <a:srgbClr val="D4D4D4"/>
-                </a:solidFill>
-                <a:effectLst/>
-                <a:latin typeface="Roboto Mono for Powerline" charset="0"/>
-                <a:ea typeface="Times New Roman" charset="0"/>
-                <a:cs typeface="Times New Roman" charset="0"/>
-              </a:rPr>
-              <a:t> y, </a:t>
-            </a:r>
-            <a:r>
-              <a:rPr lang="en-US" sz="2300">
-                <a:solidFill>
-                  <a:srgbClr val="569CD6"/>
-                </a:solidFill>
-                <a:effectLst/>
-                <a:latin typeface="Roboto Mono for Powerline" charset="0"/>
-                <a:ea typeface="Times New Roman" charset="0"/>
-                <a:cs typeface="Times New Roman" charset="0"/>
-              </a:rPr>
-              <a:t>this</a:t>
-            </a:r>
-            <a:r>
-              <a:rPr lang="en-US" sz="2300">
-                <a:solidFill>
-                  <a:srgbClr val="D4D4D4"/>
-                </a:solidFill>
-                <a:effectLst/>
-                <a:latin typeface="Roboto Mono for Powerline" charset="0"/>
-                <a:ea typeface="Times New Roman" charset="0"/>
-                <a:cs typeface="Times New Roman" charset="0"/>
-              </a:rPr>
-              <a:t>.z) : </a:t>
-            </a:r>
-            <a:r>
-              <a:rPr lang="en-US" sz="2300">
-                <a:solidFill>
-                  <a:srgbClr val="569CD6"/>
-                </a:solidFill>
-                <a:effectLst/>
-                <a:latin typeface="Roboto Mono for Powerline" charset="0"/>
-                <a:ea typeface="Times New Roman" charset="0"/>
-                <a:cs typeface="Times New Roman" charset="0"/>
-              </a:rPr>
-              <a:t>super</a:t>
-            </a:r>
-            <a:r>
-              <a:rPr lang="en-US" sz="2300">
-                <a:solidFill>
-                  <a:srgbClr val="D4D4D4"/>
-                </a:solidFill>
-                <a:effectLst/>
-                <a:latin typeface="Roboto Mono for Powerline" charset="0"/>
-                <a:ea typeface="Times New Roman" charset="0"/>
-                <a:cs typeface="Times New Roman" charset="0"/>
-              </a:rPr>
-              <a:t>(x, y);</a:t>
-            </a:r>
-            <a:endParaRPr lang="en-US" sz="2300">
-              <a:effectLst/>
-              <a:latin typeface="Calibri" charset="0"/>
-              <a:ea typeface="Calibri" charset="0"/>
-              <a:cs typeface="Times New Roman" charset="0"/>
-            </a:endParaRPr>
-          </a:p>
-          <a:p>
-            <a:r>
-              <a:rPr lang="en-US" sz="2300">
-                <a:solidFill>
-                  <a:srgbClr val="D4D4D4"/>
-                </a:solidFill>
-                <a:effectLst/>
-                <a:latin typeface="Roboto Mono for Powerline" charset="0"/>
-                <a:ea typeface="Times New Roman" charset="0"/>
-                <a:cs typeface="Times New Roman" charset="0"/>
-              </a:rPr>
-              <a:t>}</a:t>
-            </a:r>
-            <a:endParaRPr lang="en-US" sz="2300">
-              <a:effectLst/>
-              <a:latin typeface="Calibri" charset="0"/>
-              <a:ea typeface="Calibri" charset="0"/>
-              <a:cs typeface="Times New Roman" charset="0"/>
-            </a:endParaRPr>
-          </a:p>
-        </p:txBody>
-      </p:sp>
-      <p:sp>
-        <p:nvSpPr>
-          <p:cNvPr id="3" name="Left Arrow 2"/>
-          <p:cNvSpPr/>
-          <p:nvPr/>
-        </p:nvSpPr>
-        <p:spPr>
-          <a:xfrm>
-            <a:off x="3200400" y="514350"/>
-            <a:ext cx="1828800" cy="762000"/>
-          </a:xfrm>
-          <a:prstGeom prst="leftArrow">
-            <a:avLst/>
-          </a:prstGeom>
-        </p:spPr>
-        <p:style>
-          <a:lnRef idx="2">
-            <a:schemeClr val="accent1">
-              <a:shade val="50000"/>
-            </a:schemeClr>
-          </a:lnRef>
-          <a:fillRef idx="1">
-            <a:schemeClr val="accent1"/>
-          </a:fillRef>
-          <a:effectRef idx="0">
-            <a:schemeClr val="accent1"/>
-          </a:effectRef>
-          <a:fontRef idx="minor">
-            <a:schemeClr val="lt1"/>
-          </a:fontRef>
-        </p:style>
-        <p:txBody>
-          <a:bodyPr rtlCol="0" anchor="ctr"/>
-          <a:lstStyle/>
-          <a:p>
-            <a:pPr algn="ctr"/>
-            <a:r>
-              <a:rPr lang="en-US"/>
-              <a:t>khai báo class</a:t>
-            </a:r>
-          </a:p>
-        </p:txBody>
-      </p:sp>
-      <p:sp>
-        <p:nvSpPr>
-          <p:cNvPr id="4" name="Left Arrow 3"/>
-          <p:cNvSpPr/>
-          <p:nvPr/>
-        </p:nvSpPr>
-        <p:spPr>
-          <a:xfrm>
-            <a:off x="4800600" y="1581150"/>
-            <a:ext cx="1828800" cy="762000"/>
-          </a:xfrm>
-          <a:prstGeom prst="leftArrow">
-            <a:avLst/>
-          </a:prstGeom>
-        </p:spPr>
-        <p:style>
-          <a:lnRef idx="2">
-            <a:schemeClr val="accent1">
-              <a:shade val="50000"/>
-            </a:schemeClr>
-          </a:lnRef>
-          <a:fillRef idx="1">
-            <a:schemeClr val="accent1"/>
-          </a:fillRef>
-          <a:effectRef idx="0">
-            <a:schemeClr val="accent1"/>
-          </a:effectRef>
-          <a:fontRef idx="minor">
-            <a:schemeClr val="lt1"/>
-          </a:fontRef>
-        </p:style>
-        <p:txBody>
-          <a:bodyPr rtlCol="0" anchor="ctr"/>
-          <a:lstStyle/>
-          <a:p>
-            <a:pPr algn="ctr"/>
-            <a:r>
-              <a:rPr lang="en-US" dirty="0"/>
-              <a:t>constructor</a:t>
-            </a:r>
-          </a:p>
-        </p:txBody>
-      </p:sp>
-      <p:sp>
-        <p:nvSpPr>
-          <p:cNvPr id="5" name="Left Arrow 4"/>
-          <p:cNvSpPr/>
-          <p:nvPr/>
-        </p:nvSpPr>
-        <p:spPr>
-          <a:xfrm>
-            <a:off x="5638800" y="2635250"/>
-            <a:ext cx="1828800" cy="762000"/>
-          </a:xfrm>
-          <a:prstGeom prst="leftArrow">
-            <a:avLst/>
-          </a:prstGeom>
-        </p:spPr>
-        <p:style>
-          <a:lnRef idx="2">
-            <a:schemeClr val="accent1">
-              <a:shade val="50000"/>
-            </a:schemeClr>
-          </a:lnRef>
-          <a:fillRef idx="1">
-            <a:schemeClr val="accent1"/>
-          </a:fillRef>
-          <a:effectRef idx="0">
-            <a:schemeClr val="accent1"/>
-          </a:effectRef>
-          <a:fontRef idx="minor">
-            <a:schemeClr val="lt1"/>
-          </a:fontRef>
-        </p:style>
-        <p:txBody>
-          <a:bodyPr rtlCol="0" anchor="ctr"/>
-          <a:lstStyle/>
-          <a:p>
-            <a:pPr algn="ctr"/>
-            <a:r>
-              <a:rPr lang="en-US"/>
-              <a:t>inheritance</a:t>
-            </a:r>
           </a:p>
         </p:txBody>
       </p:sp>
     </p:spTree>
     <p:extLst>
       <p:ext uri="{BB962C8B-B14F-4D97-AF65-F5344CB8AC3E}">
-        <p14:creationId xmlns:p14="http://schemas.microsoft.com/office/powerpoint/2010/main" val="38318996"/>
+        <p14:creationId xmlns:p14="http://schemas.microsoft.com/office/powerpoint/2010/main" val="27947364"/>
       </p:ext>
     </p:extLst>
   </p:cSld>
@@ -10794,316 +9688,15 @@
   <p:timing>
     <p:tnLst>
       <p:par>
-        <p:cTn id="1" dur="indefinite" restart="never" nodeType="tmRoot">
-          <p:childTnLst>
-            <p:seq concurrent="1" nextAc="seek">
-              <p:cTn id="2" dur="indefinite" nodeType="mainSeq">
-                <p:childTnLst>
-                  <p:par>
-                    <p:cTn id="3" fill="hold">
-                      <p:stCondLst>
-                        <p:cond delay="indefinite"/>
-                      </p:stCondLst>
-                      <p:childTnLst>
-                        <p:par>
-                          <p:cTn id="4" fill="hold">
-                            <p:stCondLst>
-                              <p:cond delay="0"/>
-                            </p:stCondLst>
-                            <p:childTnLst>
-                              <p:par>
-                                <p:cTn id="5" presetID="2" presetClass="entr" presetSubtype="2" fill="hold" grpId="0" nodeType="clickEffect">
-                                  <p:stCondLst>
-                                    <p:cond delay="0"/>
-                                  </p:stCondLst>
-                                  <p:childTnLst>
-                                    <p:set>
-                                      <p:cBhvr>
-                                        <p:cTn id="6" dur="1" fill="hold">
-                                          <p:stCondLst>
-                                            <p:cond delay="0"/>
-                                          </p:stCondLst>
-                                        </p:cTn>
-                                        <p:tgtEl>
-                                          <p:spTgt spid="3"/>
-                                        </p:tgtEl>
-                                        <p:attrNameLst>
-                                          <p:attrName>style.visibility</p:attrName>
-                                        </p:attrNameLst>
-                                      </p:cBhvr>
-                                      <p:to>
-                                        <p:strVal val="visible"/>
-                                      </p:to>
-                                    </p:set>
-                                    <p:anim calcmode="lin" valueType="num">
-                                      <p:cBhvr additive="base">
-                                        <p:cTn id="7" dur="500" fill="hold"/>
-                                        <p:tgtEl>
-                                          <p:spTgt spid="3"/>
-                                        </p:tgtEl>
-                                        <p:attrNameLst>
-                                          <p:attrName>ppt_x</p:attrName>
-                                        </p:attrNameLst>
-                                      </p:cBhvr>
-                                      <p:tavLst>
-                                        <p:tav tm="0">
-                                          <p:val>
-                                            <p:strVal val="1+#ppt_w/2"/>
-                                          </p:val>
-                                        </p:tav>
-                                        <p:tav tm="100000">
-                                          <p:val>
-                                            <p:strVal val="#ppt_x"/>
-                                          </p:val>
-                                        </p:tav>
-                                      </p:tavLst>
-                                    </p:anim>
-                                    <p:anim calcmode="lin" valueType="num">
-                                      <p:cBhvr additive="base">
-                                        <p:cTn id="8" dur="500" fill="hold"/>
-                                        <p:tgtEl>
-                                          <p:spTgt spid="3"/>
-                                        </p:tgtEl>
-                                        <p:attrNameLst>
-                                          <p:attrName>ppt_y</p:attrName>
-                                        </p:attrNameLst>
-                                      </p:cBhvr>
-                                      <p:tavLst>
-                                        <p:tav tm="0">
-                                          <p:val>
-                                            <p:strVal val="#ppt_y"/>
-                                          </p:val>
-                                        </p:tav>
-                                        <p:tav tm="100000">
-                                          <p:val>
-                                            <p:strVal val="#ppt_y"/>
-                                          </p:val>
-                                        </p:tav>
-                                      </p:tavLst>
-                                    </p:anim>
-                                  </p:childTnLst>
-                                </p:cTn>
-                              </p:par>
-                            </p:childTnLst>
-                          </p:cTn>
-                        </p:par>
-                      </p:childTnLst>
-                    </p:cTn>
-                  </p:par>
-                  <p:par>
-                    <p:cTn id="9" fill="hold">
-                      <p:stCondLst>
-                        <p:cond delay="indefinite"/>
-                      </p:stCondLst>
-                      <p:childTnLst>
-                        <p:par>
-                          <p:cTn id="10" fill="hold">
-                            <p:stCondLst>
-                              <p:cond delay="0"/>
-                            </p:stCondLst>
-                            <p:childTnLst>
-                              <p:par>
-                                <p:cTn id="11" presetID="2" presetClass="entr" presetSubtype="2" fill="hold" grpId="0" nodeType="clickEffect">
-                                  <p:stCondLst>
-                                    <p:cond delay="0"/>
-                                  </p:stCondLst>
-                                  <p:childTnLst>
-                                    <p:set>
-                                      <p:cBhvr>
-                                        <p:cTn id="12" dur="1" fill="hold">
-                                          <p:stCondLst>
-                                            <p:cond delay="0"/>
-                                          </p:stCondLst>
-                                        </p:cTn>
-                                        <p:tgtEl>
-                                          <p:spTgt spid="4"/>
-                                        </p:tgtEl>
-                                        <p:attrNameLst>
-                                          <p:attrName>style.visibility</p:attrName>
-                                        </p:attrNameLst>
-                                      </p:cBhvr>
-                                      <p:to>
-                                        <p:strVal val="visible"/>
-                                      </p:to>
-                                    </p:set>
-                                    <p:anim calcmode="lin" valueType="num">
-                                      <p:cBhvr additive="base">
-                                        <p:cTn id="13" dur="500" fill="hold"/>
-                                        <p:tgtEl>
-                                          <p:spTgt spid="4"/>
-                                        </p:tgtEl>
-                                        <p:attrNameLst>
-                                          <p:attrName>ppt_x</p:attrName>
-                                        </p:attrNameLst>
-                                      </p:cBhvr>
-                                      <p:tavLst>
-                                        <p:tav tm="0">
-                                          <p:val>
-                                            <p:strVal val="1+#ppt_w/2"/>
-                                          </p:val>
-                                        </p:tav>
-                                        <p:tav tm="100000">
-                                          <p:val>
-                                            <p:strVal val="#ppt_x"/>
-                                          </p:val>
-                                        </p:tav>
-                                      </p:tavLst>
-                                    </p:anim>
-                                    <p:anim calcmode="lin" valueType="num">
-                                      <p:cBhvr additive="base">
-                                        <p:cTn id="14" dur="500" fill="hold"/>
-                                        <p:tgtEl>
-                                          <p:spTgt spid="4"/>
-                                        </p:tgtEl>
-                                        <p:attrNameLst>
-                                          <p:attrName>ppt_y</p:attrName>
-                                        </p:attrNameLst>
-                                      </p:cBhvr>
-                                      <p:tavLst>
-                                        <p:tav tm="0">
-                                          <p:val>
-                                            <p:strVal val="#ppt_y"/>
-                                          </p:val>
-                                        </p:tav>
-                                        <p:tav tm="100000">
-                                          <p:val>
-                                            <p:strVal val="#ppt_y"/>
-                                          </p:val>
-                                        </p:tav>
-                                      </p:tavLst>
-                                    </p:anim>
-                                  </p:childTnLst>
-                                </p:cTn>
-                              </p:par>
-                            </p:childTnLst>
-                          </p:cTn>
-                        </p:par>
-                      </p:childTnLst>
-                    </p:cTn>
-                  </p:par>
-                  <p:par>
-                    <p:cTn id="15" fill="hold">
-                      <p:stCondLst>
-                        <p:cond delay="indefinite"/>
-                      </p:stCondLst>
-                      <p:childTnLst>
-                        <p:par>
-                          <p:cTn id="16" fill="hold">
-                            <p:stCondLst>
-                              <p:cond delay="0"/>
-                            </p:stCondLst>
-                            <p:childTnLst>
-                              <p:par>
-                                <p:cTn id="17" presetID="2" presetClass="entr" presetSubtype="2" fill="hold" grpId="0" nodeType="clickEffect">
-                                  <p:stCondLst>
-                                    <p:cond delay="0"/>
-                                  </p:stCondLst>
-                                  <p:childTnLst>
-                                    <p:set>
-                                      <p:cBhvr>
-                                        <p:cTn id="18" dur="1" fill="hold">
-                                          <p:stCondLst>
-                                            <p:cond delay="0"/>
-                                          </p:stCondLst>
-                                        </p:cTn>
-                                        <p:tgtEl>
-                                          <p:spTgt spid="5"/>
-                                        </p:tgtEl>
-                                        <p:attrNameLst>
-                                          <p:attrName>style.visibility</p:attrName>
-                                        </p:attrNameLst>
-                                      </p:cBhvr>
-                                      <p:to>
-                                        <p:strVal val="visible"/>
-                                      </p:to>
-                                    </p:set>
-                                    <p:anim calcmode="lin" valueType="num">
-                                      <p:cBhvr additive="base">
-                                        <p:cTn id="19" dur="500" fill="hold"/>
-                                        <p:tgtEl>
-                                          <p:spTgt spid="5"/>
-                                        </p:tgtEl>
-                                        <p:attrNameLst>
-                                          <p:attrName>ppt_x</p:attrName>
-                                        </p:attrNameLst>
-                                      </p:cBhvr>
-                                      <p:tavLst>
-                                        <p:tav tm="0">
-                                          <p:val>
-                                            <p:strVal val="1+#ppt_w/2"/>
-                                          </p:val>
-                                        </p:tav>
-                                        <p:tav tm="100000">
-                                          <p:val>
-                                            <p:strVal val="#ppt_x"/>
-                                          </p:val>
-                                        </p:tav>
-                                      </p:tavLst>
-                                    </p:anim>
-                                    <p:anim calcmode="lin" valueType="num">
-                                      <p:cBhvr additive="base">
-                                        <p:cTn id="20" dur="500" fill="hold"/>
-                                        <p:tgtEl>
-                                          <p:spTgt spid="5"/>
-                                        </p:tgtEl>
-                                        <p:attrNameLst>
-                                          <p:attrName>ppt_y</p:attrName>
-                                        </p:attrNameLst>
-                                      </p:cBhvr>
-                                      <p:tavLst>
-                                        <p:tav tm="0">
-                                          <p:val>
-                                            <p:strVal val="#ppt_y"/>
-                                          </p:val>
-                                        </p:tav>
-                                        <p:tav tm="100000">
-                                          <p:val>
-                                            <p:strVal val="#ppt_y"/>
-                                          </p:val>
-                                        </p:tav>
-                                      </p:tavLst>
-                                    </p:anim>
-                                  </p:childTnLst>
-                                </p:cTn>
-                              </p:par>
-                            </p:childTnLst>
-                          </p:cTn>
-                        </p:par>
-                      </p:childTnLst>
-                    </p:cTn>
-                  </p:par>
-                </p:childTnLst>
-              </p:cTn>
-              <p:prevCondLst>
-                <p:cond evt="onPrev" delay="0">
-                  <p:tgtEl>
-                    <p:sldTgt/>
-                  </p:tgtEl>
-                </p:cond>
-              </p:prevCondLst>
-              <p:nextCondLst>
-                <p:cond evt="onNext" delay="0">
-                  <p:tgtEl>
-                    <p:sldTgt/>
-                  </p:tgtEl>
-                </p:cond>
-              </p:nextCondLst>
-            </p:seq>
-          </p:childTnLst>
-        </p:cTn>
+        <p:cTn id="1" dur="indefinite" restart="never" nodeType="tmRoot"/>
       </p:par>
     </p:tnLst>
-    <p:bldLst>
-      <p:bldP spid="3" grpId="0" animBg="1"/>
-      <p:bldP spid="4" grpId="0" animBg="1"/>
-      <p:bldP spid="5" grpId="0" animBg="1"/>
-    </p:bldLst>
   </p:timing>
 </p:sld>
 </file>
 
 <file path=ppt/slides/slide19.xml><?xml version="1.0" encoding="utf-8"?>
-<p:sld xmlns:a="http://schemas.openxmlformats.org/drawingml/2006/main" xmlns:r="http://schemas.openxmlformats.org/officeDocument/2006/relationships" xmlns:p="http://schemas.openxmlformats.org/presentationml/2006/main">
+<p:sld xmlns:a="http://schemas.openxmlformats.org/drawingml/2006/main" xmlns:r="http://schemas.openxmlformats.org/officeDocument/2006/relationships" xmlns:p="http://schemas.openxmlformats.org/presentationml/2006/main" show="0">
   <p:cSld>
     <p:spTree>
       <p:nvGrpSpPr>
@@ -11121,776 +9714,158 @@
       </p:grpSpPr>
       <p:sp>
         <p:nvSpPr>
-          <p:cNvPr id="10" name="Oval 9"/>
-          <p:cNvSpPr/>
-          <p:nvPr/>
-        </p:nvSpPr>
-        <p:spPr>
-          <a:xfrm>
-            <a:off x="0" y="457456"/>
-            <a:ext cx="6033854" cy="4705094"/>
-          </a:xfrm>
-          <a:prstGeom prst="ellipse">
-            <a:avLst/>
-          </a:prstGeom>
-        </p:spPr>
-        <p:style>
-          <a:lnRef idx="2">
-            <a:schemeClr val="accent1">
-              <a:shade val="50000"/>
-            </a:schemeClr>
-          </a:lnRef>
-          <a:fillRef idx="1">
-            <a:schemeClr val="accent1"/>
-          </a:fillRef>
-          <a:effectRef idx="0">
-            <a:schemeClr val="accent1"/>
-          </a:effectRef>
-          <a:fontRef idx="minor">
-            <a:schemeClr val="lt1"/>
-          </a:fontRef>
-        </p:style>
-        <p:txBody>
-          <a:bodyPr rtlCol="0" anchor="ctr"/>
-          <a:lstStyle/>
-          <a:p>
-            <a:pPr algn="ctr"/>
-            <a:endParaRPr lang="en-US"/>
-          </a:p>
-        </p:txBody>
-      </p:sp>
-      <p:sp>
-        <p:nvSpPr>
-          <p:cNvPr id="11" name="Oval 10"/>
-          <p:cNvSpPr/>
-          <p:nvPr/>
-        </p:nvSpPr>
-        <p:spPr>
-          <a:xfrm>
-            <a:off x="2700631" y="361950"/>
-            <a:ext cx="6251976" cy="4638299"/>
-          </a:xfrm>
-          <a:prstGeom prst="ellipse">
-            <a:avLst/>
-          </a:prstGeom>
-          <a:solidFill>
-            <a:srgbClr val="92D050">
-              <a:alpha val="63922"/>
-            </a:srgbClr>
-          </a:solidFill>
-        </p:spPr>
-        <p:style>
-          <a:lnRef idx="2">
-            <a:schemeClr val="accent1">
-              <a:shade val="50000"/>
-            </a:schemeClr>
-          </a:lnRef>
-          <a:fillRef idx="1">
-            <a:schemeClr val="accent1"/>
-          </a:fillRef>
-          <a:effectRef idx="0">
-            <a:schemeClr val="accent1"/>
-          </a:effectRef>
-          <a:fontRef idx="minor">
-            <a:schemeClr val="lt1"/>
-          </a:fontRef>
-        </p:style>
-        <p:txBody>
-          <a:bodyPr rtlCol="0" anchor="ctr"/>
-          <a:lstStyle/>
-          <a:p>
-            <a:pPr algn="ctr"/>
-            <a:endParaRPr lang="en-US"/>
-          </a:p>
-        </p:txBody>
-      </p:sp>
-      <p:sp>
-        <p:nvSpPr>
-          <p:cNvPr id="12" name="TextBox 11"/>
-          <p:cNvSpPr txBox="1"/>
-          <p:nvPr/>
-        </p:nvSpPr>
-        <p:spPr>
-          <a:xfrm>
-            <a:off x="42296" y="361950"/>
-            <a:ext cx="2396810" cy="461665"/>
-          </a:xfrm>
-          <a:prstGeom prst="rect">
-            <a:avLst/>
-          </a:prstGeom>
-          <a:noFill/>
-        </p:spPr>
-        <p:txBody>
-          <a:bodyPr wrap="none" rtlCol="0">
-            <a:spAutoFit/>
+          <p:cNvPr id="2" name="Title 1"/>
+          <p:cNvSpPr>
+            <a:spLocks noGrp="1"/>
+          </p:cNvSpPr>
+          <p:nvPr>
+            <p:ph type="title"/>
+          </p:nvPr>
+        </p:nvSpPr>
+        <p:spPr/>
+        <p:txBody>
+          <a:bodyPr>
+            <a:normAutofit fontScale="90000"/>
           </a:bodyPr>
           <a:lstStyle/>
           <a:p>
             <a:r>
-              <a:rPr lang="en-US" sz="2400" b="1" dirty="0">
-                <a:solidFill>
-                  <a:schemeClr val="bg1"/>
-                </a:solidFill>
-                <a:latin typeface="Roboto Mono for Powerline" charset="0"/>
-                <a:ea typeface="Roboto Mono for Powerline" charset="0"/>
-                <a:cs typeface="Roboto Mono for Powerline" charset="0"/>
-              </a:rPr>
-              <a:t>React Native</a:t>
-            </a:r>
-          </a:p>
-        </p:txBody>
-      </p:sp>
-      <p:sp>
-        <p:nvSpPr>
-          <p:cNvPr id="13" name="TextBox 12"/>
-          <p:cNvSpPr txBox="1"/>
-          <p:nvPr/>
-        </p:nvSpPr>
-        <p:spPr>
-          <a:xfrm>
-            <a:off x="7520488" y="426268"/>
-            <a:ext cx="1475084" cy="461665"/>
-          </a:xfrm>
-          <a:prstGeom prst="rect">
-            <a:avLst/>
-          </a:prstGeom>
-          <a:noFill/>
-        </p:spPr>
-        <p:txBody>
-          <a:bodyPr wrap="none" rtlCol="0">
-            <a:spAutoFit/>
-          </a:bodyPr>
+              <a:rPr lang="en-US"/>
+              <a:t>Tham khảo</a:t>
+            </a:r>
+          </a:p>
+        </p:txBody>
+      </p:sp>
+      <p:sp>
+        <p:nvSpPr>
+          <p:cNvPr id="3" name="Content Placeholder 2"/>
+          <p:cNvSpPr>
+            <a:spLocks noGrp="1"/>
+          </p:cNvSpPr>
+          <p:nvPr>
+            <p:ph idx="1"/>
+          </p:nvPr>
+        </p:nvSpPr>
+        <p:spPr/>
+        <p:txBody>
+          <a:bodyPr/>
           <a:lstStyle/>
           <a:p>
             <a:r>
-              <a:rPr lang="en-US" sz="2400" b="1">
-                <a:solidFill>
-                  <a:schemeClr val="bg1"/>
-                </a:solidFill>
-                <a:latin typeface="Roboto Mono for Powerline" charset="0"/>
-                <a:ea typeface="Roboto Mono for Powerline" charset="0"/>
-                <a:cs typeface="Roboto Mono for Powerline" charset="0"/>
-              </a:rPr>
-              <a:t>Flutter</a:t>
-            </a:r>
-          </a:p>
-        </p:txBody>
-      </p:sp>
-      <p:sp>
-        <p:nvSpPr>
-          <p:cNvPr id="14" name="TextBox 13"/>
-          <p:cNvSpPr txBox="1"/>
-          <p:nvPr/>
-        </p:nvSpPr>
-        <p:spPr>
-          <a:xfrm>
-            <a:off x="5880537" y="1175584"/>
-            <a:ext cx="2590800" cy="646331"/>
-          </a:xfrm>
-          <a:prstGeom prst="rect">
-            <a:avLst/>
-          </a:prstGeom>
-          <a:noFill/>
-        </p:spPr>
-        <p:txBody>
-          <a:bodyPr wrap="square" rtlCol="0">
-            <a:spAutoFit/>
-          </a:bodyPr>
-          <a:lstStyle/>
-          <a:p>
-            <a:r>
-              <a:rPr lang="vi-VN" dirty="0" smtClean="0">
-                <a:latin typeface="Calibri" charset="0"/>
-                <a:ea typeface="Calibri" charset="0"/>
-                <a:cs typeface="Calibri" charset="0"/>
-              </a:rPr>
-              <a:t>Truyền nhận qua</a:t>
-            </a:r>
-          </a:p>
-          <a:p>
-            <a:r>
-              <a:rPr lang="vi-VN" dirty="0">
-                <a:latin typeface="Calibri" charset="0"/>
-                <a:ea typeface="Calibri" charset="0"/>
-                <a:cs typeface="Calibri" charset="0"/>
-              </a:rPr>
-              <a:t>method channel</a:t>
-            </a:r>
-            <a:endParaRPr lang="en-US" dirty="0">
-              <a:latin typeface="Calibri" charset="0"/>
-              <a:ea typeface="Calibri" charset="0"/>
-              <a:cs typeface="Calibri" charset="0"/>
-            </a:endParaRPr>
-          </a:p>
-        </p:txBody>
-      </p:sp>
-      <p:sp>
-        <p:nvSpPr>
-          <p:cNvPr id="21" name="TextBox 20"/>
-          <p:cNvSpPr txBox="1"/>
-          <p:nvPr/>
-        </p:nvSpPr>
-        <p:spPr>
-          <a:xfrm>
-            <a:off x="990599" y="1025492"/>
-            <a:ext cx="2412901" cy="923330"/>
-          </a:xfrm>
-          <a:prstGeom prst="rect">
-            <a:avLst/>
-          </a:prstGeom>
-          <a:noFill/>
-        </p:spPr>
-        <p:txBody>
-          <a:bodyPr wrap="square" rtlCol="0">
-            <a:spAutoFit/>
-          </a:bodyPr>
-          <a:lstStyle/>
-          <a:p>
+              <a:rPr lang="en-US" dirty="0">
+                <a:hlinkClick r:id="rId2"/>
+              </a:rPr>
+              <a:t>https://</a:t>
+            </a:r>
             <a:r>
               <a:rPr lang="en-US" dirty="0" err="1">
-                <a:latin typeface="Calibri" charset="0"/>
-                <a:ea typeface="Calibri" charset="0"/>
-                <a:cs typeface="Calibri" charset="0"/>
-              </a:rPr>
-              <a:t>RCTBridgeModule</a:t>
-            </a:r>
-            <a:r>
-              <a:rPr lang="vi-VN" dirty="0" smtClean="0">
-                <a:latin typeface="Calibri" charset="0"/>
-                <a:ea typeface="Calibri" charset="0"/>
-                <a:cs typeface="Calibri" charset="0"/>
-              </a:rPr>
-              <a:t> thông qua các interface/protocol</a:t>
-            </a:r>
-            <a:endParaRPr lang="en-US" dirty="0">
-              <a:latin typeface="Calibri" charset="0"/>
-              <a:ea typeface="Calibri" charset="0"/>
-              <a:cs typeface="Calibri" charset="0"/>
-            </a:endParaRPr>
-          </a:p>
-        </p:txBody>
-      </p:sp>
-      <p:sp>
-        <p:nvSpPr>
-          <p:cNvPr id="22" name="TextBox 21"/>
-          <p:cNvSpPr txBox="1"/>
-          <p:nvPr/>
-        </p:nvSpPr>
-        <p:spPr>
-          <a:xfrm>
-            <a:off x="2913742" y="2357933"/>
-            <a:ext cx="3100234" cy="646331"/>
-          </a:xfrm>
-          <a:prstGeom prst="rect">
-            <a:avLst/>
-          </a:prstGeom>
-          <a:noFill/>
-        </p:spPr>
-        <p:txBody>
-          <a:bodyPr wrap="square" rtlCol="0">
-            <a:spAutoFit/>
-          </a:bodyPr>
-          <a:lstStyle/>
-          <a:p>
+                <a:hlinkClick r:id="rId2"/>
+              </a:rPr>
+              <a:t>techmaster.vn</a:t>
+            </a:r>
+            <a:r>
+              <a:rPr lang="en-US" dirty="0">
+                <a:hlinkClick r:id="rId2"/>
+              </a:rPr>
+              <a:t>/</a:t>
+            </a:r>
             <a:r>
               <a:rPr lang="en-US" dirty="0" err="1">
-                <a:ea typeface="Roboto Mono for Powerline" charset="0"/>
-                <a:cs typeface="Roboto Mono for Powerline" charset="0"/>
-              </a:rPr>
-              <a:t>K</a:t>
+                <a:hlinkClick r:id="rId2"/>
+              </a:rPr>
+              <a:t>khoa</a:t>
+            </a:r>
+            <a:r>
+              <a:rPr lang="en-US" dirty="0">
+                <a:hlinkClick r:id="rId2"/>
+              </a:rPr>
+              <a:t>-hoc/25480/lap-</a:t>
+            </a:r>
+            <a:r>
+              <a:rPr lang="en-US" dirty="0" err="1">
+                <a:hlinkClick r:id="rId2"/>
+              </a:rPr>
+              <a:t>trinh</a:t>
+            </a:r>
+            <a:r>
+              <a:rPr lang="en-US" dirty="0">
+                <a:hlinkClick r:id="rId2"/>
+              </a:rPr>
+              <a:t>-web-</a:t>
+            </a:r>
+            <a:r>
+              <a:rPr lang="en-US" dirty="0" err="1">
+                <a:hlinkClick r:id="rId2"/>
+              </a:rPr>
+              <a:t>nodejs</a:t>
+            </a:r>
+            <a:r>
+              <a:rPr lang="en-US" dirty="0">
+                <a:hlinkClick r:id="rId2"/>
+              </a:rPr>
+              <a:t>-toc-do-</a:t>
+            </a:r>
+            <a:r>
+              <a:rPr lang="en-US" dirty="0" err="1">
+                <a:hlinkClick r:id="rId2"/>
+              </a:rPr>
+              <a:t>cao</a:t>
+            </a:r>
+            <a:endParaRPr lang="en-US" dirty="0"/>
+          </a:p>
+          <a:p>
+            <a:r>
+              <a:rPr lang="en-US" dirty="0">
+                <a:hlinkClick r:id="rId3"/>
+              </a:rPr>
+              <a:t>https</a:t>
+            </a:r>
+            <a:r>
+              <a:rPr lang="en-US" dirty="0" smtClean="0">
+                <a:hlinkClick r:id="rId3"/>
+              </a:rPr>
+              <a:t>://</a:t>
             </a:r>
             <a:r>
               <a:rPr lang="en-US" dirty="0" err="1" smtClean="0">
-                <a:ea typeface="Roboto Mono for Powerline" charset="0"/>
-                <a:cs typeface="Roboto Mono for Powerline" charset="0"/>
-              </a:rPr>
-              <a:t>o</a:t>
+                <a:hlinkClick r:id="rId3"/>
+              </a:rPr>
+              <a:t>www.youtube.com</a:t>
             </a:r>
             <a:r>
               <a:rPr lang="en-US" dirty="0" smtClean="0">
-                <a:ea typeface="Roboto Mono for Powerline" charset="0"/>
-                <a:cs typeface="Roboto Mono for Powerline" charset="0"/>
-              </a:rPr>
-              <a:t> </a:t>
+                <a:hlinkClick r:id="rId3"/>
+              </a:rPr>
+              <a:t>/c/</a:t>
             </a:r>
             <a:r>
               <a:rPr lang="en-US" dirty="0" err="1" smtClean="0">
-                <a:ea typeface="Roboto Mono for Powerline" charset="0"/>
-                <a:cs typeface="Roboto Mono for Powerline" charset="0"/>
-              </a:rPr>
-              <a:t>thể</a:t>
-            </a:r>
-            <a:r>
-              <a:rPr lang="en-US" dirty="0" smtClean="0">
-                <a:ea typeface="Roboto Mono for Powerline" charset="0"/>
-                <a:cs typeface="Roboto Mono for Powerline" charset="0"/>
-              </a:rPr>
-              <a:t> </a:t>
-            </a:r>
-            <a:r>
-              <a:rPr lang="en-US" dirty="0" err="1" smtClean="0">
-                <a:ea typeface="Roboto Mono for Powerline" charset="0"/>
-                <a:cs typeface="Roboto Mono for Powerline" charset="0"/>
-              </a:rPr>
-              <a:t>sử</a:t>
-            </a:r>
-            <a:r>
-              <a:rPr lang="en-US" dirty="0" smtClean="0">
-                <a:ea typeface="Roboto Mono for Powerline" charset="0"/>
-                <a:cs typeface="Roboto Mono for Powerline" charset="0"/>
-              </a:rPr>
-              <a:t> </a:t>
-            </a:r>
-            <a:r>
-              <a:rPr lang="en-US" dirty="0" err="1" smtClean="0">
-                <a:ea typeface="Roboto Mono for Powerline" charset="0"/>
-                <a:cs typeface="Roboto Mono for Powerline" charset="0"/>
-              </a:rPr>
-              <a:t>dụng</a:t>
-            </a:r>
-            <a:r>
-              <a:rPr lang="en-US" dirty="0" smtClean="0">
-                <a:ea typeface="Roboto Mono for Powerline" charset="0"/>
-                <a:cs typeface="Roboto Mono for Powerline" charset="0"/>
-              </a:rPr>
-              <a:t> </a:t>
-            </a:r>
-            <a:r>
-              <a:rPr lang="en-US" dirty="0" err="1" smtClean="0">
-                <a:ea typeface="Roboto Mono for Powerline" charset="0"/>
-                <a:cs typeface="Roboto Mono for Powerline" charset="0"/>
-              </a:rPr>
-              <a:t>hàm</a:t>
-            </a:r>
-            <a:r>
-              <a:rPr lang="en-US" dirty="0" smtClean="0">
-                <a:ea typeface="Roboto Mono for Powerline" charset="0"/>
-                <a:cs typeface="Roboto Mono for Powerline" charset="0"/>
-              </a:rPr>
-              <a:t>/View </a:t>
-            </a:r>
-            <a:r>
-              <a:rPr lang="en-US" dirty="0" err="1" smtClean="0">
-                <a:ea typeface="Roboto Mono for Powerline" charset="0"/>
-                <a:cs typeface="Roboto Mono for Powerline" charset="0"/>
-              </a:rPr>
-              <a:t>của</a:t>
-            </a:r>
-            <a:r>
-              <a:rPr lang="en-US" dirty="0" smtClean="0">
-                <a:ea typeface="Roboto Mono for Powerline" charset="0"/>
-                <a:cs typeface="Roboto Mono for Powerline" charset="0"/>
-              </a:rPr>
-              <a:t> </a:t>
-            </a:r>
-            <a:r>
-              <a:rPr lang="en-US" dirty="0" err="1">
-                <a:ea typeface="Roboto Mono for Powerline" charset="0"/>
-                <a:cs typeface="Roboto Mono for Powerline" charset="0"/>
-              </a:rPr>
-              <a:t>IOS</a:t>
-            </a:r>
-            <a:r>
-              <a:rPr lang="en-US" dirty="0" smtClean="0">
-                <a:ea typeface="Roboto Mono for Powerline" charset="0"/>
-                <a:cs typeface="Roboto Mono for Powerline" charset="0"/>
-              </a:rPr>
-              <a:t> </a:t>
-            </a:r>
-            <a:r>
-              <a:rPr lang="en-US" dirty="0" err="1" smtClean="0">
-                <a:ea typeface="Roboto Mono for Powerline" charset="0"/>
-                <a:cs typeface="Roboto Mono for Powerline" charset="0"/>
-              </a:rPr>
-              <a:t>cho</a:t>
-            </a:r>
-            <a:r>
-              <a:rPr lang="en-US" dirty="0" smtClean="0">
-                <a:ea typeface="Roboto Mono for Powerline" charset="0"/>
-                <a:cs typeface="Roboto Mono for Powerline" charset="0"/>
-              </a:rPr>
-              <a:t> android </a:t>
-            </a:r>
-            <a:r>
-              <a:rPr lang="en-US" dirty="0" err="1" smtClean="0">
-                <a:ea typeface="Roboto Mono for Powerline" charset="0"/>
-                <a:cs typeface="Roboto Mono for Powerline" charset="0"/>
-              </a:rPr>
-              <a:t>và</a:t>
-            </a:r>
-            <a:r>
-              <a:rPr lang="en-US" dirty="0" smtClean="0">
-                <a:ea typeface="Roboto Mono for Powerline" charset="0"/>
-                <a:cs typeface="Roboto Mono for Powerline" charset="0"/>
-              </a:rPr>
-              <a:t> </a:t>
-            </a:r>
-            <a:r>
-              <a:rPr lang="en-US" dirty="0" err="1" smtClean="0">
-                <a:ea typeface="Roboto Mono for Powerline" charset="0"/>
-                <a:cs typeface="Roboto Mono for Powerline" charset="0"/>
-              </a:rPr>
-              <a:t>ngược</a:t>
-            </a:r>
-            <a:r>
-              <a:rPr lang="en-US" dirty="0" smtClean="0">
-                <a:ea typeface="Roboto Mono for Powerline" charset="0"/>
-                <a:cs typeface="Roboto Mono for Powerline" charset="0"/>
-              </a:rPr>
-              <a:t> </a:t>
-            </a:r>
-            <a:r>
-              <a:rPr lang="en-US" dirty="0" err="1" smtClean="0">
-                <a:ea typeface="Roboto Mono for Powerline" charset="0"/>
-                <a:cs typeface="Roboto Mono for Powerline" charset="0"/>
-              </a:rPr>
-              <a:t>lại</a:t>
-            </a:r>
-            <a:endParaRPr lang="en-US" dirty="0">
-              <a:ea typeface="Roboto Mono for Powerline" charset="0"/>
-              <a:cs typeface="Roboto Mono for Powerline" charset="0"/>
-            </a:endParaRPr>
-          </a:p>
-        </p:txBody>
-      </p:sp>
-      <p:sp>
-        <p:nvSpPr>
-          <p:cNvPr id="23" name="TextBox 22"/>
-          <p:cNvSpPr txBox="1"/>
-          <p:nvPr/>
-        </p:nvSpPr>
-        <p:spPr>
-          <a:xfrm>
-            <a:off x="406249" y="3335145"/>
-            <a:ext cx="2590800" cy="646331"/>
-          </a:xfrm>
-          <a:prstGeom prst="rect">
-            <a:avLst/>
-          </a:prstGeom>
-          <a:noFill/>
-        </p:spPr>
-        <p:txBody>
-          <a:bodyPr wrap="square" rtlCol="0">
-            <a:spAutoFit/>
-          </a:bodyPr>
-          <a:lstStyle/>
-          <a:p>
-            <a:r>
-              <a:rPr lang="en-US" dirty="0" err="1" smtClean="0">
-                <a:ea typeface="Roboto Mono for Powerline" charset="0"/>
-                <a:cs typeface="Roboto Mono for Powerline" charset="0"/>
-              </a:rPr>
-              <a:t>Thêm thủ thuật mới</a:t>
-            </a:r>
-          </a:p>
-          <a:p>
-            <a:r>
-              <a:rPr lang="en-US" dirty="0" err="1">
-                <a:ea typeface="Roboto Mono for Powerline" charset="0"/>
-                <a:cs typeface="Roboto Mono for Powerline" charset="0"/>
-              </a:rPr>
-              <a:t>gọi được Swift &amp; Kotlin</a:t>
-            </a:r>
-            <a:endParaRPr lang="en-US" dirty="0">
-              <a:ea typeface="Roboto Mono for Powerline" charset="0"/>
-              <a:cs typeface="Roboto Mono for Powerline" charset="0"/>
-            </a:endParaRPr>
-          </a:p>
-        </p:txBody>
-      </p:sp>
-      <p:sp>
-        <p:nvSpPr>
-          <p:cNvPr id="24" name="TextBox 23"/>
-          <p:cNvSpPr txBox="1"/>
-          <p:nvPr/>
-        </p:nvSpPr>
-        <p:spPr>
-          <a:xfrm>
-            <a:off x="6033854" y="3388410"/>
-            <a:ext cx="2651518" cy="646331"/>
-          </a:xfrm>
-          <a:prstGeom prst="rect">
-            <a:avLst/>
-          </a:prstGeom>
-          <a:noFill/>
-        </p:spPr>
-        <p:txBody>
-          <a:bodyPr wrap="square" rtlCol="0">
-            <a:spAutoFit/>
-          </a:bodyPr>
-          <a:lstStyle/>
-          <a:p>
-            <a:r>
-              <a:rPr lang="en-US" dirty="0" err="1">
-                <a:ea typeface="Roboto Mono for Powerline" charset="0"/>
-                <a:cs typeface="Roboto Mono for Powerline" charset="0"/>
-              </a:rPr>
-              <a:t>Dễ dàng hỗ trợ thêm </a:t>
-            </a:r>
-            <a:r>
-              <a:rPr lang="en-US" dirty="0" err="1" smtClean="0">
-                <a:ea typeface="Roboto Mono for Powerline" charset="0"/>
-                <a:cs typeface="Roboto Mono for Powerline" charset="0"/>
-              </a:rPr>
-              <a:t>Kotlin</a:t>
-            </a:r>
-            <a:r>
-              <a:rPr lang="en-US" dirty="0" smtClean="0">
-                <a:ea typeface="Roboto Mono for Powerline" charset="0"/>
-                <a:cs typeface="Roboto Mono for Powerline" charset="0"/>
-              </a:rPr>
-              <a:t> </a:t>
-            </a:r>
-            <a:r>
-              <a:rPr lang="en-US" dirty="0" err="1" smtClean="0">
-                <a:ea typeface="Roboto Mono for Powerline" charset="0"/>
-                <a:cs typeface="Roboto Mono for Powerline" charset="0"/>
-              </a:rPr>
-              <a:t>và</a:t>
-            </a:r>
-            <a:r>
-              <a:rPr lang="en-US" dirty="0" smtClean="0">
-                <a:ea typeface="Roboto Mono for Powerline" charset="0"/>
-                <a:cs typeface="Roboto Mono for Powerline" charset="0"/>
-              </a:rPr>
-              <a:t> Swift</a:t>
-            </a:r>
-            <a:endParaRPr lang="en-US" dirty="0">
-              <a:ea typeface="Roboto Mono for Powerline" charset="0"/>
-              <a:cs typeface="Roboto Mono for Powerline" charset="0"/>
-            </a:endParaRPr>
-          </a:p>
-        </p:txBody>
-      </p:sp>
-      <p:sp>
-        <p:nvSpPr>
-          <p:cNvPr id="25" name="TextBox 24"/>
-          <p:cNvSpPr txBox="1"/>
-          <p:nvPr/>
-        </p:nvSpPr>
-        <p:spPr>
-          <a:xfrm>
-            <a:off x="3229216" y="1420437"/>
-            <a:ext cx="2412069" cy="646331"/>
-          </a:xfrm>
-          <a:prstGeom prst="rect">
-            <a:avLst/>
-          </a:prstGeom>
-          <a:noFill/>
-        </p:spPr>
-        <p:txBody>
-          <a:bodyPr wrap="square" rtlCol="0">
-            <a:spAutoFit/>
-          </a:bodyPr>
-          <a:lstStyle/>
-          <a:p>
-            <a:r>
-              <a:rPr lang="en-US" dirty="0" smtClean="0">
-                <a:ea typeface="Roboto Mono for Powerline" charset="0"/>
-                <a:cs typeface="Roboto Mono for Powerline" charset="0"/>
-              </a:rPr>
-              <a:t>Hỗ trợ kiểu dữ liệu cơ</a:t>
-            </a:r>
-          </a:p>
-          <a:p>
-            <a:r>
-              <a:rPr lang="en-US" dirty="0">
-                <a:ea typeface="Roboto Mono for Powerline" charset="0"/>
-                <a:cs typeface="Roboto Mono for Powerline" charset="0"/>
-              </a:rPr>
-              <a:t>bản và Map&lt;key,value&gt;</a:t>
-            </a:r>
-          </a:p>
-        </p:txBody>
-      </p:sp>
-      <p:sp>
-        <p:nvSpPr>
-          <p:cNvPr id="16" name="TextBox 15"/>
-          <p:cNvSpPr txBox="1"/>
-          <p:nvPr/>
-        </p:nvSpPr>
-        <p:spPr>
-          <a:xfrm>
-            <a:off x="2997049" y="3239703"/>
-            <a:ext cx="3100234" cy="369332"/>
-          </a:xfrm>
-          <a:prstGeom prst="rect">
-            <a:avLst/>
-          </a:prstGeom>
-          <a:noFill/>
-        </p:spPr>
-        <p:txBody>
-          <a:bodyPr wrap="square" rtlCol="0">
-            <a:spAutoFit/>
-          </a:bodyPr>
-          <a:lstStyle/>
-          <a:p>
-            <a:r>
-              <a:rPr lang="en-US" dirty="0" err="1">
-                <a:ea typeface="Roboto Mono for Powerline" charset="0"/>
-                <a:cs typeface="Roboto Mono for Powerline" charset="0"/>
-              </a:rPr>
-              <a:t>Hỗ trợ gọi Objective-C &amp; Java</a:t>
-            </a:r>
-            <a:endParaRPr lang="en-US" dirty="0">
-              <a:ea typeface="Roboto Mono for Powerline" charset="0"/>
-              <a:cs typeface="Roboto Mono for Powerline" charset="0"/>
-            </a:endParaRPr>
-          </a:p>
-        </p:txBody>
-      </p:sp>
-      <p:sp>
-        <p:nvSpPr>
-          <p:cNvPr id="17" name="TextBox 16"/>
-          <p:cNvSpPr txBox="1"/>
-          <p:nvPr/>
-        </p:nvSpPr>
-        <p:spPr>
-          <a:xfrm>
-            <a:off x="356976" y="2044264"/>
-            <a:ext cx="2412901" cy="923330"/>
-          </a:xfrm>
-          <a:prstGeom prst="rect">
-            <a:avLst/>
-          </a:prstGeom>
-          <a:noFill/>
-        </p:spPr>
-        <p:txBody>
-          <a:bodyPr wrap="square" rtlCol="0">
-            <a:spAutoFit/>
-          </a:bodyPr>
-          <a:lstStyle/>
-          <a:p>
-            <a:r>
-              <a:rPr lang="vi-VN" dirty="0" err="1">
-                <a:latin typeface="Calibri" charset="0"/>
-                <a:ea typeface="Calibri" charset="0"/>
-                <a:cs typeface="Calibri" charset="0"/>
-              </a:rPr>
-              <a:t>Sử dụng được native UI</a:t>
-            </a:r>
-            <a:br>
-              <a:rPr lang="vi-VN" dirty="0" err="1">
-                <a:latin typeface="Calibri" charset="0"/>
-                <a:ea typeface="Calibri" charset="0"/>
-                <a:cs typeface="Calibri" charset="0"/>
-              </a:rPr>
-            </a:br>
-            <a:r>
-              <a:rPr lang="vi-VN" dirty="0" err="1">
-                <a:latin typeface="Calibri" charset="0"/>
-                <a:ea typeface="Calibri" charset="0"/>
-                <a:cs typeface="Calibri" charset="0"/>
-              </a:rPr>
-              <a:t>control của IOS và Android như code rối</a:t>
-            </a:r>
-            <a:endParaRPr lang="en-US" dirty="0">
-              <a:latin typeface="Calibri" charset="0"/>
-              <a:ea typeface="Calibri" charset="0"/>
-              <a:cs typeface="Calibri" charset="0"/>
-            </a:endParaRPr>
-          </a:p>
-        </p:txBody>
-      </p:sp>
-      <p:sp>
-        <p:nvSpPr>
-          <p:cNvPr id="18" name="TextBox 17"/>
-          <p:cNvSpPr txBox="1"/>
-          <p:nvPr/>
-        </p:nvSpPr>
-        <p:spPr>
-          <a:xfrm>
-            <a:off x="6167749" y="2162482"/>
-            <a:ext cx="2412901" cy="923330"/>
-          </a:xfrm>
-          <a:prstGeom prst="rect">
-            <a:avLst/>
-          </a:prstGeom>
-          <a:noFill/>
-        </p:spPr>
-        <p:txBody>
-          <a:bodyPr wrap="square" rtlCol="0">
-            <a:spAutoFit/>
-          </a:bodyPr>
-          <a:lstStyle/>
-          <a:p>
-            <a:r>
-              <a:rPr lang="vi-VN" dirty="0" err="1">
-                <a:latin typeface="Calibri" charset="0"/>
-                <a:ea typeface="Calibri" charset="0"/>
-                <a:cs typeface="Calibri" charset="0"/>
-              </a:rPr>
-              <a:t>Không dùng được native UI </a:t>
-            </a:r>
-            <a:r>
-              <a:rPr lang="vi-VN" i="1" dirty="0" err="1">
-                <a:latin typeface="Calibri" charset="0"/>
-                <a:ea typeface="Calibri" charset="0"/>
-                <a:cs typeface="Calibri" charset="0"/>
-              </a:rPr>
-              <a:t>có thể chưa biết cách !</a:t>
-            </a:r>
-            <a:endParaRPr lang="en-US" dirty="0">
-              <a:latin typeface="Calibri" charset="0"/>
-              <a:ea typeface="Calibri" charset="0"/>
-              <a:cs typeface="Calibri" charset="0"/>
-            </a:endParaRPr>
-          </a:p>
-        </p:txBody>
-      </p:sp>
-      <p:sp>
-        <p:nvSpPr>
-          <p:cNvPr id="15" name="TextBox 14"/>
-          <p:cNvSpPr txBox="1"/>
-          <p:nvPr/>
-        </p:nvSpPr>
-        <p:spPr>
-          <a:xfrm>
-            <a:off x="2997049" y="29223"/>
-            <a:ext cx="2765501" cy="461665"/>
-          </a:xfrm>
-          <a:prstGeom prst="rect">
-            <a:avLst/>
-          </a:prstGeom>
-          <a:noFill/>
-        </p:spPr>
-        <p:txBody>
-          <a:bodyPr wrap="none" rtlCol="0">
-            <a:spAutoFit/>
-          </a:bodyPr>
-          <a:lstStyle/>
-          <a:p>
-            <a:r>
-              <a:rPr lang="en-US" sz="2400" b="1" dirty="0">
-                <a:solidFill>
-                  <a:schemeClr val="bg1"/>
-                </a:solidFill>
-                <a:latin typeface="Roboto Mono for Powerline" charset="0"/>
-                <a:ea typeface="Roboto Mono for Powerline" charset="0"/>
-                <a:cs typeface="Roboto Mono for Powerline" charset="0"/>
-              </a:rPr>
-              <a:t>Gọi native API</a:t>
-            </a:r>
+                <a:hlinkClick r:id="rId3"/>
+              </a:rPr>
+              <a:t>nguyenduchoang</a:t>
+            </a:r>
+            <a:endParaRPr lang="en-US" dirty="0"/>
           </a:p>
         </p:txBody>
       </p:sp>
     </p:spTree>
     <p:extLst>
       <p:ext uri="{BB962C8B-B14F-4D97-AF65-F5344CB8AC3E}">
-        <p14:creationId xmlns:p14="http://schemas.microsoft.com/office/powerpoint/2010/main" val="1563766036"/>
+        <p14:creationId xmlns:p14="http://schemas.microsoft.com/office/powerpoint/2010/main" val="703164273"/>
       </p:ext>
     </p:extLst>
   </p:cSld>
   <p:clrMapOvr>
     <a:masterClrMapping/>
   </p:clrMapOvr>
-  <p:timing>
-    <p:tnLst>
-      <p:par>
-        <p:cTn id="1" dur="indefinite" restart="never" nodeType="tmRoot"/>
-      </p:par>
-    </p:tnLst>
-  </p:timing>
+  <mc:AlternateContent xmlns:mc="http://schemas.openxmlformats.org/markup-compatibility/2006">
+    <mc:Choice xmlns:p14="http://schemas.microsoft.com/office/powerpoint/2010/main" Requires="p14">
+      <p:transition spd="slow" p14:dur="2000"/>
+    </mc:Choice>
+    <mc:Fallback>
+      <p:transition spd="slow"/>
+    </mc:Fallback>
+  </mc:AlternateContent>
 </p:sld>
 </file>
 
@@ -12110,180 +10085,6 @@
       </p:par>
     </p:tnLst>
   </p:timing>
-</p:sld>
-</file>
-
-<file path=ppt/slides/slide20.xml><?xml version="1.0" encoding="utf-8"?>
-<p:sld xmlns:a="http://schemas.openxmlformats.org/drawingml/2006/main" xmlns:r="http://schemas.openxmlformats.org/officeDocument/2006/relationships" xmlns:p="http://schemas.openxmlformats.org/presentationml/2006/main" show="0">
-  <p:cSld>
-    <p:spTree>
-      <p:nvGrpSpPr>
-        <p:cNvPr id="1" name=""/>
-        <p:cNvGrpSpPr/>
-        <p:nvPr/>
-      </p:nvGrpSpPr>
-      <p:grpSpPr>
-        <a:xfrm>
-          <a:off x="0" y="0"/>
-          <a:ext cx="0" cy="0"/>
-          <a:chOff x="0" y="0"/>
-          <a:chExt cx="0" cy="0"/>
-        </a:xfrm>
-      </p:grpSpPr>
-      <p:sp>
-        <p:nvSpPr>
-          <p:cNvPr id="2" name="Title 1"/>
-          <p:cNvSpPr>
-            <a:spLocks noGrp="1"/>
-          </p:cNvSpPr>
-          <p:nvPr>
-            <p:ph type="title"/>
-          </p:nvPr>
-        </p:nvSpPr>
-        <p:spPr/>
-        <p:txBody>
-          <a:bodyPr>
-            <a:normAutofit fontScale="90000"/>
-          </a:bodyPr>
-          <a:lstStyle/>
-          <a:p>
-            <a:r>
-              <a:rPr lang="en-US"/>
-              <a:t>Tham khảo</a:t>
-            </a:r>
-          </a:p>
-        </p:txBody>
-      </p:sp>
-      <p:sp>
-        <p:nvSpPr>
-          <p:cNvPr id="3" name="Content Placeholder 2"/>
-          <p:cNvSpPr>
-            <a:spLocks noGrp="1"/>
-          </p:cNvSpPr>
-          <p:nvPr>
-            <p:ph idx="1"/>
-          </p:nvPr>
-        </p:nvSpPr>
-        <p:spPr/>
-        <p:txBody>
-          <a:bodyPr/>
-          <a:lstStyle/>
-          <a:p>
-            <a:r>
-              <a:rPr lang="en-US" dirty="0">
-                <a:hlinkClick r:id="rId2"/>
-              </a:rPr>
-              <a:t>https://</a:t>
-            </a:r>
-            <a:r>
-              <a:rPr lang="en-US" dirty="0" err="1">
-                <a:hlinkClick r:id="rId2"/>
-              </a:rPr>
-              <a:t>techmaster.vn</a:t>
-            </a:r>
-            <a:r>
-              <a:rPr lang="en-US" dirty="0">
-                <a:hlinkClick r:id="rId2"/>
-              </a:rPr>
-              <a:t>/</a:t>
-            </a:r>
-            <a:r>
-              <a:rPr lang="en-US" dirty="0" err="1">
-                <a:hlinkClick r:id="rId2"/>
-              </a:rPr>
-              <a:t>khoa</a:t>
-            </a:r>
-            <a:r>
-              <a:rPr lang="en-US" dirty="0">
-                <a:hlinkClick r:id="rId2"/>
-              </a:rPr>
-              <a:t>-hoc/25480/lap-</a:t>
-            </a:r>
-            <a:r>
-              <a:rPr lang="en-US" dirty="0" err="1">
-                <a:hlinkClick r:id="rId2"/>
-              </a:rPr>
-              <a:t>trinh</a:t>
-            </a:r>
-            <a:r>
-              <a:rPr lang="en-US" dirty="0">
-                <a:hlinkClick r:id="rId2"/>
-              </a:rPr>
-              <a:t>-web-</a:t>
-            </a:r>
-            <a:r>
-              <a:rPr lang="en-US" dirty="0" err="1">
-                <a:hlinkClick r:id="rId2"/>
-              </a:rPr>
-              <a:t>nodejs</a:t>
-            </a:r>
-            <a:r>
-              <a:rPr lang="en-US" dirty="0">
-                <a:hlinkClick r:id="rId2"/>
-              </a:rPr>
-              <a:t>-toc-do-</a:t>
-            </a:r>
-            <a:r>
-              <a:rPr lang="en-US" dirty="0" err="1">
-                <a:hlinkClick r:id="rId2"/>
-              </a:rPr>
-              <a:t>cao</a:t>
-            </a:r>
-            <a:endParaRPr lang="en-US" dirty="0"/>
-          </a:p>
-          <a:p>
-            <a:r>
-              <a:rPr lang="en-US" dirty="0">
-                <a:hlinkClick r:id="rId3"/>
-              </a:rPr>
-              <a:t>https</a:t>
-            </a:r>
-            <a:r>
-              <a:rPr lang="en-US" dirty="0" smtClean="0">
-                <a:hlinkClick r:id="rId3"/>
-              </a:rPr>
-              <a:t>://</a:t>
-            </a:r>
-            <a:r>
-              <a:rPr lang="en-US" dirty="0" err="1" smtClean="0">
-                <a:hlinkClick r:id="rId3"/>
-              </a:rPr>
-              <a:t>www.youtube.com</a:t>
-            </a:r>
-            <a:r>
-              <a:rPr lang="en-US" dirty="0" smtClean="0">
-                <a:hlinkClick r:id="rId3"/>
-              </a:rPr>
-              <a:t>/c/</a:t>
-            </a:r>
-            <a:r>
-              <a:rPr lang="en-US" dirty="0" err="1" smtClean="0">
-                <a:hlinkClick r:id="rId3"/>
-              </a:rPr>
-              <a:t>nguyenduchoang</a:t>
-            </a:r>
-            <a:endParaRPr lang="en-US" dirty="0"/>
-          </a:p>
-        </p:txBody>
-      </p:sp>
-    </p:spTree>
-    <p:extLst>
-      <p:ext uri="{BB962C8B-B14F-4D97-AF65-F5344CB8AC3E}">
-        <p14:creationId xmlns:p14="http://schemas.microsoft.com/office/powerpoint/2010/main" val="703164273"/>
-      </p:ext>
-    </p:extLst>
-  </p:cSld>
-  <p:clrMapOvr>
-    <a:masterClrMapping/>
-  </p:clrMapOvr>
-  <mc:AlternateContent xmlns:mc="http://schemas.openxmlformats.org/markup-compatibility/2006">
-    <mc:Choice xmlns:p14="http://schemas.microsoft.com/office/powerpoint/2010/main" Requires="p14">
-      <p:transition spd="slow" p14:dur="2000"/>
-    </mc:Choice>
-    <mc:Fallback>
-      <p:transition spd="slow"/>
-    </mc:Fallback>
-  </mc:AlternateContent>
 </p:sld>
 </file>
 
@@ -13366,8 +11167,8 @@
         </p:nvSpPr>
         <p:spPr>
           <a:xfrm>
-            <a:off x="381000" y="1047750"/>
-            <a:ext cx="8686800" cy="3818752"/>
+            <a:off x="228600" y="1047750"/>
+            <a:ext cx="8915400" cy="3818752"/>
           </a:xfrm>
           <a:prstGeom prst="rect">
             <a:avLst/>
@@ -13620,10 +11421,16 @@
               <a:spcBef>
                 <a:spcPts val="600"/>
               </a:spcBef>
-              <a:buFont typeface="Arial" pitchFamily="34" charset="0"/>
               <a:buNone/>
             </a:pPr>
-            <a:endParaRPr lang="en-US" dirty="0" smtClean="0"/>
+            <a:endParaRPr lang="en-US" dirty="0" smtClean="0">
+              <a:solidFill>
+                <a:schemeClr val="accent6">
+                  <a:lumMod val="60000"/>
+                  <a:lumOff val="40000"/>
+                </a:schemeClr>
+              </a:solidFill>
+            </a:endParaRPr>
           </a:p>
           <a:p>
             <a:pPr marL="0" indent="0">
@@ -13689,11 +11496,7 @@
             </a:r>
             <a:r>
               <a:rPr lang="en-US" dirty="0" smtClean="0"/>
-              <a:t>i</a:t>
-            </a:r>
-            <a:r>
-              <a:rPr lang="en-US" dirty="0" smtClean="0"/>
-              <a:t>d=“1111”</a:t>
+              <a:t>id=“1111”</a:t>
             </a:r>
             <a:endParaRPr lang="en-US" dirty="0" smtClean="0">
               <a:solidFill>
@@ -14136,7 +11939,6 @@
               <a:rPr lang="en-US" dirty="0" smtClean="0"/>
               <a:t>):</a:t>
             </a:r>
-            <a:endParaRPr lang="en-US" dirty="0" smtClean="0"/>
           </a:p>
         </p:txBody>
       </p:sp>
